--- a/escrita/seminários/apresentacao.pptx
+++ b/escrita/seminários/apresentacao.pptx
@@ -4,13 +4,23 @@
   <p:sldMasterIdLst>
     <p:sldMasterId id="2147483648" r:id="rId1"/>
   </p:sldMasterIdLst>
+  <p:notesMasterIdLst>
+    <p:notesMasterId r:id="rId15"/>
+  </p:notesMasterIdLst>
   <p:sldIdLst>
     <p:sldId id="256" r:id="rId2"/>
     <p:sldId id="257" r:id="rId3"/>
     <p:sldId id="258" r:id="rId4"/>
-    <p:sldId id="259" r:id="rId5"/>
-    <p:sldId id="260" r:id="rId6"/>
-    <p:sldId id="261" r:id="rId7"/>
+    <p:sldId id="263" r:id="rId5"/>
+    <p:sldId id="264" r:id="rId6"/>
+    <p:sldId id="259" r:id="rId7"/>
+    <p:sldId id="260" r:id="rId8"/>
+    <p:sldId id="262" r:id="rId9"/>
+    <p:sldId id="265" r:id="rId10"/>
+    <p:sldId id="266" r:id="rId11"/>
+    <p:sldId id="267" r:id="rId12"/>
+    <p:sldId id="268" r:id="rId13"/>
+    <p:sldId id="261" r:id="rId14"/>
   </p:sldIdLst>
   <p:sldSz cx="12192000" cy="6858000"/>
   <p:notesSz cx="6858000" cy="9144000"/>
@@ -109,7 +119,445 @@
       </a:defRPr>
     </a:lvl9pPr>
   </p:defaultTextStyle>
+  <p:extLst>
+    <p:ext uri="{EFAFB233-063F-42B5-8137-9DF3F51BA10A}">
+      <p15:sldGuideLst xmlns:p15="http://schemas.microsoft.com/office/powerpoint/2012/main"/>
+    </p:ext>
+  </p:extLst>
 </p:presentation>
+</file>
+
+<file path=ppt/notesMasters/notesMaster1.xml><?xml version="1.0" encoding="utf-8"?>
+<p:notesMaster xmlns:a="http://schemas.openxmlformats.org/drawingml/2006/main" xmlns:r="http://schemas.openxmlformats.org/officeDocument/2006/relationships" xmlns:p="http://schemas.openxmlformats.org/presentationml/2006/main">
+  <p:cSld>
+    <p:bg>
+      <p:bgRef idx="1001">
+        <a:schemeClr val="bg1"/>
+      </p:bgRef>
+    </p:bg>
+    <p:spTree>
+      <p:nvGrpSpPr>
+        <p:cNvPr id="1" name=""/>
+        <p:cNvGrpSpPr/>
+        <p:nvPr/>
+      </p:nvGrpSpPr>
+      <p:grpSpPr>
+        <a:xfrm>
+          <a:off x="0" y="0"/>
+          <a:ext cx="0" cy="0"/>
+          <a:chOff x="0" y="0"/>
+          <a:chExt cx="0" cy="0"/>
+        </a:xfrm>
+      </p:grpSpPr>
+      <p:sp>
+        <p:nvSpPr>
+          <p:cNvPr id="2" name="Espaço Reservado para Cabeçalho 1"/>
+          <p:cNvSpPr>
+            <a:spLocks noGrp="1"/>
+          </p:cNvSpPr>
+          <p:nvPr>
+            <p:ph type="hdr" sz="quarter"/>
+          </p:nvPr>
+        </p:nvSpPr>
+        <p:spPr>
+          <a:xfrm>
+            <a:off x="0" y="0"/>
+            <a:ext cx="2971800" cy="458788"/>
+          </a:xfrm>
+          <a:prstGeom prst="rect">
+            <a:avLst/>
+          </a:prstGeom>
+        </p:spPr>
+        <p:txBody>
+          <a:bodyPr vert="horz" lIns="91440" tIns="45720" rIns="91440" bIns="45720" rtlCol="0"/>
+          <a:lstStyle>
+            <a:lvl1pPr algn="l">
+              <a:defRPr sz="1200"/>
+            </a:lvl1pPr>
+          </a:lstStyle>
+          <a:p>
+            <a:endParaRPr lang="pt-BR"/>
+          </a:p>
+        </p:txBody>
+      </p:sp>
+      <p:sp>
+        <p:nvSpPr>
+          <p:cNvPr id="3" name="Espaço Reservado para Data 2"/>
+          <p:cNvSpPr>
+            <a:spLocks noGrp="1"/>
+          </p:cNvSpPr>
+          <p:nvPr>
+            <p:ph type="dt" idx="1"/>
+          </p:nvPr>
+        </p:nvSpPr>
+        <p:spPr>
+          <a:xfrm>
+            <a:off x="3884613" y="0"/>
+            <a:ext cx="2971800" cy="458788"/>
+          </a:xfrm>
+          <a:prstGeom prst="rect">
+            <a:avLst/>
+          </a:prstGeom>
+        </p:spPr>
+        <p:txBody>
+          <a:bodyPr vert="horz" lIns="91440" tIns="45720" rIns="91440" bIns="45720" rtlCol="0"/>
+          <a:lstStyle>
+            <a:lvl1pPr algn="r">
+              <a:defRPr sz="1200"/>
+            </a:lvl1pPr>
+          </a:lstStyle>
+          <a:p>
+            <a:fld id="{74BFEDBD-27A8-4830-AE11-D99A93A7AAE6}" type="datetimeFigureOut">
+              <a:rPr lang="pt-BR" smtClean="0"/>
+              <a:t>10/09/2022</a:t>
+            </a:fld>
+            <a:endParaRPr lang="pt-BR"/>
+          </a:p>
+        </p:txBody>
+      </p:sp>
+      <p:sp>
+        <p:nvSpPr>
+          <p:cNvPr id="4" name="Espaço Reservado para Imagem de Slide 3"/>
+          <p:cNvSpPr>
+            <a:spLocks noGrp="1" noRot="1" noChangeAspect="1"/>
+          </p:cNvSpPr>
+          <p:nvPr>
+            <p:ph type="sldImg" idx="2"/>
+          </p:nvPr>
+        </p:nvSpPr>
+        <p:spPr>
+          <a:xfrm>
+            <a:off x="685800" y="1143000"/>
+            <a:ext cx="5486400" cy="3086100"/>
+          </a:xfrm>
+          <a:prstGeom prst="rect">
+            <a:avLst/>
+          </a:prstGeom>
+          <a:noFill/>
+          <a:ln w="12700">
+            <a:solidFill>
+              <a:prstClr val="black"/>
+            </a:solidFill>
+          </a:ln>
+        </p:spPr>
+        <p:txBody>
+          <a:bodyPr vert="horz" lIns="91440" tIns="45720" rIns="91440" bIns="45720" rtlCol="0" anchor="ctr"/>
+          <a:lstStyle/>
+          <a:p>
+            <a:endParaRPr lang="pt-BR"/>
+          </a:p>
+        </p:txBody>
+      </p:sp>
+      <p:sp>
+        <p:nvSpPr>
+          <p:cNvPr id="5" name="Espaço Reservado para Anotações 4"/>
+          <p:cNvSpPr>
+            <a:spLocks noGrp="1"/>
+          </p:cNvSpPr>
+          <p:nvPr>
+            <p:ph type="body" sz="quarter" idx="3"/>
+          </p:nvPr>
+        </p:nvSpPr>
+        <p:spPr>
+          <a:xfrm>
+            <a:off x="685800" y="4400550"/>
+            <a:ext cx="5486400" cy="3600450"/>
+          </a:xfrm>
+          <a:prstGeom prst="rect">
+            <a:avLst/>
+          </a:prstGeom>
+        </p:spPr>
+        <p:txBody>
+          <a:bodyPr vert="horz" lIns="91440" tIns="45720" rIns="91440" bIns="45720" rtlCol="0"/>
+          <a:lstStyle/>
+          <a:p>
+            <a:pPr lvl="0"/>
+            <a:r>
+              <a:rPr lang="pt-BR"/>
+              <a:t>Clique para editar os estilos de texto Mestres</a:t>
+            </a:r>
+          </a:p>
+          <a:p>
+            <a:pPr lvl="1"/>
+            <a:r>
+              <a:rPr lang="pt-BR"/>
+              <a:t>Segundo nível</a:t>
+            </a:r>
+          </a:p>
+          <a:p>
+            <a:pPr lvl="2"/>
+            <a:r>
+              <a:rPr lang="pt-BR"/>
+              <a:t>Terceiro nível</a:t>
+            </a:r>
+          </a:p>
+          <a:p>
+            <a:pPr lvl="3"/>
+            <a:r>
+              <a:rPr lang="pt-BR"/>
+              <a:t>Quarto nível</a:t>
+            </a:r>
+          </a:p>
+          <a:p>
+            <a:pPr lvl="4"/>
+            <a:r>
+              <a:rPr lang="pt-BR"/>
+              <a:t>Quinto nível</a:t>
+            </a:r>
+          </a:p>
+        </p:txBody>
+      </p:sp>
+      <p:sp>
+        <p:nvSpPr>
+          <p:cNvPr id="6" name="Espaço Reservado para Rodapé 5"/>
+          <p:cNvSpPr>
+            <a:spLocks noGrp="1"/>
+          </p:cNvSpPr>
+          <p:nvPr>
+            <p:ph type="ftr" sz="quarter" idx="4"/>
+          </p:nvPr>
+        </p:nvSpPr>
+        <p:spPr>
+          <a:xfrm>
+            <a:off x="0" y="8685213"/>
+            <a:ext cx="2971800" cy="458787"/>
+          </a:xfrm>
+          <a:prstGeom prst="rect">
+            <a:avLst/>
+          </a:prstGeom>
+        </p:spPr>
+        <p:txBody>
+          <a:bodyPr vert="horz" lIns="91440" tIns="45720" rIns="91440" bIns="45720" rtlCol="0" anchor="b"/>
+          <a:lstStyle>
+            <a:lvl1pPr algn="l">
+              <a:defRPr sz="1200"/>
+            </a:lvl1pPr>
+          </a:lstStyle>
+          <a:p>
+            <a:endParaRPr lang="pt-BR"/>
+          </a:p>
+        </p:txBody>
+      </p:sp>
+      <p:sp>
+        <p:nvSpPr>
+          <p:cNvPr id="7" name="Espaço Reservado para Número de Slide 6"/>
+          <p:cNvSpPr>
+            <a:spLocks noGrp="1"/>
+          </p:cNvSpPr>
+          <p:nvPr>
+            <p:ph type="sldNum" sz="quarter" idx="5"/>
+          </p:nvPr>
+        </p:nvSpPr>
+        <p:spPr>
+          <a:xfrm>
+            <a:off x="3884613" y="8685213"/>
+            <a:ext cx="2971800" cy="458787"/>
+          </a:xfrm>
+          <a:prstGeom prst="rect">
+            <a:avLst/>
+          </a:prstGeom>
+        </p:spPr>
+        <p:txBody>
+          <a:bodyPr vert="horz" lIns="91440" tIns="45720" rIns="91440" bIns="45720" rtlCol="0" anchor="b"/>
+          <a:lstStyle>
+            <a:lvl1pPr algn="r">
+              <a:defRPr sz="1200"/>
+            </a:lvl1pPr>
+          </a:lstStyle>
+          <a:p>
+            <a:fld id="{30AB8352-7C86-4ABF-BE1B-319BF4BB161A}" type="slidenum">
+              <a:rPr lang="pt-BR" smtClean="0"/>
+              <a:t>‹nº›</a:t>
+            </a:fld>
+            <a:endParaRPr lang="pt-BR"/>
+          </a:p>
+        </p:txBody>
+      </p:sp>
+    </p:spTree>
+    <p:extLst>
+      <p:ext uri="{BB962C8B-B14F-4D97-AF65-F5344CB8AC3E}">
+        <p14:creationId xmlns:p14="http://schemas.microsoft.com/office/powerpoint/2010/main" val="1904234565"/>
+      </p:ext>
+    </p:extLst>
+  </p:cSld>
+  <p:clrMap bg1="lt1" tx1="dk1" bg2="lt2" tx2="dk2" accent1="accent1" accent2="accent2" accent3="accent3" accent4="accent4" accent5="accent5" accent6="accent6" hlink="hlink" folHlink="folHlink"/>
+  <p:notesStyle>
+    <a:lvl1pPr marL="0" algn="l" defTabSz="914400" rtl="0" eaLnBrk="1" latinLnBrk="0" hangingPunct="1">
+      <a:defRPr sz="1200" kern="1200">
+        <a:solidFill>
+          <a:schemeClr val="tx1"/>
+        </a:solidFill>
+        <a:latin typeface="+mn-lt"/>
+        <a:ea typeface="+mn-ea"/>
+        <a:cs typeface="+mn-cs"/>
+      </a:defRPr>
+    </a:lvl1pPr>
+    <a:lvl2pPr marL="457200" algn="l" defTabSz="914400" rtl="0" eaLnBrk="1" latinLnBrk="0" hangingPunct="1">
+      <a:defRPr sz="1200" kern="1200">
+        <a:solidFill>
+          <a:schemeClr val="tx1"/>
+        </a:solidFill>
+        <a:latin typeface="+mn-lt"/>
+        <a:ea typeface="+mn-ea"/>
+        <a:cs typeface="+mn-cs"/>
+      </a:defRPr>
+    </a:lvl2pPr>
+    <a:lvl3pPr marL="914400" algn="l" defTabSz="914400" rtl="0" eaLnBrk="1" latinLnBrk="0" hangingPunct="1">
+      <a:defRPr sz="1200" kern="1200">
+        <a:solidFill>
+          <a:schemeClr val="tx1"/>
+        </a:solidFill>
+        <a:latin typeface="+mn-lt"/>
+        <a:ea typeface="+mn-ea"/>
+        <a:cs typeface="+mn-cs"/>
+      </a:defRPr>
+    </a:lvl3pPr>
+    <a:lvl4pPr marL="1371600" algn="l" defTabSz="914400" rtl="0" eaLnBrk="1" latinLnBrk="0" hangingPunct="1">
+      <a:defRPr sz="1200" kern="1200">
+        <a:solidFill>
+          <a:schemeClr val="tx1"/>
+        </a:solidFill>
+        <a:latin typeface="+mn-lt"/>
+        <a:ea typeface="+mn-ea"/>
+        <a:cs typeface="+mn-cs"/>
+      </a:defRPr>
+    </a:lvl4pPr>
+    <a:lvl5pPr marL="1828800" algn="l" defTabSz="914400" rtl="0" eaLnBrk="1" latinLnBrk="0" hangingPunct="1">
+      <a:defRPr sz="1200" kern="1200">
+        <a:solidFill>
+          <a:schemeClr val="tx1"/>
+        </a:solidFill>
+        <a:latin typeface="+mn-lt"/>
+        <a:ea typeface="+mn-ea"/>
+        <a:cs typeface="+mn-cs"/>
+      </a:defRPr>
+    </a:lvl5pPr>
+    <a:lvl6pPr marL="2286000" algn="l" defTabSz="914400" rtl="0" eaLnBrk="1" latinLnBrk="0" hangingPunct="1">
+      <a:defRPr sz="1200" kern="1200">
+        <a:solidFill>
+          <a:schemeClr val="tx1"/>
+        </a:solidFill>
+        <a:latin typeface="+mn-lt"/>
+        <a:ea typeface="+mn-ea"/>
+        <a:cs typeface="+mn-cs"/>
+      </a:defRPr>
+    </a:lvl6pPr>
+    <a:lvl7pPr marL="2743200" algn="l" defTabSz="914400" rtl="0" eaLnBrk="1" latinLnBrk="0" hangingPunct="1">
+      <a:defRPr sz="1200" kern="1200">
+        <a:solidFill>
+          <a:schemeClr val="tx1"/>
+        </a:solidFill>
+        <a:latin typeface="+mn-lt"/>
+        <a:ea typeface="+mn-ea"/>
+        <a:cs typeface="+mn-cs"/>
+      </a:defRPr>
+    </a:lvl7pPr>
+    <a:lvl8pPr marL="3200400" algn="l" defTabSz="914400" rtl="0" eaLnBrk="1" latinLnBrk="0" hangingPunct="1">
+      <a:defRPr sz="1200" kern="1200">
+        <a:solidFill>
+          <a:schemeClr val="tx1"/>
+        </a:solidFill>
+        <a:latin typeface="+mn-lt"/>
+        <a:ea typeface="+mn-ea"/>
+        <a:cs typeface="+mn-cs"/>
+      </a:defRPr>
+    </a:lvl8pPr>
+    <a:lvl9pPr marL="3657600" algn="l" defTabSz="914400" rtl="0" eaLnBrk="1" latinLnBrk="0" hangingPunct="1">
+      <a:defRPr sz="1200" kern="1200">
+        <a:solidFill>
+          <a:schemeClr val="tx1"/>
+        </a:solidFill>
+        <a:latin typeface="+mn-lt"/>
+        <a:ea typeface="+mn-ea"/>
+        <a:cs typeface="+mn-cs"/>
+      </a:defRPr>
+    </a:lvl9pPr>
+  </p:notesStyle>
+</p:notesMaster>
+</file>
+
+<file path=ppt/notesSlides/notesSlide1.xml><?xml version="1.0" encoding="utf-8"?>
+<p:notes xmlns:a="http://schemas.openxmlformats.org/drawingml/2006/main" xmlns:r="http://schemas.openxmlformats.org/officeDocument/2006/relationships" xmlns:p="http://schemas.openxmlformats.org/presentationml/2006/main">
+  <p:cSld>
+    <p:spTree>
+      <p:nvGrpSpPr>
+        <p:cNvPr id="1" name=""/>
+        <p:cNvGrpSpPr/>
+        <p:nvPr/>
+      </p:nvGrpSpPr>
+      <p:grpSpPr>
+        <a:xfrm>
+          <a:off x="0" y="0"/>
+          <a:ext cx="0" cy="0"/>
+          <a:chOff x="0" y="0"/>
+          <a:chExt cx="0" cy="0"/>
+        </a:xfrm>
+      </p:grpSpPr>
+      <p:sp>
+        <p:nvSpPr>
+          <p:cNvPr id="2" name="Espaço Reservado para Imagem de Slide 1"/>
+          <p:cNvSpPr>
+            <a:spLocks noGrp="1" noRot="1" noChangeAspect="1"/>
+          </p:cNvSpPr>
+          <p:nvPr>
+            <p:ph type="sldImg"/>
+          </p:nvPr>
+        </p:nvSpPr>
+        <p:spPr/>
+      </p:sp>
+      <p:sp>
+        <p:nvSpPr>
+          <p:cNvPr id="3" name="Espaço Reservado para Anotações 2"/>
+          <p:cNvSpPr>
+            <a:spLocks noGrp="1"/>
+          </p:cNvSpPr>
+          <p:nvPr>
+            <p:ph type="body" idx="1"/>
+          </p:nvPr>
+        </p:nvSpPr>
+        <p:spPr/>
+        <p:txBody>
+          <a:bodyPr/>
+          <a:lstStyle/>
+          <a:p>
+            <a:endParaRPr lang="pt-BR" dirty="0"/>
+          </a:p>
+        </p:txBody>
+      </p:sp>
+      <p:sp>
+        <p:nvSpPr>
+          <p:cNvPr id="4" name="Espaço Reservado para Número de Slide 3"/>
+          <p:cNvSpPr>
+            <a:spLocks noGrp="1"/>
+          </p:cNvSpPr>
+          <p:nvPr>
+            <p:ph type="sldNum" sz="quarter" idx="5"/>
+          </p:nvPr>
+        </p:nvSpPr>
+        <p:spPr/>
+        <p:txBody>
+          <a:bodyPr/>
+          <a:lstStyle/>
+          <a:p>
+            <a:fld id="{30AB8352-7C86-4ABF-BE1B-319BF4BB161A}" type="slidenum">
+              <a:rPr lang="pt-BR" smtClean="0"/>
+              <a:t>12</a:t>
+            </a:fld>
+            <a:endParaRPr lang="pt-BR"/>
+          </a:p>
+        </p:txBody>
+      </p:sp>
+    </p:spTree>
+    <p:extLst>
+      <p:ext uri="{BB962C8B-B14F-4D97-AF65-F5344CB8AC3E}">
+        <p14:creationId xmlns:p14="http://schemas.microsoft.com/office/powerpoint/2010/main" val="1260363829"/>
+      </p:ext>
+    </p:extLst>
+  </p:cSld>
+  <p:clrMapOvr>
+    <a:masterClrMapping/>
+  </p:clrMapOvr>
+</p:notes>
 </file>
 
 <file path=ppt/slideLayouts/slideLayout1.xml><?xml version="1.0" encoding="utf-8"?>
@@ -259,7 +707,7 @@
           <a:p>
             <a:fld id="{17280BB2-1C76-4317-9ADA-D0C55D3850A5}" type="datetimeFigureOut">
               <a:rPr lang="pt-BR" smtClean="0"/>
-              <a:t>01/09/2022</a:t>
+              <a:t>10/09/2022</a:t>
             </a:fld>
             <a:endParaRPr lang="pt-BR"/>
           </a:p>
@@ -457,7 +905,7 @@
           <a:p>
             <a:fld id="{17280BB2-1C76-4317-9ADA-D0C55D3850A5}" type="datetimeFigureOut">
               <a:rPr lang="pt-BR" smtClean="0"/>
-              <a:t>01/09/2022</a:t>
+              <a:t>10/09/2022</a:t>
             </a:fld>
             <a:endParaRPr lang="pt-BR"/>
           </a:p>
@@ -665,7 +1113,7 @@
           <a:p>
             <a:fld id="{17280BB2-1C76-4317-9ADA-D0C55D3850A5}" type="datetimeFigureOut">
               <a:rPr lang="pt-BR" smtClean="0"/>
-              <a:t>01/09/2022</a:t>
+              <a:t>10/09/2022</a:t>
             </a:fld>
             <a:endParaRPr lang="pt-BR"/>
           </a:p>
@@ -863,7 +1311,7 @@
           <a:p>
             <a:fld id="{17280BB2-1C76-4317-9ADA-D0C55D3850A5}" type="datetimeFigureOut">
               <a:rPr lang="pt-BR" smtClean="0"/>
-              <a:t>01/09/2022</a:t>
+              <a:t>10/09/2022</a:t>
             </a:fld>
             <a:endParaRPr lang="pt-BR"/>
           </a:p>
@@ -1138,7 +1586,7 @@
           <a:p>
             <a:fld id="{17280BB2-1C76-4317-9ADA-D0C55D3850A5}" type="datetimeFigureOut">
               <a:rPr lang="pt-BR" smtClean="0"/>
-              <a:t>01/09/2022</a:t>
+              <a:t>10/09/2022</a:t>
             </a:fld>
             <a:endParaRPr lang="pt-BR"/>
           </a:p>
@@ -1403,7 +1851,7 @@
           <a:p>
             <a:fld id="{17280BB2-1C76-4317-9ADA-D0C55D3850A5}" type="datetimeFigureOut">
               <a:rPr lang="pt-BR" smtClean="0"/>
-              <a:t>01/09/2022</a:t>
+              <a:t>10/09/2022</a:t>
             </a:fld>
             <a:endParaRPr lang="pt-BR"/>
           </a:p>
@@ -1815,7 +2263,7 @@
           <a:p>
             <a:fld id="{17280BB2-1C76-4317-9ADA-D0C55D3850A5}" type="datetimeFigureOut">
               <a:rPr lang="pt-BR" smtClean="0"/>
-              <a:t>01/09/2022</a:t>
+              <a:t>10/09/2022</a:t>
             </a:fld>
             <a:endParaRPr lang="pt-BR"/>
           </a:p>
@@ -1956,7 +2404,7 @@
           <a:p>
             <a:fld id="{17280BB2-1C76-4317-9ADA-D0C55D3850A5}" type="datetimeFigureOut">
               <a:rPr lang="pt-BR" smtClean="0"/>
-              <a:t>01/09/2022</a:t>
+              <a:t>10/09/2022</a:t>
             </a:fld>
             <a:endParaRPr lang="pt-BR"/>
           </a:p>
@@ -2069,7 +2517,7 @@
           <a:p>
             <a:fld id="{17280BB2-1C76-4317-9ADA-D0C55D3850A5}" type="datetimeFigureOut">
               <a:rPr lang="pt-BR" smtClean="0"/>
-              <a:t>01/09/2022</a:t>
+              <a:t>10/09/2022</a:t>
             </a:fld>
             <a:endParaRPr lang="pt-BR"/>
           </a:p>
@@ -2380,7 +2828,7 @@
           <a:p>
             <a:fld id="{17280BB2-1C76-4317-9ADA-D0C55D3850A5}" type="datetimeFigureOut">
               <a:rPr lang="pt-BR" smtClean="0"/>
-              <a:t>01/09/2022</a:t>
+              <a:t>10/09/2022</a:t>
             </a:fld>
             <a:endParaRPr lang="pt-BR"/>
           </a:p>
@@ -2668,7 +3116,7 @@
           <a:p>
             <a:fld id="{17280BB2-1C76-4317-9ADA-D0C55D3850A5}" type="datetimeFigureOut">
               <a:rPr lang="pt-BR" smtClean="0"/>
-              <a:t>01/09/2022</a:t>
+              <a:t>10/09/2022</a:t>
             </a:fld>
             <a:endParaRPr lang="pt-BR"/>
           </a:p>
@@ -2909,7 +3357,7 @@
           <a:p>
             <a:fld id="{17280BB2-1C76-4317-9ADA-D0C55D3850A5}" type="datetimeFigureOut">
               <a:rPr lang="pt-BR" smtClean="0"/>
-              <a:t>01/09/2022</a:t>
+              <a:t>10/09/2022</a:t>
             </a:fld>
             <a:endParaRPr lang="pt-BR"/>
           </a:p>
@@ -3342,12 +3790,22 @@
             <p:ph type="ctrTitle"/>
           </p:nvPr>
         </p:nvSpPr>
-        <p:spPr/>
-        <p:txBody>
-          <a:bodyPr/>
-          <a:lstStyle/>
-          <a:p>
-            <a:endParaRPr lang="pt-BR" dirty="0"/>
+        <p:spPr>
+          <a:xfrm>
+            <a:off x="1524000" y="1744532"/>
+            <a:ext cx="9144000" cy="2387600"/>
+          </a:xfrm>
+        </p:spPr>
+        <p:txBody>
+          <a:bodyPr>
+            <a:normAutofit fontScale="90000"/>
+          </a:bodyPr>
+          <a:lstStyle/>
+          <a:p>
+            <a:r>
+              <a:rPr lang="pt-BR" dirty="0"/>
+              <a:t>Um arcabouço computacional para apoio à tomada de decisão em problemas no contexto ambiental</a:t>
+            </a:r>
           </a:p>
         </p:txBody>
       </p:sp>
@@ -3367,7 +3825,12 @@
             <p:ph type="subTitle" idx="1"/>
           </p:nvPr>
         </p:nvSpPr>
-        <p:spPr/>
+        <p:spPr>
+          <a:xfrm>
+            <a:off x="1524000" y="4554146"/>
+            <a:ext cx="9144000" cy="1655762"/>
+          </a:xfrm>
+        </p:spPr>
         <p:txBody>
           <a:bodyPr/>
           <a:lstStyle/>
@@ -3411,6 +3874,318 @@
     <p:extLst>
       <p:ext uri="{BB962C8B-B14F-4D97-AF65-F5344CB8AC3E}">
         <p14:creationId xmlns:p14="http://schemas.microsoft.com/office/powerpoint/2010/main" val="3948106961"/>
+      </p:ext>
+    </p:extLst>
+  </p:cSld>
+  <p:clrMapOvr>
+    <a:masterClrMapping/>
+  </p:clrMapOvr>
+</p:sld>
+</file>
+
+<file path=ppt/slides/slide10.xml><?xml version="1.0" encoding="utf-8"?>
+<p:sld xmlns:a="http://schemas.openxmlformats.org/drawingml/2006/main" xmlns:r="http://schemas.openxmlformats.org/officeDocument/2006/relationships" xmlns:p="http://schemas.openxmlformats.org/presentationml/2006/main">
+  <p:cSld>
+    <p:spTree>
+      <p:nvGrpSpPr>
+        <p:cNvPr id="1" name=""/>
+        <p:cNvGrpSpPr/>
+        <p:nvPr/>
+      </p:nvGrpSpPr>
+      <p:grpSpPr>
+        <a:xfrm>
+          <a:off x="0" y="0"/>
+          <a:ext cx="0" cy="0"/>
+          <a:chOff x="0" y="0"/>
+          <a:chExt cx="0" cy="0"/>
+        </a:xfrm>
+      </p:grpSpPr>
+      <p:sp>
+        <p:nvSpPr>
+          <p:cNvPr id="2" name="Título 1">
+            <a:extLst>
+              <a:ext uri="{FF2B5EF4-FFF2-40B4-BE49-F238E27FC236}">
+                <a16:creationId xmlns:a16="http://schemas.microsoft.com/office/drawing/2014/main" id="{06C4B0A1-5FAB-7F2F-B3C5-61AE185F36E1}"/>
+              </a:ext>
+            </a:extLst>
+          </p:cNvPr>
+          <p:cNvSpPr>
+            <a:spLocks noGrp="1"/>
+          </p:cNvSpPr>
+          <p:nvPr>
+            <p:ph type="title"/>
+          </p:nvPr>
+        </p:nvSpPr>
+        <p:spPr>
+          <a:xfrm>
+            <a:off x="838200" y="374551"/>
+            <a:ext cx="10515600" cy="1325563"/>
+          </a:xfrm>
+        </p:spPr>
+        <p:txBody>
+          <a:bodyPr/>
+          <a:lstStyle/>
+          <a:p>
+            <a:r>
+              <a:rPr lang="pt-BR" dirty="0"/>
+              <a:t>Sistema de Inteligência Geográfica – (02)</a:t>
+            </a:r>
+          </a:p>
+        </p:txBody>
+      </p:sp>
+      <p:pic>
+        <p:nvPicPr>
+          <p:cNvPr id="9" name="Espaço Reservado para Conteúdo 8" descr="Tabela&#10;&#10;Descrição gerada automaticamente">
+            <a:extLst>
+              <a:ext uri="{FF2B5EF4-FFF2-40B4-BE49-F238E27FC236}">
+                <a16:creationId xmlns:a16="http://schemas.microsoft.com/office/drawing/2014/main" id="{C8E23D6A-C989-5F60-7F9F-EBD54829124E}"/>
+              </a:ext>
+            </a:extLst>
+          </p:cNvPr>
+          <p:cNvPicPr>
+            <a:picLocks noGrp="1" noChangeAspect="1"/>
+          </p:cNvPicPr>
+          <p:nvPr>
+            <p:ph idx="1"/>
+          </p:nvPr>
+        </p:nvPicPr>
+        <p:blipFill>
+          <a:blip r:embed="rId2">
+            <a:extLst>
+              <a:ext uri="{28A0092B-C50C-407E-A947-70E740481C1C}">
+                <a14:useLocalDpi xmlns:a14="http://schemas.microsoft.com/office/drawing/2010/main" val="0"/>
+              </a:ext>
+            </a:extLst>
+          </a:blip>
+          <a:stretch>
+            <a:fillRect/>
+          </a:stretch>
+        </p:blipFill>
+        <p:spPr>
+          <a:xfrm>
+            <a:off x="3616905" y="1889473"/>
+            <a:ext cx="4691187" cy="4316773"/>
+          </a:xfrm>
+        </p:spPr>
+      </p:pic>
+    </p:spTree>
+    <p:extLst>
+      <p:ext uri="{BB962C8B-B14F-4D97-AF65-F5344CB8AC3E}">
+        <p14:creationId xmlns:p14="http://schemas.microsoft.com/office/powerpoint/2010/main" val="1896820759"/>
+      </p:ext>
+    </p:extLst>
+  </p:cSld>
+  <p:clrMapOvr>
+    <a:masterClrMapping/>
+  </p:clrMapOvr>
+</p:sld>
+</file>
+
+<file path=ppt/slides/slide11.xml><?xml version="1.0" encoding="utf-8"?>
+<p:sld xmlns:a="http://schemas.openxmlformats.org/drawingml/2006/main" xmlns:r="http://schemas.openxmlformats.org/officeDocument/2006/relationships" xmlns:p="http://schemas.openxmlformats.org/presentationml/2006/main">
+  <p:cSld>
+    <p:spTree>
+      <p:nvGrpSpPr>
+        <p:cNvPr id="1" name=""/>
+        <p:cNvGrpSpPr/>
+        <p:nvPr/>
+      </p:nvGrpSpPr>
+      <p:grpSpPr>
+        <a:xfrm>
+          <a:off x="0" y="0"/>
+          <a:ext cx="0" cy="0"/>
+          <a:chOff x="0" y="0"/>
+          <a:chExt cx="0" cy="0"/>
+        </a:xfrm>
+      </p:grpSpPr>
+      <p:pic>
+        <p:nvPicPr>
+          <p:cNvPr id="9" name="Espaço Reservado para Conteúdo 8" descr="Mapa&#10;&#10;Descrição gerada automaticamente">
+            <a:extLst>
+              <a:ext uri="{FF2B5EF4-FFF2-40B4-BE49-F238E27FC236}">
+                <a16:creationId xmlns:a16="http://schemas.microsoft.com/office/drawing/2014/main" id="{9199D1D4-655E-A828-373C-14F6A7389370}"/>
+              </a:ext>
+            </a:extLst>
+          </p:cNvPr>
+          <p:cNvPicPr>
+            <a:picLocks noGrp="1" noChangeAspect="1"/>
+          </p:cNvPicPr>
+          <p:nvPr>
+            <p:ph idx="1"/>
+          </p:nvPr>
+        </p:nvPicPr>
+        <p:blipFill>
+          <a:blip r:embed="rId2">
+            <a:extLst>
+              <a:ext uri="{28A0092B-C50C-407E-A947-70E740481C1C}">
+                <a14:useLocalDpi xmlns:a14="http://schemas.microsoft.com/office/drawing/2010/main" val="0"/>
+              </a:ext>
+            </a:extLst>
+          </a:blip>
+          <a:stretch>
+            <a:fillRect/>
+          </a:stretch>
+        </p:blipFill>
+        <p:spPr>
+          <a:xfrm>
+            <a:off x="2735040" y="0"/>
+            <a:ext cx="6559789" cy="6763813"/>
+          </a:xfrm>
+        </p:spPr>
+      </p:pic>
+    </p:spTree>
+    <p:extLst>
+      <p:ext uri="{BB962C8B-B14F-4D97-AF65-F5344CB8AC3E}">
+        <p14:creationId xmlns:p14="http://schemas.microsoft.com/office/powerpoint/2010/main" val="767958946"/>
+      </p:ext>
+    </p:extLst>
+  </p:cSld>
+  <p:clrMapOvr>
+    <a:masterClrMapping/>
+  </p:clrMapOvr>
+</p:sld>
+</file>
+
+<file path=ppt/slides/slide12.xml><?xml version="1.0" encoding="utf-8"?>
+<p:sld xmlns:a="http://schemas.openxmlformats.org/drawingml/2006/main" xmlns:r="http://schemas.openxmlformats.org/officeDocument/2006/relationships" xmlns:p="http://schemas.openxmlformats.org/presentationml/2006/main">
+  <p:cSld>
+    <p:spTree>
+      <p:nvGrpSpPr>
+        <p:cNvPr id="1" name=""/>
+        <p:cNvGrpSpPr/>
+        <p:nvPr/>
+      </p:nvGrpSpPr>
+      <p:grpSpPr>
+        <a:xfrm>
+          <a:off x="0" y="0"/>
+          <a:ext cx="0" cy="0"/>
+          <a:chOff x="0" y="0"/>
+          <a:chExt cx="0" cy="0"/>
+        </a:xfrm>
+      </p:grpSpPr>
+      <p:pic>
+        <p:nvPicPr>
+          <p:cNvPr id="5" name="Espaço Reservado para Conteúdo 4" descr="Mapa&#10;&#10;Descrição gerada automaticamente">
+            <a:extLst>
+              <a:ext uri="{FF2B5EF4-FFF2-40B4-BE49-F238E27FC236}">
+                <a16:creationId xmlns:a16="http://schemas.microsoft.com/office/drawing/2014/main" id="{62ED3AA7-CE45-B48F-57BE-09EC33D54579}"/>
+              </a:ext>
+            </a:extLst>
+          </p:cNvPr>
+          <p:cNvPicPr>
+            <a:picLocks noGrp="1" noChangeAspect="1"/>
+          </p:cNvPicPr>
+          <p:nvPr>
+            <p:ph idx="1"/>
+          </p:nvPr>
+        </p:nvPicPr>
+        <p:blipFill>
+          <a:blip r:embed="rId3">
+            <a:extLst>
+              <a:ext uri="{28A0092B-C50C-407E-A947-70E740481C1C}">
+                <a14:useLocalDpi xmlns:a14="http://schemas.microsoft.com/office/drawing/2010/main" val="0"/>
+              </a:ext>
+            </a:extLst>
+          </a:blip>
+          <a:stretch>
+            <a:fillRect/>
+          </a:stretch>
+        </p:blipFill>
+        <p:spPr>
+          <a:xfrm>
+            <a:off x="2928026" y="77821"/>
+            <a:ext cx="6601343" cy="6858001"/>
+          </a:xfrm>
+        </p:spPr>
+      </p:pic>
+    </p:spTree>
+    <p:extLst>
+      <p:ext uri="{BB962C8B-B14F-4D97-AF65-F5344CB8AC3E}">
+        <p14:creationId xmlns:p14="http://schemas.microsoft.com/office/powerpoint/2010/main" val="106107893"/>
+      </p:ext>
+    </p:extLst>
+  </p:cSld>
+  <p:clrMapOvr>
+    <a:masterClrMapping/>
+  </p:clrMapOvr>
+</p:sld>
+</file>
+
+<file path=ppt/slides/slide13.xml><?xml version="1.0" encoding="utf-8"?>
+<p:sld xmlns:a="http://schemas.openxmlformats.org/drawingml/2006/main" xmlns:r="http://schemas.openxmlformats.org/officeDocument/2006/relationships" xmlns:p="http://schemas.openxmlformats.org/presentationml/2006/main">
+  <p:cSld>
+    <p:spTree>
+      <p:nvGrpSpPr>
+        <p:cNvPr id="1" name=""/>
+        <p:cNvGrpSpPr/>
+        <p:nvPr/>
+      </p:nvGrpSpPr>
+      <p:grpSpPr>
+        <a:xfrm>
+          <a:off x="0" y="0"/>
+          <a:ext cx="0" cy="0"/>
+          <a:chOff x="0" y="0"/>
+          <a:chExt cx="0" cy="0"/>
+        </a:xfrm>
+      </p:grpSpPr>
+      <p:sp>
+        <p:nvSpPr>
+          <p:cNvPr id="2" name="Título 1">
+            <a:extLst>
+              <a:ext uri="{FF2B5EF4-FFF2-40B4-BE49-F238E27FC236}">
+                <a16:creationId xmlns:a16="http://schemas.microsoft.com/office/drawing/2014/main" id="{6E2F6D24-7D8E-E901-2FFB-EDE96D517337}"/>
+              </a:ext>
+            </a:extLst>
+          </p:cNvPr>
+          <p:cNvSpPr>
+            <a:spLocks noGrp="1"/>
+          </p:cNvSpPr>
+          <p:nvPr>
+            <p:ph type="title"/>
+          </p:nvPr>
+        </p:nvSpPr>
+        <p:spPr/>
+        <p:txBody>
+          <a:bodyPr/>
+          <a:lstStyle/>
+          <a:p>
+            <a:pPr algn="ctr"/>
+            <a:r>
+              <a:rPr lang="pt-BR" dirty="0"/>
+              <a:t>Referências</a:t>
+            </a:r>
+          </a:p>
+        </p:txBody>
+      </p:sp>
+      <p:sp>
+        <p:nvSpPr>
+          <p:cNvPr id="3" name="Espaço Reservado para Conteúdo 2">
+            <a:extLst>
+              <a:ext uri="{FF2B5EF4-FFF2-40B4-BE49-F238E27FC236}">
+                <a16:creationId xmlns:a16="http://schemas.microsoft.com/office/drawing/2014/main" id="{4C8EC214-9583-C49E-48D7-035E6B929F2F}"/>
+              </a:ext>
+            </a:extLst>
+          </p:cNvPr>
+          <p:cNvSpPr>
+            <a:spLocks noGrp="1"/>
+          </p:cNvSpPr>
+          <p:nvPr>
+            <p:ph idx="1"/>
+          </p:nvPr>
+        </p:nvSpPr>
+        <p:spPr/>
+        <p:txBody>
+          <a:bodyPr/>
+          <a:lstStyle/>
+          <a:p>
+            <a:endParaRPr lang="pt-BR"/>
+          </a:p>
+        </p:txBody>
+      </p:sp>
+    </p:spTree>
+    <p:extLst>
+      <p:ext uri="{BB962C8B-B14F-4D97-AF65-F5344CB8AC3E}">
+        <p14:creationId xmlns:p14="http://schemas.microsoft.com/office/powerpoint/2010/main" val="1241587048"/>
       </p:ext>
     </p:extLst>
   </p:cSld>
@@ -3458,6 +4233,7 @@
           <a:bodyPr/>
           <a:lstStyle/>
           <a:p>
+            <a:pPr algn="ctr"/>
             <a:r>
               <a:rPr lang="pt-BR" dirty="0"/>
               <a:t>Sumário</a:t>
@@ -3562,38 +4338,49 @@
           <a:bodyPr/>
           <a:lstStyle/>
           <a:p>
+            <a:pPr algn="ctr"/>
             <a:r>
               <a:rPr lang="pt-BR" dirty="0"/>
-              <a:t>Motivação</a:t>
-            </a:r>
-          </a:p>
-        </p:txBody>
-      </p:sp>
-      <p:sp>
-        <p:nvSpPr>
-          <p:cNvPr id="3" name="Espaço Reservado para Conteúdo 2">
-            <a:extLst>
-              <a:ext uri="{FF2B5EF4-FFF2-40B4-BE49-F238E27FC236}">
-                <a16:creationId xmlns:a16="http://schemas.microsoft.com/office/drawing/2014/main" id="{3D2652FF-AD56-31F9-054C-68A60A4ABC6B}"/>
-              </a:ext>
-            </a:extLst>
-          </p:cNvPr>
-          <p:cNvSpPr>
-            <a:spLocks noGrp="1"/>
-          </p:cNvSpPr>
+              <a:t>Motivação – Processo de Descoberta de Conhecimento em Bases de Dados</a:t>
+            </a:r>
+          </a:p>
+        </p:txBody>
+      </p:sp>
+      <p:pic>
+        <p:nvPicPr>
+          <p:cNvPr id="9" name="Espaço Reservado para Conteúdo 8" descr="Diagrama&#10;&#10;Descrição gerada automaticamente">
+            <a:extLst>
+              <a:ext uri="{FF2B5EF4-FFF2-40B4-BE49-F238E27FC236}">
+                <a16:creationId xmlns:a16="http://schemas.microsoft.com/office/drawing/2014/main" id="{A8274144-0386-85B7-17DC-A8616F0BA825}"/>
+              </a:ext>
+            </a:extLst>
+          </p:cNvPr>
+          <p:cNvPicPr>
+            <a:picLocks noGrp="1" noChangeAspect="1"/>
+          </p:cNvPicPr>
           <p:nvPr>
             <p:ph idx="1"/>
           </p:nvPr>
-        </p:nvSpPr>
-        <p:spPr/>
-        <p:txBody>
-          <a:bodyPr/>
-          <a:lstStyle/>
-          <a:p>
-            <a:endParaRPr lang="pt-BR"/>
-          </a:p>
-        </p:txBody>
-      </p:sp>
+        </p:nvPicPr>
+        <p:blipFill>
+          <a:blip r:embed="rId2">
+            <a:extLst>
+              <a:ext uri="{28A0092B-C50C-407E-A947-70E740481C1C}">
+                <a14:useLocalDpi xmlns:a14="http://schemas.microsoft.com/office/drawing/2010/main" val="0"/>
+              </a:ext>
+            </a:extLst>
+          </a:blip>
+          <a:stretch>
+            <a:fillRect/>
+          </a:stretch>
+        </p:blipFill>
+        <p:spPr>
+          <a:xfrm>
+            <a:off x="2000615" y="1947402"/>
+            <a:ext cx="8767904" cy="4108480"/>
+          </a:xfrm>
+        </p:spPr>
+      </p:pic>
     </p:spTree>
     <p:extLst>
       <p:ext uri="{BB962C8B-B14F-4D97-AF65-F5344CB8AC3E}">
@@ -3629,7 +4416,7 @@
           <p:cNvPr id="2" name="Título 1">
             <a:extLst>
               <a:ext uri="{FF2B5EF4-FFF2-40B4-BE49-F238E27FC236}">
-                <a16:creationId xmlns:a16="http://schemas.microsoft.com/office/drawing/2014/main" id="{7F58ED8A-D7C2-D29B-4A56-392DC1D1761E}"/>
+                <a16:creationId xmlns:a16="http://schemas.microsoft.com/office/drawing/2014/main" id="{3FFB1A38-36CA-431E-B599-97B0C3AB4D9F}"/>
               </a:ext>
             </a:extLst>
           </p:cNvPr>
@@ -3645,42 +4432,53 @@
           <a:bodyPr/>
           <a:lstStyle/>
           <a:p>
+            <a:pPr algn="ctr"/>
             <a:r>
               <a:rPr lang="pt-BR" dirty="0"/>
-              <a:t>Metodologia Proposta</a:t>
-            </a:r>
-          </a:p>
-        </p:txBody>
-      </p:sp>
-      <p:sp>
-        <p:nvSpPr>
-          <p:cNvPr id="3" name="Espaço Reservado para Conteúdo 2">
-            <a:extLst>
-              <a:ext uri="{FF2B5EF4-FFF2-40B4-BE49-F238E27FC236}">
-                <a16:creationId xmlns:a16="http://schemas.microsoft.com/office/drawing/2014/main" id="{515052D8-BBE4-6959-331A-CB756D85469C}"/>
-              </a:ext>
-            </a:extLst>
-          </p:cNvPr>
-          <p:cNvSpPr>
-            <a:spLocks noGrp="1"/>
-          </p:cNvSpPr>
+              <a:t>Motivação – Mineração de Dados</a:t>
+            </a:r>
+          </a:p>
+        </p:txBody>
+      </p:sp>
+      <p:pic>
+        <p:nvPicPr>
+          <p:cNvPr id="5" name="Espaço Reservado para Conteúdo 4" descr="Diagrama&#10;&#10;Descrição gerada automaticamente">
+            <a:extLst>
+              <a:ext uri="{FF2B5EF4-FFF2-40B4-BE49-F238E27FC236}">
+                <a16:creationId xmlns:a16="http://schemas.microsoft.com/office/drawing/2014/main" id="{86D640C3-7AA9-6973-AC12-D178DE6C9C43}"/>
+              </a:ext>
+            </a:extLst>
+          </p:cNvPr>
+          <p:cNvPicPr>
+            <a:picLocks noGrp="1" noChangeAspect="1"/>
+          </p:cNvPicPr>
           <p:nvPr>
             <p:ph idx="1"/>
           </p:nvPr>
-        </p:nvSpPr>
-        <p:spPr/>
-        <p:txBody>
-          <a:bodyPr/>
-          <a:lstStyle/>
-          <a:p>
-            <a:endParaRPr lang="pt-BR"/>
-          </a:p>
-        </p:txBody>
-      </p:sp>
+        </p:nvPicPr>
+        <p:blipFill>
+          <a:blip r:embed="rId2">
+            <a:extLst>
+              <a:ext uri="{28A0092B-C50C-407E-A947-70E740481C1C}">
+                <a14:useLocalDpi xmlns:a14="http://schemas.microsoft.com/office/drawing/2010/main" val="0"/>
+              </a:ext>
+            </a:extLst>
+          </a:blip>
+          <a:stretch>
+            <a:fillRect/>
+          </a:stretch>
+        </p:blipFill>
+        <p:spPr>
+          <a:xfrm>
+            <a:off x="2798271" y="1552246"/>
+            <a:ext cx="6375506" cy="4940629"/>
+          </a:xfrm>
+        </p:spPr>
+      </p:pic>
     </p:spTree>
     <p:extLst>
       <p:ext uri="{BB962C8B-B14F-4D97-AF65-F5344CB8AC3E}">
-        <p14:creationId xmlns:p14="http://schemas.microsoft.com/office/powerpoint/2010/main" val="2796524634"/>
+        <p14:creationId xmlns:p14="http://schemas.microsoft.com/office/powerpoint/2010/main" val="3346018112"/>
       </p:ext>
     </p:extLst>
   </p:cSld>
@@ -3712,7 +4510,7 @@
           <p:cNvPr id="2" name="Título 1">
             <a:extLst>
               <a:ext uri="{FF2B5EF4-FFF2-40B4-BE49-F238E27FC236}">
-                <a16:creationId xmlns:a16="http://schemas.microsoft.com/office/drawing/2014/main" id="{AE2E7945-564F-93ED-84B7-1F70B76C053D}"/>
+                <a16:creationId xmlns:a16="http://schemas.microsoft.com/office/drawing/2014/main" id="{FE5B806F-7BFA-1B18-87D2-B69D5A666B19}"/>
               </a:ext>
             </a:extLst>
           </p:cNvPr>
@@ -3728,42 +4526,53 @@
           <a:bodyPr/>
           <a:lstStyle/>
           <a:p>
+            <a:pPr algn="ctr"/>
             <a:r>
               <a:rPr lang="pt-BR" dirty="0"/>
-              <a:t>Sistema de Inteligência Geográfica</a:t>
-            </a:r>
-          </a:p>
-        </p:txBody>
-      </p:sp>
-      <p:sp>
-        <p:nvSpPr>
-          <p:cNvPr id="3" name="Espaço Reservado para Conteúdo 2">
-            <a:extLst>
-              <a:ext uri="{FF2B5EF4-FFF2-40B4-BE49-F238E27FC236}">
-                <a16:creationId xmlns:a16="http://schemas.microsoft.com/office/drawing/2014/main" id="{61571C73-58F6-897A-4DEA-0E4B8F7B1A1A}"/>
-              </a:ext>
-            </a:extLst>
-          </p:cNvPr>
-          <p:cNvSpPr>
-            <a:spLocks noGrp="1"/>
-          </p:cNvSpPr>
+              <a:t>Motivação – Mineração de Dados</a:t>
+            </a:r>
+          </a:p>
+        </p:txBody>
+      </p:sp>
+      <p:pic>
+        <p:nvPicPr>
+          <p:cNvPr id="5" name="Espaço Reservado para Conteúdo 4" descr="Diagrama&#10;&#10;Descrição gerada automaticamente">
+            <a:extLst>
+              <a:ext uri="{FF2B5EF4-FFF2-40B4-BE49-F238E27FC236}">
+                <a16:creationId xmlns:a16="http://schemas.microsoft.com/office/drawing/2014/main" id="{89121763-9A68-8DB5-2A27-36A2C5A8C2A2}"/>
+              </a:ext>
+            </a:extLst>
+          </p:cNvPr>
+          <p:cNvPicPr>
+            <a:picLocks noGrp="1" noChangeAspect="1"/>
+          </p:cNvPicPr>
           <p:nvPr>
             <p:ph idx="1"/>
           </p:nvPr>
-        </p:nvSpPr>
-        <p:spPr/>
-        <p:txBody>
-          <a:bodyPr/>
-          <a:lstStyle/>
-          <a:p>
-            <a:endParaRPr lang="pt-BR"/>
-          </a:p>
-        </p:txBody>
-      </p:sp>
+        </p:nvPicPr>
+        <p:blipFill>
+          <a:blip r:embed="rId2">
+            <a:extLst>
+              <a:ext uri="{28A0092B-C50C-407E-A947-70E740481C1C}">
+                <a14:useLocalDpi xmlns:a14="http://schemas.microsoft.com/office/drawing/2010/main" val="0"/>
+              </a:ext>
+            </a:extLst>
+          </a:blip>
+          <a:stretch>
+            <a:fillRect/>
+          </a:stretch>
+        </p:blipFill>
+        <p:spPr>
+          <a:xfrm>
+            <a:off x="2854333" y="1585569"/>
+            <a:ext cx="6332505" cy="4907306"/>
+          </a:xfrm>
+        </p:spPr>
+      </p:pic>
     </p:spTree>
     <p:extLst>
       <p:ext uri="{BB962C8B-B14F-4D97-AF65-F5344CB8AC3E}">
-        <p14:creationId xmlns:p14="http://schemas.microsoft.com/office/powerpoint/2010/main" val="1675197009"/>
+        <p14:creationId xmlns:p14="http://schemas.microsoft.com/office/powerpoint/2010/main" val="1684163586"/>
       </p:ext>
     </p:extLst>
   </p:cSld>
@@ -3795,7 +4604,7 @@
           <p:cNvPr id="2" name="Título 1">
             <a:extLst>
               <a:ext uri="{FF2B5EF4-FFF2-40B4-BE49-F238E27FC236}">
-                <a16:creationId xmlns:a16="http://schemas.microsoft.com/office/drawing/2014/main" id="{6E2F6D24-7D8E-E901-2FFB-EDE96D517337}"/>
+                <a16:creationId xmlns:a16="http://schemas.microsoft.com/office/drawing/2014/main" id="{7F58ED8A-D7C2-D29B-4A56-392DC1D1761E}"/>
               </a:ext>
             </a:extLst>
           </p:cNvPr>
@@ -3811,9 +4620,10 @@
           <a:bodyPr/>
           <a:lstStyle/>
           <a:p>
+            <a:pPr algn="ctr"/>
             <a:r>
               <a:rPr lang="pt-BR" dirty="0"/>
-              <a:t>Referências</a:t>
+              <a:t>Metodologia Proposta</a:t>
             </a:r>
           </a:p>
         </p:txBody>
@@ -3823,7 +4633,7 @@
           <p:cNvPr id="3" name="Espaço Reservado para Conteúdo 2">
             <a:extLst>
               <a:ext uri="{FF2B5EF4-FFF2-40B4-BE49-F238E27FC236}">
-                <a16:creationId xmlns:a16="http://schemas.microsoft.com/office/drawing/2014/main" id="{4C8EC214-9583-C49E-48D7-035E6B929F2F}"/>
+                <a16:creationId xmlns:a16="http://schemas.microsoft.com/office/drawing/2014/main" id="{515052D8-BBE4-6959-331A-CB756D85469C}"/>
               </a:ext>
             </a:extLst>
           </p:cNvPr>
@@ -3846,7 +4656,297 @@
     </p:spTree>
     <p:extLst>
       <p:ext uri="{BB962C8B-B14F-4D97-AF65-F5344CB8AC3E}">
-        <p14:creationId xmlns:p14="http://schemas.microsoft.com/office/powerpoint/2010/main" val="1241587048"/>
+        <p14:creationId xmlns:p14="http://schemas.microsoft.com/office/powerpoint/2010/main" val="2796524634"/>
+      </p:ext>
+    </p:extLst>
+  </p:cSld>
+  <p:clrMapOvr>
+    <a:masterClrMapping/>
+  </p:clrMapOvr>
+</p:sld>
+</file>
+
+<file path=ppt/slides/slide7.xml><?xml version="1.0" encoding="utf-8"?>
+<p:sld xmlns:a="http://schemas.openxmlformats.org/drawingml/2006/main" xmlns:r="http://schemas.openxmlformats.org/officeDocument/2006/relationships" xmlns:p="http://schemas.openxmlformats.org/presentationml/2006/main">
+  <p:cSld>
+    <p:spTree>
+      <p:nvGrpSpPr>
+        <p:cNvPr id="1" name=""/>
+        <p:cNvGrpSpPr/>
+        <p:nvPr/>
+      </p:nvGrpSpPr>
+      <p:grpSpPr>
+        <a:xfrm>
+          <a:off x="0" y="0"/>
+          <a:ext cx="0" cy="0"/>
+          <a:chOff x="0" y="0"/>
+          <a:chExt cx="0" cy="0"/>
+        </a:xfrm>
+      </p:grpSpPr>
+      <p:sp>
+        <p:nvSpPr>
+          <p:cNvPr id="2" name="Título 1">
+            <a:extLst>
+              <a:ext uri="{FF2B5EF4-FFF2-40B4-BE49-F238E27FC236}">
+                <a16:creationId xmlns:a16="http://schemas.microsoft.com/office/drawing/2014/main" id="{AE2E7945-564F-93ED-84B7-1F70B76C053D}"/>
+              </a:ext>
+            </a:extLst>
+          </p:cNvPr>
+          <p:cNvSpPr>
+            <a:spLocks noGrp="1"/>
+          </p:cNvSpPr>
+          <p:nvPr>
+            <p:ph type="title"/>
+          </p:nvPr>
+        </p:nvSpPr>
+        <p:spPr>
+          <a:xfrm>
+            <a:off x="838199" y="365125"/>
+            <a:ext cx="10898171" cy="1325563"/>
+          </a:xfrm>
+        </p:spPr>
+        <p:txBody>
+          <a:bodyPr/>
+          <a:lstStyle/>
+          <a:p>
+            <a:r>
+              <a:rPr lang="pt-BR" dirty="0"/>
+              <a:t>Sistema de Inteligência Geográfica - Arquitetura</a:t>
+            </a:r>
+          </a:p>
+        </p:txBody>
+      </p:sp>
+      <p:pic>
+        <p:nvPicPr>
+          <p:cNvPr id="9" name="Espaço Reservado para Conteúdo 8" descr="Diagrama&#10;&#10;Descrição gerada automaticamente">
+            <a:extLst>
+              <a:ext uri="{FF2B5EF4-FFF2-40B4-BE49-F238E27FC236}">
+                <a16:creationId xmlns:a16="http://schemas.microsoft.com/office/drawing/2014/main" id="{11DD5900-2CCF-4105-0D65-91F1F51FCEF6}"/>
+              </a:ext>
+            </a:extLst>
+          </p:cNvPr>
+          <p:cNvPicPr>
+            <a:picLocks noGrp="1" noChangeAspect="1"/>
+          </p:cNvPicPr>
+          <p:nvPr>
+            <p:ph idx="1"/>
+          </p:nvPr>
+        </p:nvPicPr>
+        <p:blipFill>
+          <a:blip r:embed="rId2">
+            <a:extLst>
+              <a:ext uri="{28A0092B-C50C-407E-A947-70E740481C1C}">
+                <a14:useLocalDpi xmlns:a14="http://schemas.microsoft.com/office/drawing/2010/main" val="0"/>
+              </a:ext>
+            </a:extLst>
+          </a:blip>
+          <a:stretch>
+            <a:fillRect/>
+          </a:stretch>
+        </p:blipFill>
+        <p:spPr>
+          <a:xfrm>
+            <a:off x="3886838" y="1520962"/>
+            <a:ext cx="4125945" cy="5063661"/>
+          </a:xfrm>
+        </p:spPr>
+      </p:pic>
+    </p:spTree>
+    <p:extLst>
+      <p:ext uri="{BB962C8B-B14F-4D97-AF65-F5344CB8AC3E}">
+        <p14:creationId xmlns:p14="http://schemas.microsoft.com/office/powerpoint/2010/main" val="1675197009"/>
+      </p:ext>
+    </p:extLst>
+  </p:cSld>
+  <p:clrMapOvr>
+    <a:masterClrMapping/>
+  </p:clrMapOvr>
+</p:sld>
+</file>
+
+<file path=ppt/slides/slide8.xml><?xml version="1.0" encoding="utf-8"?>
+<p:sld xmlns:a="http://schemas.openxmlformats.org/drawingml/2006/main" xmlns:r="http://schemas.openxmlformats.org/officeDocument/2006/relationships" xmlns:p="http://schemas.openxmlformats.org/presentationml/2006/main">
+  <p:cSld>
+    <p:spTree>
+      <p:nvGrpSpPr>
+        <p:cNvPr id="1" name=""/>
+        <p:cNvGrpSpPr/>
+        <p:nvPr/>
+      </p:nvGrpSpPr>
+      <p:grpSpPr>
+        <a:xfrm>
+          <a:off x="0" y="0"/>
+          <a:ext cx="0" cy="0"/>
+          <a:chOff x="0" y="0"/>
+          <a:chExt cx="0" cy="0"/>
+        </a:xfrm>
+      </p:grpSpPr>
+      <p:sp>
+        <p:nvSpPr>
+          <p:cNvPr id="2" name="Título 1">
+            <a:extLst>
+              <a:ext uri="{FF2B5EF4-FFF2-40B4-BE49-F238E27FC236}">
+                <a16:creationId xmlns:a16="http://schemas.microsoft.com/office/drawing/2014/main" id="{8A36BC27-04A3-6994-E64D-B4B693CBB769}"/>
+              </a:ext>
+            </a:extLst>
+          </p:cNvPr>
+          <p:cNvSpPr>
+            <a:spLocks noGrp="1"/>
+          </p:cNvSpPr>
+          <p:nvPr>
+            <p:ph type="title"/>
+          </p:nvPr>
+        </p:nvSpPr>
+        <p:spPr>
+          <a:xfrm>
+            <a:off x="339365" y="365125"/>
+            <a:ext cx="11604396" cy="1325563"/>
+          </a:xfrm>
+        </p:spPr>
+        <p:txBody>
+          <a:bodyPr/>
+          <a:lstStyle/>
+          <a:p>
+            <a:pPr algn="ctr"/>
+            <a:r>
+              <a:rPr lang="pt-BR" dirty="0"/>
+              <a:t>Sistema de Inteligência Geográfica – Fluxo de telas</a:t>
+            </a:r>
+          </a:p>
+        </p:txBody>
+      </p:sp>
+      <p:pic>
+        <p:nvPicPr>
+          <p:cNvPr id="9" name="Espaço Reservado para Conteúdo 8" descr="Interface gráfica do usuário, Texto&#10;&#10;Descrição gerada automaticamente">
+            <a:extLst>
+              <a:ext uri="{FF2B5EF4-FFF2-40B4-BE49-F238E27FC236}">
+                <a16:creationId xmlns:a16="http://schemas.microsoft.com/office/drawing/2014/main" id="{A2B541C4-7EF9-67D5-E9B6-85C37ADAE79C}"/>
+              </a:ext>
+            </a:extLst>
+          </p:cNvPr>
+          <p:cNvPicPr>
+            <a:picLocks noGrp="1" noChangeAspect="1"/>
+          </p:cNvPicPr>
+          <p:nvPr>
+            <p:ph idx="1"/>
+          </p:nvPr>
+        </p:nvPicPr>
+        <p:blipFill>
+          <a:blip r:embed="rId2">
+            <a:extLst>
+              <a:ext uri="{28A0092B-C50C-407E-A947-70E740481C1C}">
+                <a14:useLocalDpi xmlns:a14="http://schemas.microsoft.com/office/drawing/2010/main" val="0"/>
+              </a:ext>
+            </a:extLst>
+          </a:blip>
+          <a:stretch>
+            <a:fillRect/>
+          </a:stretch>
+        </p:blipFill>
+        <p:spPr>
+          <a:xfrm>
+            <a:off x="1810765" y="2453295"/>
+            <a:ext cx="8062810" cy="2362851"/>
+          </a:xfrm>
+        </p:spPr>
+      </p:pic>
+    </p:spTree>
+    <p:extLst>
+      <p:ext uri="{BB962C8B-B14F-4D97-AF65-F5344CB8AC3E}">
+        <p14:creationId xmlns:p14="http://schemas.microsoft.com/office/powerpoint/2010/main" val="2723099934"/>
+      </p:ext>
+    </p:extLst>
+  </p:cSld>
+  <p:clrMapOvr>
+    <a:masterClrMapping/>
+  </p:clrMapOvr>
+</p:sld>
+</file>
+
+<file path=ppt/slides/slide9.xml><?xml version="1.0" encoding="utf-8"?>
+<p:sld xmlns:a="http://schemas.openxmlformats.org/drawingml/2006/main" xmlns:r="http://schemas.openxmlformats.org/officeDocument/2006/relationships" xmlns:p="http://schemas.openxmlformats.org/presentationml/2006/main">
+  <p:cSld>
+    <p:spTree>
+      <p:nvGrpSpPr>
+        <p:cNvPr id="1" name=""/>
+        <p:cNvGrpSpPr/>
+        <p:nvPr/>
+      </p:nvGrpSpPr>
+      <p:grpSpPr>
+        <a:xfrm>
+          <a:off x="0" y="0"/>
+          <a:ext cx="0" cy="0"/>
+          <a:chOff x="0" y="0"/>
+          <a:chExt cx="0" cy="0"/>
+        </a:xfrm>
+      </p:grpSpPr>
+      <p:sp>
+        <p:nvSpPr>
+          <p:cNvPr id="2" name="Título 1">
+            <a:extLst>
+              <a:ext uri="{FF2B5EF4-FFF2-40B4-BE49-F238E27FC236}">
+                <a16:creationId xmlns:a16="http://schemas.microsoft.com/office/drawing/2014/main" id="{060AA2A0-904C-9BFD-A26A-913F327794AB}"/>
+              </a:ext>
+            </a:extLst>
+          </p:cNvPr>
+          <p:cNvSpPr>
+            <a:spLocks noGrp="1"/>
+          </p:cNvSpPr>
+          <p:nvPr>
+            <p:ph type="title"/>
+          </p:nvPr>
+        </p:nvSpPr>
+        <p:spPr/>
+        <p:txBody>
+          <a:bodyPr/>
+          <a:lstStyle/>
+          <a:p>
+            <a:r>
+              <a:rPr lang="pt-BR" dirty="0"/>
+              <a:t>Sistema de Inteligência Geográfica – (01)</a:t>
+            </a:r>
+          </a:p>
+        </p:txBody>
+      </p:sp>
+      <p:pic>
+        <p:nvPicPr>
+          <p:cNvPr id="9" name="Espaço Reservado para Conteúdo 8" descr="Interface gráfica do usuário, Texto, Aplicativo&#10;&#10;Descrição gerada automaticamente">
+            <a:extLst>
+              <a:ext uri="{FF2B5EF4-FFF2-40B4-BE49-F238E27FC236}">
+                <a16:creationId xmlns:a16="http://schemas.microsoft.com/office/drawing/2014/main" id="{18BAC139-9000-5083-EE2C-25ECDADD7785}"/>
+              </a:ext>
+            </a:extLst>
+          </p:cNvPr>
+          <p:cNvPicPr>
+            <a:picLocks noGrp="1" noChangeAspect="1"/>
+          </p:cNvPicPr>
+          <p:nvPr>
+            <p:ph idx="1"/>
+          </p:nvPr>
+        </p:nvPicPr>
+        <p:blipFill>
+          <a:blip r:embed="rId2">
+            <a:extLst>
+              <a:ext uri="{28A0092B-C50C-407E-A947-70E740481C1C}">
+                <a14:useLocalDpi xmlns:a14="http://schemas.microsoft.com/office/drawing/2010/main" val="0"/>
+              </a:ext>
+            </a:extLst>
+          </a:blip>
+          <a:stretch>
+            <a:fillRect/>
+          </a:stretch>
+        </p:blipFill>
+        <p:spPr>
+          <a:xfrm>
+            <a:off x="3897549" y="3025285"/>
+            <a:ext cx="3560373" cy="1186791"/>
+          </a:xfrm>
+        </p:spPr>
+      </p:pic>
+    </p:spTree>
+    <p:extLst>
+      <p:ext uri="{BB962C8B-B14F-4D97-AF65-F5344CB8AC3E}">
+        <p14:creationId xmlns:p14="http://schemas.microsoft.com/office/powerpoint/2010/main" val="2476695612"/>
       </p:ext>
     </p:extLst>
   </p:cSld>
@@ -4149,4 +5249,299 @@
     </a:ext>
   </a:extLst>
 </a:theme>
+</file>
+
+<file path=ppt/theme/theme2.xml><?xml version="1.0" encoding="utf-8"?>
+<a:theme xmlns:a="http://schemas.openxmlformats.org/drawingml/2006/main" name="Tema do Office">
+  <a:themeElements>
+    <a:clrScheme name="Office">
+      <a:dk1>
+        <a:sysClr val="windowText" lastClr="000000"/>
+      </a:dk1>
+      <a:lt1>
+        <a:sysClr val="window" lastClr="FFFFFF"/>
+      </a:lt1>
+      <a:dk2>
+        <a:srgbClr val="44546A"/>
+      </a:dk2>
+      <a:lt2>
+        <a:srgbClr val="E7E6E6"/>
+      </a:lt2>
+      <a:accent1>
+        <a:srgbClr val="4472C4"/>
+      </a:accent1>
+      <a:accent2>
+        <a:srgbClr val="ED7D31"/>
+      </a:accent2>
+      <a:accent3>
+        <a:srgbClr val="A5A5A5"/>
+      </a:accent3>
+      <a:accent4>
+        <a:srgbClr val="FFC000"/>
+      </a:accent4>
+      <a:accent5>
+        <a:srgbClr val="5B9BD5"/>
+      </a:accent5>
+      <a:accent6>
+        <a:srgbClr val="70AD47"/>
+      </a:accent6>
+      <a:hlink>
+        <a:srgbClr val="0563C1"/>
+      </a:hlink>
+      <a:folHlink>
+        <a:srgbClr val="954F72"/>
+      </a:folHlink>
+    </a:clrScheme>
+    <a:fontScheme name="Office">
+      <a:majorFont>
+        <a:latin typeface="Calibri Light" panose="020F0302020204030204"/>
+        <a:ea typeface=""/>
+        <a:cs typeface=""/>
+        <a:font script="Jpan" typeface="游ゴシック Light"/>
+        <a:font script="Hang" typeface="맑은 고딕"/>
+        <a:font script="Hans" typeface="等线 Light"/>
+        <a:font script="Hant" typeface="新細明體"/>
+        <a:font script="Arab" typeface="Times New Roman"/>
+        <a:font script="Hebr" typeface="Times New Roman"/>
+        <a:font script="Thai" typeface="Angsana New"/>
+        <a:font script="Ethi" typeface="Nyala"/>
+        <a:font script="Beng" typeface="Vrinda"/>
+        <a:font script="Gujr" typeface="Shruti"/>
+        <a:font script="Khmr" typeface="MoolBoran"/>
+        <a:font script="Knda" typeface="Tunga"/>
+        <a:font script="Guru" typeface="Raavi"/>
+        <a:font script="Cans" typeface="Euphemia"/>
+        <a:font script="Cher" typeface="Plantagenet Cherokee"/>
+        <a:font script="Yiii" typeface="Microsoft Yi Baiti"/>
+        <a:font script="Tibt" typeface="Microsoft Himalaya"/>
+        <a:font script="Thaa" typeface="MV Boli"/>
+        <a:font script="Deva" typeface="Mangal"/>
+        <a:font script="Telu" typeface="Gautami"/>
+        <a:font script="Taml" typeface="Latha"/>
+        <a:font script="Syrc" typeface="Estrangelo Edessa"/>
+        <a:font script="Orya" typeface="Kalinga"/>
+        <a:font script="Mlym" typeface="Kartika"/>
+        <a:font script="Laoo" typeface="DokChampa"/>
+        <a:font script="Sinh" typeface="Iskoola Pota"/>
+        <a:font script="Mong" typeface="Mongolian Baiti"/>
+        <a:font script="Viet" typeface="Times New Roman"/>
+        <a:font script="Uigh" typeface="Microsoft Uighur"/>
+        <a:font script="Geor" typeface="Sylfaen"/>
+        <a:font script="Armn" typeface="Arial"/>
+        <a:font script="Bugi" typeface="Leelawadee UI"/>
+        <a:font script="Bopo" typeface="Microsoft JhengHei"/>
+        <a:font script="Java" typeface="Javanese Text"/>
+        <a:font script="Lisu" typeface="Segoe UI"/>
+        <a:font script="Mymr" typeface="Myanmar Text"/>
+        <a:font script="Nkoo" typeface="Ebrima"/>
+        <a:font script="Olck" typeface="Nirmala UI"/>
+        <a:font script="Osma" typeface="Ebrima"/>
+        <a:font script="Phag" typeface="Phagspa"/>
+        <a:font script="Syrn" typeface="Estrangelo Edessa"/>
+        <a:font script="Syrj" typeface="Estrangelo Edessa"/>
+        <a:font script="Syre" typeface="Estrangelo Edessa"/>
+        <a:font script="Sora" typeface="Nirmala UI"/>
+        <a:font script="Tale" typeface="Microsoft Tai Le"/>
+        <a:font script="Talu" typeface="Microsoft New Tai Lue"/>
+        <a:font script="Tfng" typeface="Ebrima"/>
+      </a:majorFont>
+      <a:minorFont>
+        <a:latin typeface="Calibri" panose="020F0502020204030204"/>
+        <a:ea typeface=""/>
+        <a:cs typeface=""/>
+        <a:font script="Jpan" typeface="游ゴシック"/>
+        <a:font script="Hang" typeface="맑은 고딕"/>
+        <a:font script="Hans" typeface="等线"/>
+        <a:font script="Hant" typeface="新細明體"/>
+        <a:font script="Arab" typeface="Arial"/>
+        <a:font script="Hebr" typeface="Arial"/>
+        <a:font script="Thai" typeface="Cordia New"/>
+        <a:font script="Ethi" typeface="Nyala"/>
+        <a:font script="Beng" typeface="Vrinda"/>
+        <a:font script="Gujr" typeface="Shruti"/>
+        <a:font script="Khmr" typeface="DaunPenh"/>
+        <a:font script="Knda" typeface="Tunga"/>
+        <a:font script="Guru" typeface="Raavi"/>
+        <a:font script="Cans" typeface="Euphemia"/>
+        <a:font script="Cher" typeface="Plantagenet Cherokee"/>
+        <a:font script="Yiii" typeface="Microsoft Yi Baiti"/>
+        <a:font script="Tibt" typeface="Microsoft Himalaya"/>
+        <a:font script="Thaa" typeface="MV Boli"/>
+        <a:font script="Deva" typeface="Mangal"/>
+        <a:font script="Telu" typeface="Gautami"/>
+        <a:font script="Taml" typeface="Latha"/>
+        <a:font script="Syrc" typeface="Estrangelo Edessa"/>
+        <a:font script="Orya" typeface="Kalinga"/>
+        <a:font script="Mlym" typeface="Kartika"/>
+        <a:font script="Laoo" typeface="DokChampa"/>
+        <a:font script="Sinh" typeface="Iskoola Pota"/>
+        <a:font script="Mong" typeface="Mongolian Baiti"/>
+        <a:font script="Viet" typeface="Arial"/>
+        <a:font script="Uigh" typeface="Microsoft Uighur"/>
+        <a:font script="Geor" typeface="Sylfaen"/>
+        <a:font script="Armn" typeface="Arial"/>
+        <a:font script="Bugi" typeface="Leelawadee UI"/>
+        <a:font script="Bopo" typeface="Microsoft JhengHei"/>
+        <a:font script="Java" typeface="Javanese Text"/>
+        <a:font script="Lisu" typeface="Segoe UI"/>
+        <a:font script="Mymr" typeface="Myanmar Text"/>
+        <a:font script="Nkoo" typeface="Ebrima"/>
+        <a:font script="Olck" typeface="Nirmala UI"/>
+        <a:font script="Osma" typeface="Ebrima"/>
+        <a:font script="Phag" typeface="Phagspa"/>
+        <a:font script="Syrn" typeface="Estrangelo Edessa"/>
+        <a:font script="Syrj" typeface="Estrangelo Edessa"/>
+        <a:font script="Syre" typeface="Estrangelo Edessa"/>
+        <a:font script="Sora" typeface="Nirmala UI"/>
+        <a:font script="Tale" typeface="Microsoft Tai Le"/>
+        <a:font script="Talu" typeface="Microsoft New Tai Lue"/>
+        <a:font script="Tfng" typeface="Ebrima"/>
+      </a:minorFont>
+    </a:fontScheme>
+    <a:fmtScheme name="Office">
+      <a:fillStyleLst>
+        <a:solidFill>
+          <a:schemeClr val="phClr"/>
+        </a:solidFill>
+        <a:gradFill rotWithShape="1">
+          <a:gsLst>
+            <a:gs pos="0">
+              <a:schemeClr val="phClr">
+                <a:lumMod val="110000"/>
+                <a:satMod val="105000"/>
+                <a:tint val="67000"/>
+              </a:schemeClr>
+            </a:gs>
+            <a:gs pos="50000">
+              <a:schemeClr val="phClr">
+                <a:lumMod val="105000"/>
+                <a:satMod val="103000"/>
+                <a:tint val="73000"/>
+              </a:schemeClr>
+            </a:gs>
+            <a:gs pos="100000">
+              <a:schemeClr val="phClr">
+                <a:lumMod val="105000"/>
+                <a:satMod val="109000"/>
+                <a:tint val="81000"/>
+              </a:schemeClr>
+            </a:gs>
+          </a:gsLst>
+          <a:lin ang="5400000" scaled="0"/>
+        </a:gradFill>
+        <a:gradFill rotWithShape="1">
+          <a:gsLst>
+            <a:gs pos="0">
+              <a:schemeClr val="phClr">
+                <a:satMod val="103000"/>
+                <a:lumMod val="102000"/>
+                <a:tint val="94000"/>
+              </a:schemeClr>
+            </a:gs>
+            <a:gs pos="50000">
+              <a:schemeClr val="phClr">
+                <a:satMod val="110000"/>
+                <a:lumMod val="100000"/>
+                <a:shade val="100000"/>
+              </a:schemeClr>
+            </a:gs>
+            <a:gs pos="100000">
+              <a:schemeClr val="phClr">
+                <a:lumMod val="99000"/>
+                <a:satMod val="120000"/>
+                <a:shade val="78000"/>
+              </a:schemeClr>
+            </a:gs>
+          </a:gsLst>
+          <a:lin ang="5400000" scaled="0"/>
+        </a:gradFill>
+      </a:fillStyleLst>
+      <a:lnStyleLst>
+        <a:ln w="6350" cap="flat" cmpd="sng" algn="ctr">
+          <a:solidFill>
+            <a:schemeClr val="phClr"/>
+          </a:solidFill>
+          <a:prstDash val="solid"/>
+          <a:miter lim="800000"/>
+        </a:ln>
+        <a:ln w="12700" cap="flat" cmpd="sng" algn="ctr">
+          <a:solidFill>
+            <a:schemeClr val="phClr"/>
+          </a:solidFill>
+          <a:prstDash val="solid"/>
+          <a:miter lim="800000"/>
+        </a:ln>
+        <a:ln w="19050" cap="flat" cmpd="sng" algn="ctr">
+          <a:solidFill>
+            <a:schemeClr val="phClr"/>
+          </a:solidFill>
+          <a:prstDash val="solid"/>
+          <a:miter lim="800000"/>
+        </a:ln>
+      </a:lnStyleLst>
+      <a:effectStyleLst>
+        <a:effectStyle>
+          <a:effectLst/>
+        </a:effectStyle>
+        <a:effectStyle>
+          <a:effectLst/>
+        </a:effectStyle>
+        <a:effectStyle>
+          <a:effectLst>
+            <a:outerShdw blurRad="57150" dist="19050" dir="5400000" algn="ctr" rotWithShape="0">
+              <a:srgbClr val="000000">
+                <a:alpha val="63000"/>
+              </a:srgbClr>
+            </a:outerShdw>
+          </a:effectLst>
+        </a:effectStyle>
+      </a:effectStyleLst>
+      <a:bgFillStyleLst>
+        <a:solidFill>
+          <a:schemeClr val="phClr"/>
+        </a:solidFill>
+        <a:solidFill>
+          <a:schemeClr val="phClr">
+            <a:tint val="95000"/>
+            <a:satMod val="170000"/>
+          </a:schemeClr>
+        </a:solidFill>
+        <a:gradFill rotWithShape="1">
+          <a:gsLst>
+            <a:gs pos="0">
+              <a:schemeClr val="phClr">
+                <a:tint val="93000"/>
+                <a:satMod val="150000"/>
+                <a:shade val="98000"/>
+                <a:lumMod val="102000"/>
+              </a:schemeClr>
+            </a:gs>
+            <a:gs pos="50000">
+              <a:schemeClr val="phClr">
+                <a:tint val="98000"/>
+                <a:satMod val="130000"/>
+                <a:shade val="90000"/>
+                <a:lumMod val="103000"/>
+              </a:schemeClr>
+            </a:gs>
+            <a:gs pos="100000">
+              <a:schemeClr val="phClr">
+                <a:shade val="63000"/>
+                <a:satMod val="120000"/>
+              </a:schemeClr>
+            </a:gs>
+          </a:gsLst>
+          <a:lin ang="5400000" scaled="0"/>
+        </a:gradFill>
+      </a:bgFillStyleLst>
+    </a:fmtScheme>
+  </a:themeElements>
+  <a:objectDefaults/>
+  <a:extraClrSchemeLst/>
+  <a:extLst>
+    <a:ext uri="{05A4C25C-085E-4340-85A3-A5531E510DB2}">
+      <thm15:themeFamily xmlns:thm15="http://schemas.microsoft.com/office/thememl/2012/main" name="Office Theme" id="{62F939B6-93AF-4DB8-9C6B-D6C7DFDC589F}" vid="{4A3C46E8-61CC-4603-A589-7422A47A8E4A}"/>
+    </a:ext>
+  </a:extLst>
+</a:theme>
 </file>
--- a/escrita/seminários/apresentacao.pptx
+++ b/escrita/seminários/apresentacao.pptx
@@ -5,22 +5,27 @@
     <p:sldMasterId id="2147483648" r:id="rId1"/>
   </p:sldMasterIdLst>
   <p:notesMasterIdLst>
-    <p:notesMasterId r:id="rId15"/>
+    <p:notesMasterId r:id="rId20"/>
   </p:notesMasterIdLst>
   <p:sldIdLst>
     <p:sldId id="256" r:id="rId2"/>
     <p:sldId id="257" r:id="rId3"/>
-    <p:sldId id="258" r:id="rId4"/>
-    <p:sldId id="263" r:id="rId5"/>
-    <p:sldId id="264" r:id="rId6"/>
-    <p:sldId id="259" r:id="rId7"/>
-    <p:sldId id="260" r:id="rId8"/>
-    <p:sldId id="262" r:id="rId9"/>
-    <p:sldId id="265" r:id="rId10"/>
-    <p:sldId id="266" r:id="rId11"/>
-    <p:sldId id="267" r:id="rId12"/>
-    <p:sldId id="268" r:id="rId13"/>
-    <p:sldId id="261" r:id="rId14"/>
+    <p:sldId id="269" r:id="rId4"/>
+    <p:sldId id="270" r:id="rId5"/>
+    <p:sldId id="272" r:id="rId6"/>
+    <p:sldId id="258" r:id="rId7"/>
+    <p:sldId id="263" r:id="rId8"/>
+    <p:sldId id="264" r:id="rId9"/>
+    <p:sldId id="271" r:id="rId10"/>
+    <p:sldId id="259" r:id="rId11"/>
+    <p:sldId id="273" r:id="rId12"/>
+    <p:sldId id="260" r:id="rId13"/>
+    <p:sldId id="262" r:id="rId14"/>
+    <p:sldId id="265" r:id="rId15"/>
+    <p:sldId id="266" r:id="rId16"/>
+    <p:sldId id="267" r:id="rId17"/>
+    <p:sldId id="268" r:id="rId18"/>
+    <p:sldId id="261" r:id="rId19"/>
   </p:sldIdLst>
   <p:sldSz cx="12192000" cy="6858000"/>
   <p:notesSz cx="6858000" cy="9144000"/>
@@ -209,7 +214,7 @@
           <a:p>
             <a:fld id="{74BFEDBD-27A8-4830-AE11-D99A93A7AAE6}" type="datetimeFigureOut">
               <a:rPr lang="pt-BR" smtClean="0"/>
-              <a:t>10/09/2022</a:t>
+              <a:t>25/09/2022</a:t>
             </a:fld>
             <a:endParaRPr lang="pt-BR"/>
           </a:p>
@@ -541,7 +546,7 @@
           <a:p>
             <a:fld id="{30AB8352-7C86-4ABF-BE1B-319BF4BB161A}" type="slidenum">
               <a:rPr lang="pt-BR" smtClean="0"/>
-              <a:t>12</a:t>
+              <a:t>17</a:t>
             </a:fld>
             <a:endParaRPr lang="pt-BR"/>
           </a:p>
@@ -707,7 +712,7 @@
           <a:p>
             <a:fld id="{17280BB2-1C76-4317-9ADA-D0C55D3850A5}" type="datetimeFigureOut">
               <a:rPr lang="pt-BR" smtClean="0"/>
-              <a:t>10/09/2022</a:t>
+              <a:t>25/09/2022</a:t>
             </a:fld>
             <a:endParaRPr lang="pt-BR"/>
           </a:p>
@@ -905,7 +910,7 @@
           <a:p>
             <a:fld id="{17280BB2-1C76-4317-9ADA-D0C55D3850A5}" type="datetimeFigureOut">
               <a:rPr lang="pt-BR" smtClean="0"/>
-              <a:t>10/09/2022</a:t>
+              <a:t>25/09/2022</a:t>
             </a:fld>
             <a:endParaRPr lang="pt-BR"/>
           </a:p>
@@ -1113,7 +1118,7 @@
           <a:p>
             <a:fld id="{17280BB2-1C76-4317-9ADA-D0C55D3850A5}" type="datetimeFigureOut">
               <a:rPr lang="pt-BR" smtClean="0"/>
-              <a:t>10/09/2022</a:t>
+              <a:t>25/09/2022</a:t>
             </a:fld>
             <a:endParaRPr lang="pt-BR"/>
           </a:p>
@@ -1311,7 +1316,7 @@
           <a:p>
             <a:fld id="{17280BB2-1C76-4317-9ADA-D0C55D3850A5}" type="datetimeFigureOut">
               <a:rPr lang="pt-BR" smtClean="0"/>
-              <a:t>10/09/2022</a:t>
+              <a:t>25/09/2022</a:t>
             </a:fld>
             <a:endParaRPr lang="pt-BR"/>
           </a:p>
@@ -1586,7 +1591,7 @@
           <a:p>
             <a:fld id="{17280BB2-1C76-4317-9ADA-D0C55D3850A5}" type="datetimeFigureOut">
               <a:rPr lang="pt-BR" smtClean="0"/>
-              <a:t>10/09/2022</a:t>
+              <a:t>25/09/2022</a:t>
             </a:fld>
             <a:endParaRPr lang="pt-BR"/>
           </a:p>
@@ -1851,7 +1856,7 @@
           <a:p>
             <a:fld id="{17280BB2-1C76-4317-9ADA-D0C55D3850A5}" type="datetimeFigureOut">
               <a:rPr lang="pt-BR" smtClean="0"/>
-              <a:t>10/09/2022</a:t>
+              <a:t>25/09/2022</a:t>
             </a:fld>
             <a:endParaRPr lang="pt-BR"/>
           </a:p>
@@ -2263,7 +2268,7 @@
           <a:p>
             <a:fld id="{17280BB2-1C76-4317-9ADA-D0C55D3850A5}" type="datetimeFigureOut">
               <a:rPr lang="pt-BR" smtClean="0"/>
-              <a:t>10/09/2022</a:t>
+              <a:t>25/09/2022</a:t>
             </a:fld>
             <a:endParaRPr lang="pt-BR"/>
           </a:p>
@@ -2404,7 +2409,7 @@
           <a:p>
             <a:fld id="{17280BB2-1C76-4317-9ADA-D0C55D3850A5}" type="datetimeFigureOut">
               <a:rPr lang="pt-BR" smtClean="0"/>
-              <a:t>10/09/2022</a:t>
+              <a:t>25/09/2022</a:t>
             </a:fld>
             <a:endParaRPr lang="pt-BR"/>
           </a:p>
@@ -2517,7 +2522,7 @@
           <a:p>
             <a:fld id="{17280BB2-1C76-4317-9ADA-D0C55D3850A5}" type="datetimeFigureOut">
               <a:rPr lang="pt-BR" smtClean="0"/>
-              <a:t>10/09/2022</a:t>
+              <a:t>25/09/2022</a:t>
             </a:fld>
             <a:endParaRPr lang="pt-BR"/>
           </a:p>
@@ -2828,7 +2833,7 @@
           <a:p>
             <a:fld id="{17280BB2-1C76-4317-9ADA-D0C55D3850A5}" type="datetimeFigureOut">
               <a:rPr lang="pt-BR" smtClean="0"/>
-              <a:t>10/09/2022</a:t>
+              <a:t>25/09/2022</a:t>
             </a:fld>
             <a:endParaRPr lang="pt-BR"/>
           </a:p>
@@ -3116,7 +3121,7 @@
           <a:p>
             <a:fld id="{17280BB2-1C76-4317-9ADA-D0C55D3850A5}" type="datetimeFigureOut">
               <a:rPr lang="pt-BR" smtClean="0"/>
-              <a:t>10/09/2022</a:t>
+              <a:t>25/09/2022</a:t>
             </a:fld>
             <a:endParaRPr lang="pt-BR"/>
           </a:p>
@@ -3357,7 +3362,7 @@
           <a:p>
             <a:fld id="{17280BB2-1C76-4317-9ADA-D0C55D3850A5}" type="datetimeFigureOut">
               <a:rPr lang="pt-BR" smtClean="0"/>
-              <a:t>10/09/2022</a:t>
+              <a:t>25/09/2022</a:t>
             </a:fld>
             <a:endParaRPr lang="pt-BR"/>
           </a:p>
@@ -3905,7 +3910,7 @@
           <p:cNvPr id="2" name="Título 1">
             <a:extLst>
               <a:ext uri="{FF2B5EF4-FFF2-40B4-BE49-F238E27FC236}">
-                <a16:creationId xmlns:a16="http://schemas.microsoft.com/office/drawing/2014/main" id="{06C4B0A1-5FAB-7F2F-B3C5-61AE185F36E1}"/>
+                <a16:creationId xmlns:a16="http://schemas.microsoft.com/office/drawing/2014/main" id="{7F58ED8A-D7C2-D29B-4A56-392DC1D1761E}"/>
               </a:ext>
             </a:extLst>
           </p:cNvPr>
@@ -3916,29 +3921,25 @@
             <p:ph type="title"/>
           </p:nvPr>
         </p:nvSpPr>
-        <p:spPr>
-          <a:xfrm>
-            <a:off x="838200" y="374551"/>
-            <a:ext cx="10515600" cy="1325563"/>
-          </a:xfrm>
-        </p:spPr>
-        <p:txBody>
-          <a:bodyPr/>
-          <a:lstStyle/>
-          <a:p>
+        <p:spPr/>
+        <p:txBody>
+          <a:bodyPr/>
+          <a:lstStyle/>
+          <a:p>
+            <a:pPr algn="ctr"/>
             <a:r>
               <a:rPr lang="pt-BR" dirty="0"/>
-              <a:t>Sistema de Inteligência Geográfica – (02)</a:t>
+              <a:t>Metodologia Proposta</a:t>
             </a:r>
           </a:p>
         </p:txBody>
       </p:sp>
       <p:pic>
         <p:nvPicPr>
-          <p:cNvPr id="9" name="Espaço Reservado para Conteúdo 8" descr="Tabela&#10;&#10;Descrição gerada automaticamente">
-            <a:extLst>
-              <a:ext uri="{FF2B5EF4-FFF2-40B4-BE49-F238E27FC236}">
-                <a16:creationId xmlns:a16="http://schemas.microsoft.com/office/drawing/2014/main" id="{C8E23D6A-C989-5F60-7F9F-EBD54829124E}"/>
+          <p:cNvPr id="5" name="Espaço Reservado para Conteúdo 4">
+            <a:extLst>
+              <a:ext uri="{FF2B5EF4-FFF2-40B4-BE49-F238E27FC236}">
+                <a16:creationId xmlns:a16="http://schemas.microsoft.com/office/drawing/2014/main" id="{88497062-CBBE-56A1-C334-BC43CBC18BDE}"/>
               </a:ext>
             </a:extLst>
           </p:cNvPr>
@@ -3963,15 +3964,51 @@
         </p:blipFill>
         <p:spPr>
           <a:xfrm>
-            <a:off x="3616905" y="1889473"/>
-            <a:ext cx="4691187" cy="4316773"/>
+            <a:off x="2242962" y="1601365"/>
+            <a:ext cx="7856901" cy="1425063"/>
           </a:xfrm>
+        </p:spPr>
+      </p:pic>
+      <p:pic>
+        <p:nvPicPr>
+          <p:cNvPr id="7" name="Imagem 6">
+            <a:extLst>
+              <a:ext uri="{FF2B5EF4-FFF2-40B4-BE49-F238E27FC236}">
+                <a16:creationId xmlns:a16="http://schemas.microsoft.com/office/drawing/2014/main" id="{3FCACF66-DAFD-501D-EEAD-AF6795EA683E}"/>
+              </a:ext>
+            </a:extLst>
+          </p:cNvPr>
+          <p:cNvPicPr>
+            <a:picLocks noChangeAspect="1"/>
+          </p:cNvPicPr>
+          <p:nvPr/>
+        </p:nvPicPr>
+        <p:blipFill>
+          <a:blip r:embed="rId3">
+            <a:extLst>
+              <a:ext uri="{28A0092B-C50C-407E-A947-70E740481C1C}">
+                <a14:useLocalDpi xmlns:a14="http://schemas.microsoft.com/office/drawing/2010/main" val="0"/>
+              </a:ext>
+            </a:extLst>
+          </a:blip>
+          <a:stretch>
+            <a:fillRect/>
+          </a:stretch>
+        </p:blipFill>
+        <p:spPr>
+          <a:xfrm>
+            <a:off x="1419230" y="3366664"/>
+            <a:ext cx="9504366" cy="3126211"/>
+          </a:xfrm>
+          <a:prstGeom prst="rect">
+            <a:avLst/>
+          </a:prstGeom>
         </p:spPr>
       </p:pic>
     </p:spTree>
     <p:extLst>
       <p:ext uri="{BB962C8B-B14F-4D97-AF65-F5344CB8AC3E}">
-        <p14:creationId xmlns:p14="http://schemas.microsoft.com/office/powerpoint/2010/main" val="1896820759"/>
+        <p14:creationId xmlns:p14="http://schemas.microsoft.com/office/powerpoint/2010/main" val="2796524634"/>
       </p:ext>
     </p:extLst>
   </p:cSld>
@@ -3998,12 +4035,41 @@
           <a:chExt cx="0" cy="0"/>
         </a:xfrm>
       </p:grpSpPr>
+      <p:sp>
+        <p:nvSpPr>
+          <p:cNvPr id="2" name="Título 1">
+            <a:extLst>
+              <a:ext uri="{FF2B5EF4-FFF2-40B4-BE49-F238E27FC236}">
+                <a16:creationId xmlns:a16="http://schemas.microsoft.com/office/drawing/2014/main" id="{16C2824D-7DC4-2236-442F-F31688B556B0}"/>
+              </a:ext>
+            </a:extLst>
+          </p:cNvPr>
+          <p:cNvSpPr>
+            <a:spLocks noGrp="1"/>
+          </p:cNvSpPr>
+          <p:nvPr>
+            <p:ph type="title"/>
+          </p:nvPr>
+        </p:nvSpPr>
+        <p:spPr/>
+        <p:txBody>
+          <a:bodyPr/>
+          <a:lstStyle/>
+          <a:p>
+            <a:pPr algn="ctr"/>
+            <a:r>
+              <a:rPr lang="pt-BR" dirty="0"/>
+              <a:t>Metodologia Proposta</a:t>
+            </a:r>
+          </a:p>
+        </p:txBody>
+      </p:sp>
       <p:pic>
         <p:nvPicPr>
-          <p:cNvPr id="9" name="Espaço Reservado para Conteúdo 8" descr="Mapa&#10;&#10;Descrição gerada automaticamente">
-            <a:extLst>
-              <a:ext uri="{FF2B5EF4-FFF2-40B4-BE49-F238E27FC236}">
-                <a16:creationId xmlns:a16="http://schemas.microsoft.com/office/drawing/2014/main" id="{9199D1D4-655E-A828-373C-14F6A7389370}"/>
+          <p:cNvPr id="5" name="Espaço Reservado para Conteúdo 4">
+            <a:extLst>
+              <a:ext uri="{FF2B5EF4-FFF2-40B4-BE49-F238E27FC236}">
+                <a16:creationId xmlns:a16="http://schemas.microsoft.com/office/drawing/2014/main" id="{DD75C8AD-3D1F-3108-2995-257F37DFBAE5}"/>
               </a:ext>
             </a:extLst>
           </p:cNvPr>
@@ -4028,15 +4094,15 @@
         </p:blipFill>
         <p:spPr>
           <a:xfrm>
-            <a:off x="2735040" y="0"/>
-            <a:ext cx="6559789" cy="6763813"/>
+            <a:off x="2392554" y="2333216"/>
+            <a:ext cx="7406891" cy="1984260"/>
           </a:xfrm>
         </p:spPr>
       </p:pic>
     </p:spTree>
     <p:extLst>
       <p:ext uri="{BB962C8B-B14F-4D97-AF65-F5344CB8AC3E}">
-        <p14:creationId xmlns:p14="http://schemas.microsoft.com/office/powerpoint/2010/main" val="767958946"/>
+        <p14:creationId xmlns:p14="http://schemas.microsoft.com/office/powerpoint/2010/main" val="2795541031"/>
       </p:ext>
     </p:extLst>
   </p:cSld>
@@ -4063,6 +4129,459 @@
           <a:chExt cx="0" cy="0"/>
         </a:xfrm>
       </p:grpSpPr>
+      <p:sp>
+        <p:nvSpPr>
+          <p:cNvPr id="2" name="Título 1">
+            <a:extLst>
+              <a:ext uri="{FF2B5EF4-FFF2-40B4-BE49-F238E27FC236}">
+                <a16:creationId xmlns:a16="http://schemas.microsoft.com/office/drawing/2014/main" id="{AE2E7945-564F-93ED-84B7-1F70B76C053D}"/>
+              </a:ext>
+            </a:extLst>
+          </p:cNvPr>
+          <p:cNvSpPr>
+            <a:spLocks noGrp="1"/>
+          </p:cNvSpPr>
+          <p:nvPr>
+            <p:ph type="title"/>
+          </p:nvPr>
+        </p:nvSpPr>
+        <p:spPr>
+          <a:xfrm>
+            <a:off x="838199" y="365125"/>
+            <a:ext cx="10898171" cy="1325563"/>
+          </a:xfrm>
+        </p:spPr>
+        <p:txBody>
+          <a:bodyPr/>
+          <a:lstStyle/>
+          <a:p>
+            <a:r>
+              <a:rPr lang="pt-BR" dirty="0"/>
+              <a:t>Sistema de Inteligência Geográfica - Arquitetura</a:t>
+            </a:r>
+          </a:p>
+        </p:txBody>
+      </p:sp>
+      <p:pic>
+        <p:nvPicPr>
+          <p:cNvPr id="9" name="Espaço Reservado para Conteúdo 8" descr="Diagrama&#10;&#10;Descrição gerada automaticamente">
+            <a:extLst>
+              <a:ext uri="{FF2B5EF4-FFF2-40B4-BE49-F238E27FC236}">
+                <a16:creationId xmlns:a16="http://schemas.microsoft.com/office/drawing/2014/main" id="{11DD5900-2CCF-4105-0D65-91F1F51FCEF6}"/>
+              </a:ext>
+            </a:extLst>
+          </p:cNvPr>
+          <p:cNvPicPr>
+            <a:picLocks noGrp="1" noChangeAspect="1"/>
+          </p:cNvPicPr>
+          <p:nvPr>
+            <p:ph idx="1"/>
+          </p:nvPr>
+        </p:nvPicPr>
+        <p:blipFill>
+          <a:blip r:embed="rId2">
+            <a:extLst>
+              <a:ext uri="{28A0092B-C50C-407E-A947-70E740481C1C}">
+                <a14:useLocalDpi xmlns:a14="http://schemas.microsoft.com/office/drawing/2010/main" val="0"/>
+              </a:ext>
+            </a:extLst>
+          </a:blip>
+          <a:stretch>
+            <a:fillRect/>
+          </a:stretch>
+        </p:blipFill>
+        <p:spPr>
+          <a:xfrm>
+            <a:off x="3886838" y="1520962"/>
+            <a:ext cx="4125945" cy="5063661"/>
+          </a:xfrm>
+        </p:spPr>
+      </p:pic>
+    </p:spTree>
+    <p:extLst>
+      <p:ext uri="{BB962C8B-B14F-4D97-AF65-F5344CB8AC3E}">
+        <p14:creationId xmlns:p14="http://schemas.microsoft.com/office/powerpoint/2010/main" val="1675197009"/>
+      </p:ext>
+    </p:extLst>
+  </p:cSld>
+  <p:clrMapOvr>
+    <a:masterClrMapping/>
+  </p:clrMapOvr>
+</p:sld>
+</file>
+
+<file path=ppt/slides/slide13.xml><?xml version="1.0" encoding="utf-8"?>
+<p:sld xmlns:a="http://schemas.openxmlformats.org/drawingml/2006/main" xmlns:r="http://schemas.openxmlformats.org/officeDocument/2006/relationships" xmlns:p="http://schemas.openxmlformats.org/presentationml/2006/main">
+  <p:cSld>
+    <p:spTree>
+      <p:nvGrpSpPr>
+        <p:cNvPr id="1" name=""/>
+        <p:cNvGrpSpPr/>
+        <p:nvPr/>
+      </p:nvGrpSpPr>
+      <p:grpSpPr>
+        <a:xfrm>
+          <a:off x="0" y="0"/>
+          <a:ext cx="0" cy="0"/>
+          <a:chOff x="0" y="0"/>
+          <a:chExt cx="0" cy="0"/>
+        </a:xfrm>
+      </p:grpSpPr>
+      <p:sp>
+        <p:nvSpPr>
+          <p:cNvPr id="2" name="Título 1">
+            <a:extLst>
+              <a:ext uri="{FF2B5EF4-FFF2-40B4-BE49-F238E27FC236}">
+                <a16:creationId xmlns:a16="http://schemas.microsoft.com/office/drawing/2014/main" id="{8A36BC27-04A3-6994-E64D-B4B693CBB769}"/>
+              </a:ext>
+            </a:extLst>
+          </p:cNvPr>
+          <p:cNvSpPr>
+            <a:spLocks noGrp="1"/>
+          </p:cNvSpPr>
+          <p:nvPr>
+            <p:ph type="title"/>
+          </p:nvPr>
+        </p:nvSpPr>
+        <p:spPr>
+          <a:xfrm>
+            <a:off x="339365" y="365125"/>
+            <a:ext cx="11604396" cy="1325563"/>
+          </a:xfrm>
+        </p:spPr>
+        <p:txBody>
+          <a:bodyPr/>
+          <a:lstStyle/>
+          <a:p>
+            <a:pPr algn="ctr"/>
+            <a:r>
+              <a:rPr lang="pt-BR" dirty="0"/>
+              <a:t>Sistema de Inteligência Geográfica – Fluxo de telas</a:t>
+            </a:r>
+          </a:p>
+        </p:txBody>
+      </p:sp>
+      <p:pic>
+        <p:nvPicPr>
+          <p:cNvPr id="9" name="Espaço Reservado para Conteúdo 8" descr="Interface gráfica do usuário, Texto&#10;&#10;Descrição gerada automaticamente">
+            <a:extLst>
+              <a:ext uri="{FF2B5EF4-FFF2-40B4-BE49-F238E27FC236}">
+                <a16:creationId xmlns:a16="http://schemas.microsoft.com/office/drawing/2014/main" id="{A2B541C4-7EF9-67D5-E9B6-85C37ADAE79C}"/>
+              </a:ext>
+            </a:extLst>
+          </p:cNvPr>
+          <p:cNvPicPr>
+            <a:picLocks noGrp="1" noChangeAspect="1"/>
+          </p:cNvPicPr>
+          <p:nvPr>
+            <p:ph idx="1"/>
+          </p:nvPr>
+        </p:nvPicPr>
+        <p:blipFill>
+          <a:blip r:embed="rId2">
+            <a:extLst>
+              <a:ext uri="{28A0092B-C50C-407E-A947-70E740481C1C}">
+                <a14:useLocalDpi xmlns:a14="http://schemas.microsoft.com/office/drawing/2010/main" val="0"/>
+              </a:ext>
+            </a:extLst>
+          </a:blip>
+          <a:stretch>
+            <a:fillRect/>
+          </a:stretch>
+        </p:blipFill>
+        <p:spPr>
+          <a:xfrm>
+            <a:off x="1810765" y="2453295"/>
+            <a:ext cx="8062810" cy="2362851"/>
+          </a:xfrm>
+        </p:spPr>
+      </p:pic>
+    </p:spTree>
+    <p:extLst>
+      <p:ext uri="{BB962C8B-B14F-4D97-AF65-F5344CB8AC3E}">
+        <p14:creationId xmlns:p14="http://schemas.microsoft.com/office/powerpoint/2010/main" val="2723099934"/>
+      </p:ext>
+    </p:extLst>
+  </p:cSld>
+  <p:clrMapOvr>
+    <a:masterClrMapping/>
+  </p:clrMapOvr>
+</p:sld>
+</file>
+
+<file path=ppt/slides/slide14.xml><?xml version="1.0" encoding="utf-8"?>
+<p:sld xmlns:a="http://schemas.openxmlformats.org/drawingml/2006/main" xmlns:r="http://schemas.openxmlformats.org/officeDocument/2006/relationships" xmlns:p="http://schemas.openxmlformats.org/presentationml/2006/main">
+  <p:cSld>
+    <p:spTree>
+      <p:nvGrpSpPr>
+        <p:cNvPr id="1" name=""/>
+        <p:cNvGrpSpPr/>
+        <p:nvPr/>
+      </p:nvGrpSpPr>
+      <p:grpSpPr>
+        <a:xfrm>
+          <a:off x="0" y="0"/>
+          <a:ext cx="0" cy="0"/>
+          <a:chOff x="0" y="0"/>
+          <a:chExt cx="0" cy="0"/>
+        </a:xfrm>
+      </p:grpSpPr>
+      <p:sp>
+        <p:nvSpPr>
+          <p:cNvPr id="2" name="Título 1">
+            <a:extLst>
+              <a:ext uri="{FF2B5EF4-FFF2-40B4-BE49-F238E27FC236}">
+                <a16:creationId xmlns:a16="http://schemas.microsoft.com/office/drawing/2014/main" id="{060AA2A0-904C-9BFD-A26A-913F327794AB}"/>
+              </a:ext>
+            </a:extLst>
+          </p:cNvPr>
+          <p:cNvSpPr>
+            <a:spLocks noGrp="1"/>
+          </p:cNvSpPr>
+          <p:nvPr>
+            <p:ph type="title"/>
+          </p:nvPr>
+        </p:nvSpPr>
+        <p:spPr/>
+        <p:txBody>
+          <a:bodyPr/>
+          <a:lstStyle/>
+          <a:p>
+            <a:r>
+              <a:rPr lang="pt-BR" dirty="0"/>
+              <a:t>Sistema de Inteligência Geográfica – (01)</a:t>
+            </a:r>
+          </a:p>
+        </p:txBody>
+      </p:sp>
+      <p:pic>
+        <p:nvPicPr>
+          <p:cNvPr id="9" name="Espaço Reservado para Conteúdo 8" descr="Interface gráfica do usuário, Texto, Aplicativo&#10;&#10;Descrição gerada automaticamente">
+            <a:extLst>
+              <a:ext uri="{FF2B5EF4-FFF2-40B4-BE49-F238E27FC236}">
+                <a16:creationId xmlns:a16="http://schemas.microsoft.com/office/drawing/2014/main" id="{18BAC139-9000-5083-EE2C-25ECDADD7785}"/>
+              </a:ext>
+            </a:extLst>
+          </p:cNvPr>
+          <p:cNvPicPr>
+            <a:picLocks noGrp="1" noChangeAspect="1"/>
+          </p:cNvPicPr>
+          <p:nvPr>
+            <p:ph idx="1"/>
+          </p:nvPr>
+        </p:nvPicPr>
+        <p:blipFill>
+          <a:blip r:embed="rId2">
+            <a:extLst>
+              <a:ext uri="{28A0092B-C50C-407E-A947-70E740481C1C}">
+                <a14:useLocalDpi xmlns:a14="http://schemas.microsoft.com/office/drawing/2010/main" val="0"/>
+              </a:ext>
+            </a:extLst>
+          </a:blip>
+          <a:stretch>
+            <a:fillRect/>
+          </a:stretch>
+        </p:blipFill>
+        <p:spPr>
+          <a:xfrm>
+            <a:off x="3897549" y="3025285"/>
+            <a:ext cx="3560373" cy="1186791"/>
+          </a:xfrm>
+        </p:spPr>
+      </p:pic>
+    </p:spTree>
+    <p:extLst>
+      <p:ext uri="{BB962C8B-B14F-4D97-AF65-F5344CB8AC3E}">
+        <p14:creationId xmlns:p14="http://schemas.microsoft.com/office/powerpoint/2010/main" val="2476695612"/>
+      </p:ext>
+    </p:extLst>
+  </p:cSld>
+  <p:clrMapOvr>
+    <a:masterClrMapping/>
+  </p:clrMapOvr>
+</p:sld>
+</file>
+
+<file path=ppt/slides/slide15.xml><?xml version="1.0" encoding="utf-8"?>
+<p:sld xmlns:a="http://schemas.openxmlformats.org/drawingml/2006/main" xmlns:r="http://schemas.openxmlformats.org/officeDocument/2006/relationships" xmlns:p="http://schemas.openxmlformats.org/presentationml/2006/main">
+  <p:cSld>
+    <p:spTree>
+      <p:nvGrpSpPr>
+        <p:cNvPr id="1" name=""/>
+        <p:cNvGrpSpPr/>
+        <p:nvPr/>
+      </p:nvGrpSpPr>
+      <p:grpSpPr>
+        <a:xfrm>
+          <a:off x="0" y="0"/>
+          <a:ext cx="0" cy="0"/>
+          <a:chOff x="0" y="0"/>
+          <a:chExt cx="0" cy="0"/>
+        </a:xfrm>
+      </p:grpSpPr>
+      <p:sp>
+        <p:nvSpPr>
+          <p:cNvPr id="2" name="Título 1">
+            <a:extLst>
+              <a:ext uri="{FF2B5EF4-FFF2-40B4-BE49-F238E27FC236}">
+                <a16:creationId xmlns:a16="http://schemas.microsoft.com/office/drawing/2014/main" id="{06C4B0A1-5FAB-7F2F-B3C5-61AE185F36E1}"/>
+              </a:ext>
+            </a:extLst>
+          </p:cNvPr>
+          <p:cNvSpPr>
+            <a:spLocks noGrp="1"/>
+          </p:cNvSpPr>
+          <p:nvPr>
+            <p:ph type="title"/>
+          </p:nvPr>
+        </p:nvSpPr>
+        <p:spPr>
+          <a:xfrm>
+            <a:off x="838200" y="374551"/>
+            <a:ext cx="10515600" cy="1325563"/>
+          </a:xfrm>
+        </p:spPr>
+        <p:txBody>
+          <a:bodyPr/>
+          <a:lstStyle/>
+          <a:p>
+            <a:r>
+              <a:rPr lang="pt-BR" dirty="0"/>
+              <a:t>Sistema de Inteligência Geográfica – (02)</a:t>
+            </a:r>
+          </a:p>
+        </p:txBody>
+      </p:sp>
+      <p:pic>
+        <p:nvPicPr>
+          <p:cNvPr id="9" name="Espaço Reservado para Conteúdo 8" descr="Tabela&#10;&#10;Descrição gerada automaticamente">
+            <a:extLst>
+              <a:ext uri="{FF2B5EF4-FFF2-40B4-BE49-F238E27FC236}">
+                <a16:creationId xmlns:a16="http://schemas.microsoft.com/office/drawing/2014/main" id="{C8E23D6A-C989-5F60-7F9F-EBD54829124E}"/>
+              </a:ext>
+            </a:extLst>
+          </p:cNvPr>
+          <p:cNvPicPr>
+            <a:picLocks noGrp="1" noChangeAspect="1"/>
+          </p:cNvPicPr>
+          <p:nvPr>
+            <p:ph idx="1"/>
+          </p:nvPr>
+        </p:nvPicPr>
+        <p:blipFill>
+          <a:blip r:embed="rId2">
+            <a:extLst>
+              <a:ext uri="{28A0092B-C50C-407E-A947-70E740481C1C}">
+                <a14:useLocalDpi xmlns:a14="http://schemas.microsoft.com/office/drawing/2010/main" val="0"/>
+              </a:ext>
+            </a:extLst>
+          </a:blip>
+          <a:stretch>
+            <a:fillRect/>
+          </a:stretch>
+        </p:blipFill>
+        <p:spPr>
+          <a:xfrm>
+            <a:off x="3616905" y="1889473"/>
+            <a:ext cx="4691187" cy="4316773"/>
+          </a:xfrm>
+        </p:spPr>
+      </p:pic>
+    </p:spTree>
+    <p:extLst>
+      <p:ext uri="{BB962C8B-B14F-4D97-AF65-F5344CB8AC3E}">
+        <p14:creationId xmlns:p14="http://schemas.microsoft.com/office/powerpoint/2010/main" val="1896820759"/>
+      </p:ext>
+    </p:extLst>
+  </p:cSld>
+  <p:clrMapOvr>
+    <a:masterClrMapping/>
+  </p:clrMapOvr>
+</p:sld>
+</file>
+
+<file path=ppt/slides/slide16.xml><?xml version="1.0" encoding="utf-8"?>
+<p:sld xmlns:a="http://schemas.openxmlformats.org/drawingml/2006/main" xmlns:r="http://schemas.openxmlformats.org/officeDocument/2006/relationships" xmlns:p="http://schemas.openxmlformats.org/presentationml/2006/main">
+  <p:cSld>
+    <p:spTree>
+      <p:nvGrpSpPr>
+        <p:cNvPr id="1" name=""/>
+        <p:cNvGrpSpPr/>
+        <p:nvPr/>
+      </p:nvGrpSpPr>
+      <p:grpSpPr>
+        <a:xfrm>
+          <a:off x="0" y="0"/>
+          <a:ext cx="0" cy="0"/>
+          <a:chOff x="0" y="0"/>
+          <a:chExt cx="0" cy="0"/>
+        </a:xfrm>
+      </p:grpSpPr>
+      <p:pic>
+        <p:nvPicPr>
+          <p:cNvPr id="9" name="Espaço Reservado para Conteúdo 8" descr="Mapa&#10;&#10;Descrição gerada automaticamente">
+            <a:extLst>
+              <a:ext uri="{FF2B5EF4-FFF2-40B4-BE49-F238E27FC236}">
+                <a16:creationId xmlns:a16="http://schemas.microsoft.com/office/drawing/2014/main" id="{9199D1D4-655E-A828-373C-14F6A7389370}"/>
+              </a:ext>
+            </a:extLst>
+          </p:cNvPr>
+          <p:cNvPicPr>
+            <a:picLocks noGrp="1" noChangeAspect="1"/>
+          </p:cNvPicPr>
+          <p:nvPr>
+            <p:ph idx="1"/>
+          </p:nvPr>
+        </p:nvPicPr>
+        <p:blipFill>
+          <a:blip r:embed="rId2">
+            <a:extLst>
+              <a:ext uri="{28A0092B-C50C-407E-A947-70E740481C1C}">
+                <a14:useLocalDpi xmlns:a14="http://schemas.microsoft.com/office/drawing/2010/main" val="0"/>
+              </a:ext>
+            </a:extLst>
+          </a:blip>
+          <a:stretch>
+            <a:fillRect/>
+          </a:stretch>
+        </p:blipFill>
+        <p:spPr>
+          <a:xfrm>
+            <a:off x="2735040" y="0"/>
+            <a:ext cx="6559789" cy="6763813"/>
+          </a:xfrm>
+        </p:spPr>
+      </p:pic>
+    </p:spTree>
+    <p:extLst>
+      <p:ext uri="{BB962C8B-B14F-4D97-AF65-F5344CB8AC3E}">
+        <p14:creationId xmlns:p14="http://schemas.microsoft.com/office/powerpoint/2010/main" val="767958946"/>
+      </p:ext>
+    </p:extLst>
+  </p:cSld>
+  <p:clrMapOvr>
+    <a:masterClrMapping/>
+  </p:clrMapOvr>
+</p:sld>
+</file>
+
+<file path=ppt/slides/slide17.xml><?xml version="1.0" encoding="utf-8"?>
+<p:sld xmlns:a="http://schemas.openxmlformats.org/drawingml/2006/main" xmlns:r="http://schemas.openxmlformats.org/officeDocument/2006/relationships" xmlns:p="http://schemas.openxmlformats.org/presentationml/2006/main">
+  <p:cSld>
+    <p:spTree>
+      <p:nvGrpSpPr>
+        <p:cNvPr id="1" name=""/>
+        <p:cNvGrpSpPr/>
+        <p:nvPr/>
+      </p:nvGrpSpPr>
+      <p:grpSpPr>
+        <a:xfrm>
+          <a:off x="0" y="0"/>
+          <a:ext cx="0" cy="0"/>
+          <a:chOff x="0" y="0"/>
+          <a:chExt cx="0" cy="0"/>
+        </a:xfrm>
+      </p:grpSpPr>
       <p:pic>
         <p:nvPicPr>
           <p:cNvPr id="5" name="Espaço Reservado para Conteúdo 4" descr="Mapa&#10;&#10;Descrição gerada automaticamente">
@@ -4111,7 +4630,7 @@
 </p:sld>
 </file>
 
-<file path=ppt/slides/slide13.xml><?xml version="1.0" encoding="utf-8"?>
+<file path=ppt/slides/slide18.xml><?xml version="1.0" encoding="utf-8"?>
 <p:sld xmlns:a="http://schemas.openxmlformats.org/drawingml/2006/main" xmlns:r="http://schemas.openxmlformats.org/officeDocument/2006/relationships" xmlns:p="http://schemas.openxmlformats.org/presentationml/2006/main">
   <p:cSld>
     <p:spTree>
@@ -4322,7 +4841,7 @@
           <p:cNvPr id="2" name="Título 1">
             <a:extLst>
               <a:ext uri="{FF2B5EF4-FFF2-40B4-BE49-F238E27FC236}">
-                <a16:creationId xmlns:a16="http://schemas.microsoft.com/office/drawing/2014/main" id="{0ED1622E-A43C-52EF-C248-648F43D05A9E}"/>
+                <a16:creationId xmlns:a16="http://schemas.microsoft.com/office/drawing/2014/main" id="{7344ECBC-23CD-9FB7-EE44-679A65F3EE75}"/>
               </a:ext>
             </a:extLst>
           </p:cNvPr>
@@ -4341,17 +4860,22 @@
             <a:pPr algn="ctr"/>
             <a:r>
               <a:rPr lang="pt-BR" dirty="0"/>
-              <a:t>Motivação – Processo de Descoberta de Conhecimento em Bases de Dados</a:t>
-            </a:r>
+              <a:t>Motivação – Título </a:t>
+            </a:r>
+            <a:r>
+              <a:rPr lang="pt-BR"/>
+              <a:t>do trabalho</a:t>
+            </a:r>
+            <a:endParaRPr lang="pt-BR" dirty="0"/>
           </a:p>
         </p:txBody>
       </p:sp>
       <p:pic>
         <p:nvPicPr>
-          <p:cNvPr id="9" name="Espaço Reservado para Conteúdo 8" descr="Diagrama&#10;&#10;Descrição gerada automaticamente">
-            <a:extLst>
-              <a:ext uri="{FF2B5EF4-FFF2-40B4-BE49-F238E27FC236}">
-                <a16:creationId xmlns:a16="http://schemas.microsoft.com/office/drawing/2014/main" id="{A8274144-0386-85B7-17DC-A8616F0BA825}"/>
+          <p:cNvPr id="5" name="Espaço Reservado para Conteúdo 4">
+            <a:extLst>
+              <a:ext uri="{FF2B5EF4-FFF2-40B4-BE49-F238E27FC236}">
+                <a16:creationId xmlns:a16="http://schemas.microsoft.com/office/drawing/2014/main" id="{6F5A0173-E66C-A99F-73C0-8BF31C009F2E}"/>
               </a:ext>
             </a:extLst>
           </p:cNvPr>
@@ -4376,15 +4900,15 @@
         </p:blipFill>
         <p:spPr>
           <a:xfrm>
-            <a:off x="2000615" y="1947402"/>
-            <a:ext cx="8767904" cy="4108480"/>
+            <a:off x="3815361" y="1476363"/>
+            <a:ext cx="4561277" cy="5016512"/>
           </a:xfrm>
         </p:spPr>
       </p:pic>
     </p:spTree>
     <p:extLst>
       <p:ext uri="{BB962C8B-B14F-4D97-AF65-F5344CB8AC3E}">
-        <p14:creationId xmlns:p14="http://schemas.microsoft.com/office/powerpoint/2010/main" val="146841560"/>
+        <p14:creationId xmlns:p14="http://schemas.microsoft.com/office/powerpoint/2010/main" val="1235237522"/>
       </p:ext>
     </p:extLst>
   </p:cSld>
@@ -4416,7 +4940,7 @@
           <p:cNvPr id="2" name="Título 1">
             <a:extLst>
               <a:ext uri="{FF2B5EF4-FFF2-40B4-BE49-F238E27FC236}">
-                <a16:creationId xmlns:a16="http://schemas.microsoft.com/office/drawing/2014/main" id="{3FFB1A38-36CA-431E-B599-97B0C3AB4D9F}"/>
+                <a16:creationId xmlns:a16="http://schemas.microsoft.com/office/drawing/2014/main" id="{90FEEF4D-B7C8-DDFD-062C-C39208AD31CD}"/>
               </a:ext>
             </a:extLst>
           </p:cNvPr>
@@ -4432,20 +4956,19 @@
           <a:bodyPr/>
           <a:lstStyle/>
           <a:p>
-            <a:pPr algn="ctr"/>
             <a:r>
               <a:rPr lang="pt-BR" dirty="0"/>
-              <a:t>Motivação – Mineração de Dados</a:t>
+              <a:t>Motivação</a:t>
             </a:r>
           </a:p>
         </p:txBody>
       </p:sp>
       <p:pic>
         <p:nvPicPr>
-          <p:cNvPr id="5" name="Espaço Reservado para Conteúdo 4" descr="Diagrama&#10;&#10;Descrição gerada automaticamente">
-            <a:extLst>
-              <a:ext uri="{FF2B5EF4-FFF2-40B4-BE49-F238E27FC236}">
-                <a16:creationId xmlns:a16="http://schemas.microsoft.com/office/drawing/2014/main" id="{86D640C3-7AA9-6973-AC12-D178DE6C9C43}"/>
+          <p:cNvPr id="5" name="Espaço Reservado para Conteúdo 4" descr="Interface gráfica do usuário, Site&#10;&#10;Descrição gerada automaticamente">
+            <a:extLst>
+              <a:ext uri="{FF2B5EF4-FFF2-40B4-BE49-F238E27FC236}">
+                <a16:creationId xmlns:a16="http://schemas.microsoft.com/office/drawing/2014/main" id="{96682665-32B2-461D-04DC-FAEF1DC20424}"/>
               </a:ext>
             </a:extLst>
           </p:cNvPr>
@@ -4470,15 +4993,51 @@
         </p:blipFill>
         <p:spPr>
           <a:xfrm>
-            <a:off x="2798271" y="1552246"/>
-            <a:ext cx="6375506" cy="4940629"/>
+            <a:off x="5809947" y="245097"/>
+            <a:ext cx="6080128" cy="4260915"/>
           </a:xfrm>
+        </p:spPr>
+      </p:pic>
+      <p:pic>
+        <p:nvPicPr>
+          <p:cNvPr id="7" name="Imagem 6" descr="Interface gráfica do usuário, Aplicativo&#10;&#10;Descrição gerada automaticamente">
+            <a:extLst>
+              <a:ext uri="{FF2B5EF4-FFF2-40B4-BE49-F238E27FC236}">
+                <a16:creationId xmlns:a16="http://schemas.microsoft.com/office/drawing/2014/main" id="{43D013F0-E2D2-19BC-6895-7448D7F0069B}"/>
+              </a:ext>
+            </a:extLst>
+          </p:cNvPr>
+          <p:cNvPicPr>
+            <a:picLocks noChangeAspect="1"/>
+          </p:cNvPicPr>
+          <p:nvPr/>
+        </p:nvPicPr>
+        <p:blipFill>
+          <a:blip r:embed="rId3">
+            <a:extLst>
+              <a:ext uri="{28A0092B-C50C-407E-A947-70E740481C1C}">
+                <a14:useLocalDpi xmlns:a14="http://schemas.microsoft.com/office/drawing/2010/main" val="0"/>
+              </a:ext>
+            </a:extLst>
+          </a:blip>
+          <a:stretch>
+            <a:fillRect/>
+          </a:stretch>
+        </p:blipFill>
+        <p:spPr>
+          <a:xfrm>
+            <a:off x="263951" y="1526134"/>
+            <a:ext cx="6082270" cy="4329259"/>
+          </a:xfrm>
+          <a:prstGeom prst="rect">
+            <a:avLst/>
+          </a:prstGeom>
         </p:spPr>
       </p:pic>
     </p:spTree>
     <p:extLst>
       <p:ext uri="{BB962C8B-B14F-4D97-AF65-F5344CB8AC3E}">
-        <p14:creationId xmlns:p14="http://schemas.microsoft.com/office/powerpoint/2010/main" val="3346018112"/>
+        <p14:creationId xmlns:p14="http://schemas.microsoft.com/office/powerpoint/2010/main" val="3380803394"/>
       </p:ext>
     </p:extLst>
   </p:cSld>
@@ -4510,7 +5069,7 @@
           <p:cNvPr id="2" name="Título 1">
             <a:extLst>
               <a:ext uri="{FF2B5EF4-FFF2-40B4-BE49-F238E27FC236}">
-                <a16:creationId xmlns:a16="http://schemas.microsoft.com/office/drawing/2014/main" id="{FE5B806F-7BFA-1B18-87D2-B69D5A666B19}"/>
+                <a16:creationId xmlns:a16="http://schemas.microsoft.com/office/drawing/2014/main" id="{AE726161-A3C7-FF67-1BEF-B8175199E461}"/>
               </a:ext>
             </a:extLst>
           </p:cNvPr>
@@ -4526,53 +5085,48 @@
           <a:bodyPr/>
           <a:lstStyle/>
           <a:p>
-            <a:pPr algn="ctr"/>
             <a:r>
               <a:rPr lang="pt-BR" dirty="0"/>
-              <a:t>Motivação – Mineração de Dados</a:t>
-            </a:r>
-          </a:p>
-        </p:txBody>
-      </p:sp>
-      <p:pic>
-        <p:nvPicPr>
-          <p:cNvPr id="5" name="Espaço Reservado para Conteúdo 4" descr="Diagrama&#10;&#10;Descrição gerada automaticamente">
-            <a:extLst>
-              <a:ext uri="{FF2B5EF4-FFF2-40B4-BE49-F238E27FC236}">
-                <a16:creationId xmlns:a16="http://schemas.microsoft.com/office/drawing/2014/main" id="{89121763-9A68-8DB5-2A27-36A2C5A8C2A2}"/>
-              </a:ext>
-            </a:extLst>
-          </p:cNvPr>
-          <p:cNvPicPr>
-            <a:picLocks noGrp="1" noChangeAspect="1"/>
-          </p:cNvPicPr>
+              <a:t>Motivação</a:t>
+            </a:r>
+          </a:p>
+        </p:txBody>
+      </p:sp>
+      <p:sp>
+        <p:nvSpPr>
+          <p:cNvPr id="3" name="Espaço Reservado para Conteúdo 2">
+            <a:extLst>
+              <a:ext uri="{FF2B5EF4-FFF2-40B4-BE49-F238E27FC236}">
+                <a16:creationId xmlns:a16="http://schemas.microsoft.com/office/drawing/2014/main" id="{BD8C18AE-994F-5688-3699-D78202E5A6F1}"/>
+              </a:ext>
+            </a:extLst>
+          </p:cNvPr>
+          <p:cNvSpPr>
+            <a:spLocks noGrp="1"/>
+          </p:cNvSpPr>
           <p:nvPr>
             <p:ph idx="1"/>
           </p:nvPr>
-        </p:nvPicPr>
-        <p:blipFill>
-          <a:blip r:embed="rId2">
-            <a:extLst>
-              <a:ext uri="{28A0092B-C50C-407E-A947-70E740481C1C}">
-                <a14:useLocalDpi xmlns:a14="http://schemas.microsoft.com/office/drawing/2010/main" val="0"/>
-              </a:ext>
-            </a:extLst>
-          </a:blip>
-          <a:stretch>
-            <a:fillRect/>
-          </a:stretch>
-        </p:blipFill>
-        <p:spPr>
-          <a:xfrm>
-            <a:off x="2854333" y="1585569"/>
-            <a:ext cx="6332505" cy="4907306"/>
-          </a:xfrm>
-        </p:spPr>
-      </p:pic>
+        </p:nvSpPr>
+        <p:spPr/>
+        <p:txBody>
+          <a:bodyPr/>
+          <a:lstStyle/>
+          <a:p>
+            <a:pPr marL="0" indent="0" algn="ctr">
+              <a:buNone/>
+            </a:pPr>
+            <a:r>
+              <a:rPr lang="pt-BR" dirty="0"/>
+              <a:t>Como a computação poderia ajudar nesse problema e em problemas semelhantes ?</a:t>
+            </a:r>
+          </a:p>
+        </p:txBody>
+      </p:sp>
     </p:spTree>
     <p:extLst>
       <p:ext uri="{BB962C8B-B14F-4D97-AF65-F5344CB8AC3E}">
-        <p14:creationId xmlns:p14="http://schemas.microsoft.com/office/powerpoint/2010/main" val="1684163586"/>
+        <p14:creationId xmlns:p14="http://schemas.microsoft.com/office/powerpoint/2010/main" val="856662280"/>
       </p:ext>
     </p:extLst>
   </p:cSld>
@@ -4604,7 +5158,7 @@
           <p:cNvPr id="2" name="Título 1">
             <a:extLst>
               <a:ext uri="{FF2B5EF4-FFF2-40B4-BE49-F238E27FC236}">
-                <a16:creationId xmlns:a16="http://schemas.microsoft.com/office/drawing/2014/main" id="{7F58ED8A-D7C2-D29B-4A56-392DC1D1761E}"/>
+                <a16:creationId xmlns:a16="http://schemas.microsoft.com/office/drawing/2014/main" id="{0ED1622E-A43C-52EF-C248-648F43D05A9E}"/>
               </a:ext>
             </a:extLst>
           </p:cNvPr>
@@ -4623,40 +5177,50 @@
             <a:pPr algn="ctr"/>
             <a:r>
               <a:rPr lang="pt-BR" dirty="0"/>
-              <a:t>Metodologia Proposta</a:t>
-            </a:r>
-          </a:p>
-        </p:txBody>
-      </p:sp>
-      <p:sp>
-        <p:nvSpPr>
-          <p:cNvPr id="3" name="Espaço Reservado para Conteúdo 2">
-            <a:extLst>
-              <a:ext uri="{FF2B5EF4-FFF2-40B4-BE49-F238E27FC236}">
-                <a16:creationId xmlns:a16="http://schemas.microsoft.com/office/drawing/2014/main" id="{515052D8-BBE4-6959-331A-CB756D85469C}"/>
-              </a:ext>
-            </a:extLst>
-          </p:cNvPr>
-          <p:cNvSpPr>
-            <a:spLocks noGrp="1"/>
-          </p:cNvSpPr>
+              <a:t>Motivação – Processo de Descoberta de Conhecimento em Bases de Dados</a:t>
+            </a:r>
+          </a:p>
+        </p:txBody>
+      </p:sp>
+      <p:pic>
+        <p:nvPicPr>
+          <p:cNvPr id="9" name="Espaço Reservado para Conteúdo 8" descr="Diagrama&#10;&#10;Descrição gerada automaticamente">
+            <a:extLst>
+              <a:ext uri="{FF2B5EF4-FFF2-40B4-BE49-F238E27FC236}">
+                <a16:creationId xmlns:a16="http://schemas.microsoft.com/office/drawing/2014/main" id="{A8274144-0386-85B7-17DC-A8616F0BA825}"/>
+              </a:ext>
+            </a:extLst>
+          </p:cNvPr>
+          <p:cNvPicPr>
+            <a:picLocks noGrp="1" noChangeAspect="1"/>
+          </p:cNvPicPr>
           <p:nvPr>
             <p:ph idx="1"/>
           </p:nvPr>
-        </p:nvSpPr>
-        <p:spPr/>
-        <p:txBody>
-          <a:bodyPr/>
-          <a:lstStyle/>
-          <a:p>
-            <a:endParaRPr lang="pt-BR"/>
-          </a:p>
-        </p:txBody>
-      </p:sp>
+        </p:nvPicPr>
+        <p:blipFill>
+          <a:blip r:embed="rId2">
+            <a:extLst>
+              <a:ext uri="{28A0092B-C50C-407E-A947-70E740481C1C}">
+                <a14:useLocalDpi xmlns:a14="http://schemas.microsoft.com/office/drawing/2010/main" val="0"/>
+              </a:ext>
+            </a:extLst>
+          </a:blip>
+          <a:stretch>
+            <a:fillRect/>
+          </a:stretch>
+        </p:blipFill>
+        <p:spPr>
+          <a:xfrm>
+            <a:off x="2000615" y="1947402"/>
+            <a:ext cx="8767904" cy="4108480"/>
+          </a:xfrm>
+        </p:spPr>
+      </p:pic>
     </p:spTree>
     <p:extLst>
       <p:ext uri="{BB962C8B-B14F-4D97-AF65-F5344CB8AC3E}">
-        <p14:creationId xmlns:p14="http://schemas.microsoft.com/office/powerpoint/2010/main" val="2796524634"/>
+        <p14:creationId xmlns:p14="http://schemas.microsoft.com/office/powerpoint/2010/main" val="146841560"/>
       </p:ext>
     </p:extLst>
   </p:cSld>
@@ -4688,7 +5252,7 @@
           <p:cNvPr id="2" name="Título 1">
             <a:extLst>
               <a:ext uri="{FF2B5EF4-FFF2-40B4-BE49-F238E27FC236}">
-                <a16:creationId xmlns:a16="http://schemas.microsoft.com/office/drawing/2014/main" id="{AE2E7945-564F-93ED-84B7-1F70B76C053D}"/>
+                <a16:creationId xmlns:a16="http://schemas.microsoft.com/office/drawing/2014/main" id="{3FFB1A38-36CA-431E-B599-97B0C3AB4D9F}"/>
               </a:ext>
             </a:extLst>
           </p:cNvPr>
@@ -4699,29 +5263,25 @@
             <p:ph type="title"/>
           </p:nvPr>
         </p:nvSpPr>
-        <p:spPr>
-          <a:xfrm>
-            <a:off x="838199" y="365125"/>
-            <a:ext cx="10898171" cy="1325563"/>
-          </a:xfrm>
-        </p:spPr>
-        <p:txBody>
-          <a:bodyPr/>
-          <a:lstStyle/>
-          <a:p>
+        <p:spPr/>
+        <p:txBody>
+          <a:bodyPr/>
+          <a:lstStyle/>
+          <a:p>
+            <a:pPr algn="ctr"/>
             <a:r>
               <a:rPr lang="pt-BR" dirty="0"/>
-              <a:t>Sistema de Inteligência Geográfica - Arquitetura</a:t>
+              <a:t>Motivação – Mineração de Dados</a:t>
             </a:r>
           </a:p>
         </p:txBody>
       </p:sp>
       <p:pic>
         <p:nvPicPr>
-          <p:cNvPr id="9" name="Espaço Reservado para Conteúdo 8" descr="Diagrama&#10;&#10;Descrição gerada automaticamente">
-            <a:extLst>
-              <a:ext uri="{FF2B5EF4-FFF2-40B4-BE49-F238E27FC236}">
-                <a16:creationId xmlns:a16="http://schemas.microsoft.com/office/drawing/2014/main" id="{11DD5900-2CCF-4105-0D65-91F1F51FCEF6}"/>
+          <p:cNvPr id="5" name="Espaço Reservado para Conteúdo 4" descr="Diagrama&#10;&#10;Descrição gerada automaticamente">
+            <a:extLst>
+              <a:ext uri="{FF2B5EF4-FFF2-40B4-BE49-F238E27FC236}">
+                <a16:creationId xmlns:a16="http://schemas.microsoft.com/office/drawing/2014/main" id="{86D640C3-7AA9-6973-AC12-D178DE6C9C43}"/>
               </a:ext>
             </a:extLst>
           </p:cNvPr>
@@ -4746,15 +5306,15 @@
         </p:blipFill>
         <p:spPr>
           <a:xfrm>
-            <a:off x="3886838" y="1520962"/>
-            <a:ext cx="4125945" cy="5063661"/>
+            <a:off x="2798271" y="1552246"/>
+            <a:ext cx="6375506" cy="4940629"/>
           </a:xfrm>
         </p:spPr>
       </p:pic>
     </p:spTree>
     <p:extLst>
       <p:ext uri="{BB962C8B-B14F-4D97-AF65-F5344CB8AC3E}">
-        <p14:creationId xmlns:p14="http://schemas.microsoft.com/office/powerpoint/2010/main" val="1675197009"/>
+        <p14:creationId xmlns:p14="http://schemas.microsoft.com/office/powerpoint/2010/main" val="3346018112"/>
       </p:ext>
     </p:extLst>
   </p:cSld>
@@ -4786,7 +5346,7 @@
           <p:cNvPr id="2" name="Título 1">
             <a:extLst>
               <a:ext uri="{FF2B5EF4-FFF2-40B4-BE49-F238E27FC236}">
-                <a16:creationId xmlns:a16="http://schemas.microsoft.com/office/drawing/2014/main" id="{8A36BC27-04A3-6994-E64D-B4B693CBB769}"/>
+                <a16:creationId xmlns:a16="http://schemas.microsoft.com/office/drawing/2014/main" id="{FE5B806F-7BFA-1B18-87D2-B69D5A666B19}"/>
               </a:ext>
             </a:extLst>
           </p:cNvPr>
@@ -4797,12 +5357,7 @@
             <p:ph type="title"/>
           </p:nvPr>
         </p:nvSpPr>
-        <p:spPr>
-          <a:xfrm>
-            <a:off x="339365" y="365125"/>
-            <a:ext cx="11604396" cy="1325563"/>
-          </a:xfrm>
-        </p:spPr>
+        <p:spPr/>
         <p:txBody>
           <a:bodyPr/>
           <a:lstStyle/>
@@ -4810,17 +5365,17 @@
             <a:pPr algn="ctr"/>
             <a:r>
               <a:rPr lang="pt-BR" dirty="0"/>
-              <a:t>Sistema de Inteligência Geográfica – Fluxo de telas</a:t>
+              <a:t>Motivação – Mineração de Dados</a:t>
             </a:r>
           </a:p>
         </p:txBody>
       </p:sp>
       <p:pic>
         <p:nvPicPr>
-          <p:cNvPr id="9" name="Espaço Reservado para Conteúdo 8" descr="Interface gráfica do usuário, Texto&#10;&#10;Descrição gerada automaticamente">
-            <a:extLst>
-              <a:ext uri="{FF2B5EF4-FFF2-40B4-BE49-F238E27FC236}">
-                <a16:creationId xmlns:a16="http://schemas.microsoft.com/office/drawing/2014/main" id="{A2B541C4-7EF9-67D5-E9B6-85C37ADAE79C}"/>
+          <p:cNvPr id="5" name="Espaço Reservado para Conteúdo 4" descr="Diagrama&#10;&#10;Descrição gerada automaticamente">
+            <a:extLst>
+              <a:ext uri="{FF2B5EF4-FFF2-40B4-BE49-F238E27FC236}">
+                <a16:creationId xmlns:a16="http://schemas.microsoft.com/office/drawing/2014/main" id="{89121763-9A68-8DB5-2A27-36A2C5A8C2A2}"/>
               </a:ext>
             </a:extLst>
           </p:cNvPr>
@@ -4845,15 +5400,15 @@
         </p:blipFill>
         <p:spPr>
           <a:xfrm>
-            <a:off x="1810765" y="2453295"/>
-            <a:ext cx="8062810" cy="2362851"/>
+            <a:off x="2854333" y="1585569"/>
+            <a:ext cx="6332505" cy="4907306"/>
           </a:xfrm>
         </p:spPr>
       </p:pic>
     </p:spTree>
     <p:extLst>
       <p:ext uri="{BB962C8B-B14F-4D97-AF65-F5344CB8AC3E}">
-        <p14:creationId xmlns:p14="http://schemas.microsoft.com/office/powerpoint/2010/main" val="2723099934"/>
+        <p14:creationId xmlns:p14="http://schemas.microsoft.com/office/powerpoint/2010/main" val="1684163586"/>
       </p:ext>
     </p:extLst>
   </p:cSld>
@@ -4885,7 +5440,7 @@
           <p:cNvPr id="2" name="Título 1">
             <a:extLst>
               <a:ext uri="{FF2B5EF4-FFF2-40B4-BE49-F238E27FC236}">
-                <a16:creationId xmlns:a16="http://schemas.microsoft.com/office/drawing/2014/main" id="{060AA2A0-904C-9BFD-A26A-913F327794AB}"/>
+                <a16:creationId xmlns:a16="http://schemas.microsoft.com/office/drawing/2014/main" id="{CBB94012-18C8-98B3-3545-91C24CA8DB42}"/>
               </a:ext>
             </a:extLst>
           </p:cNvPr>
@@ -4903,50 +5458,45 @@
           <a:p>
             <a:r>
               <a:rPr lang="pt-BR" dirty="0"/>
-              <a:t>Sistema de Inteligência Geográfica – (01)</a:t>
-            </a:r>
-          </a:p>
-        </p:txBody>
-      </p:sp>
-      <p:pic>
-        <p:nvPicPr>
-          <p:cNvPr id="9" name="Espaço Reservado para Conteúdo 8" descr="Interface gráfica do usuário, Texto, Aplicativo&#10;&#10;Descrição gerada automaticamente">
-            <a:extLst>
-              <a:ext uri="{FF2B5EF4-FFF2-40B4-BE49-F238E27FC236}">
-                <a16:creationId xmlns:a16="http://schemas.microsoft.com/office/drawing/2014/main" id="{18BAC139-9000-5083-EE2C-25ECDADD7785}"/>
-              </a:ext>
-            </a:extLst>
-          </p:cNvPr>
-          <p:cNvPicPr>
-            <a:picLocks noGrp="1" noChangeAspect="1"/>
-          </p:cNvPicPr>
+              <a:t>Motivação - </a:t>
+            </a:r>
+            <a:r>
+              <a:rPr lang="pt-BR" dirty="0" err="1"/>
+              <a:t>Clusterização</a:t>
+            </a:r>
+            <a:endParaRPr lang="pt-BR" dirty="0"/>
+          </a:p>
+        </p:txBody>
+      </p:sp>
+      <p:sp>
+        <p:nvSpPr>
+          <p:cNvPr id="3" name="Espaço Reservado para Conteúdo 2">
+            <a:extLst>
+              <a:ext uri="{FF2B5EF4-FFF2-40B4-BE49-F238E27FC236}">
+                <a16:creationId xmlns:a16="http://schemas.microsoft.com/office/drawing/2014/main" id="{AA4B916C-AB0A-33A8-2574-7F3F1D8EFBC9}"/>
+              </a:ext>
+            </a:extLst>
+          </p:cNvPr>
+          <p:cNvSpPr>
+            <a:spLocks noGrp="1"/>
+          </p:cNvSpPr>
           <p:nvPr>
             <p:ph idx="1"/>
           </p:nvPr>
-        </p:nvPicPr>
-        <p:blipFill>
-          <a:blip r:embed="rId2">
-            <a:extLst>
-              <a:ext uri="{28A0092B-C50C-407E-A947-70E740481C1C}">
-                <a14:useLocalDpi xmlns:a14="http://schemas.microsoft.com/office/drawing/2010/main" val="0"/>
-              </a:ext>
-            </a:extLst>
-          </a:blip>
-          <a:stretch>
-            <a:fillRect/>
-          </a:stretch>
-        </p:blipFill>
-        <p:spPr>
-          <a:xfrm>
-            <a:off x="3897549" y="3025285"/>
-            <a:ext cx="3560373" cy="1186791"/>
-          </a:xfrm>
-        </p:spPr>
-      </p:pic>
+        </p:nvSpPr>
+        <p:spPr/>
+        <p:txBody>
+          <a:bodyPr/>
+          <a:lstStyle/>
+          <a:p>
+            <a:endParaRPr lang="pt-BR"/>
+          </a:p>
+        </p:txBody>
+      </p:sp>
     </p:spTree>
     <p:extLst>
       <p:ext uri="{BB962C8B-B14F-4D97-AF65-F5344CB8AC3E}">
-        <p14:creationId xmlns:p14="http://schemas.microsoft.com/office/powerpoint/2010/main" val="2476695612"/>
+        <p14:creationId xmlns:p14="http://schemas.microsoft.com/office/powerpoint/2010/main" val="1990232060"/>
       </p:ext>
     </p:extLst>
   </p:cSld>

--- a/escrita/seminários/apresentacao.pptx
+++ b/escrita/seminários/apresentacao.pptx
@@ -5,27 +5,28 @@
     <p:sldMasterId id="2147483648" r:id="rId1"/>
   </p:sldMasterIdLst>
   <p:notesMasterIdLst>
-    <p:notesMasterId r:id="rId20"/>
+    <p:notesMasterId r:id="rId21"/>
   </p:notesMasterIdLst>
   <p:sldIdLst>
     <p:sldId id="256" r:id="rId2"/>
     <p:sldId id="257" r:id="rId3"/>
     <p:sldId id="269" r:id="rId4"/>
     <p:sldId id="270" r:id="rId5"/>
-    <p:sldId id="272" r:id="rId6"/>
-    <p:sldId id="258" r:id="rId7"/>
-    <p:sldId id="263" r:id="rId8"/>
-    <p:sldId id="264" r:id="rId9"/>
-    <p:sldId id="271" r:id="rId10"/>
-    <p:sldId id="259" r:id="rId11"/>
-    <p:sldId id="273" r:id="rId12"/>
-    <p:sldId id="260" r:id="rId13"/>
-    <p:sldId id="262" r:id="rId14"/>
-    <p:sldId id="265" r:id="rId15"/>
-    <p:sldId id="266" r:id="rId16"/>
-    <p:sldId id="267" r:id="rId17"/>
-    <p:sldId id="268" r:id="rId18"/>
-    <p:sldId id="261" r:id="rId19"/>
+    <p:sldId id="274" r:id="rId6"/>
+    <p:sldId id="272" r:id="rId7"/>
+    <p:sldId id="258" r:id="rId8"/>
+    <p:sldId id="263" r:id="rId9"/>
+    <p:sldId id="264" r:id="rId10"/>
+    <p:sldId id="271" r:id="rId11"/>
+    <p:sldId id="259" r:id="rId12"/>
+    <p:sldId id="273" r:id="rId13"/>
+    <p:sldId id="260" r:id="rId14"/>
+    <p:sldId id="262" r:id="rId15"/>
+    <p:sldId id="265" r:id="rId16"/>
+    <p:sldId id="266" r:id="rId17"/>
+    <p:sldId id="267" r:id="rId18"/>
+    <p:sldId id="268" r:id="rId19"/>
+    <p:sldId id="261" r:id="rId20"/>
   </p:sldIdLst>
   <p:sldSz cx="12192000" cy="6858000"/>
   <p:notesSz cx="6858000" cy="9144000"/>
@@ -214,7 +215,7 @@
           <a:p>
             <a:fld id="{74BFEDBD-27A8-4830-AE11-D99A93A7AAE6}" type="datetimeFigureOut">
               <a:rPr lang="pt-BR" smtClean="0"/>
-              <a:t>25/09/2022</a:t>
+              <a:t>01/10/2022</a:t>
             </a:fld>
             <a:endParaRPr lang="pt-BR"/>
           </a:p>
@@ -546,7 +547,7 @@
           <a:p>
             <a:fld id="{30AB8352-7C86-4ABF-BE1B-319BF4BB161A}" type="slidenum">
               <a:rPr lang="pt-BR" smtClean="0"/>
-              <a:t>17</a:t>
+              <a:t>18</a:t>
             </a:fld>
             <a:endParaRPr lang="pt-BR"/>
           </a:p>
@@ -712,7 +713,7 @@
           <a:p>
             <a:fld id="{17280BB2-1C76-4317-9ADA-D0C55D3850A5}" type="datetimeFigureOut">
               <a:rPr lang="pt-BR" smtClean="0"/>
-              <a:t>25/09/2022</a:t>
+              <a:t>01/10/2022</a:t>
             </a:fld>
             <a:endParaRPr lang="pt-BR"/>
           </a:p>
@@ -910,7 +911,7 @@
           <a:p>
             <a:fld id="{17280BB2-1C76-4317-9ADA-D0C55D3850A5}" type="datetimeFigureOut">
               <a:rPr lang="pt-BR" smtClean="0"/>
-              <a:t>25/09/2022</a:t>
+              <a:t>01/10/2022</a:t>
             </a:fld>
             <a:endParaRPr lang="pt-BR"/>
           </a:p>
@@ -1118,7 +1119,7 @@
           <a:p>
             <a:fld id="{17280BB2-1C76-4317-9ADA-D0C55D3850A5}" type="datetimeFigureOut">
               <a:rPr lang="pt-BR" smtClean="0"/>
-              <a:t>25/09/2022</a:t>
+              <a:t>01/10/2022</a:t>
             </a:fld>
             <a:endParaRPr lang="pt-BR"/>
           </a:p>
@@ -1316,7 +1317,7 @@
           <a:p>
             <a:fld id="{17280BB2-1C76-4317-9ADA-D0C55D3850A5}" type="datetimeFigureOut">
               <a:rPr lang="pt-BR" smtClean="0"/>
-              <a:t>25/09/2022</a:t>
+              <a:t>01/10/2022</a:t>
             </a:fld>
             <a:endParaRPr lang="pt-BR"/>
           </a:p>
@@ -1591,7 +1592,7 @@
           <a:p>
             <a:fld id="{17280BB2-1C76-4317-9ADA-D0C55D3850A5}" type="datetimeFigureOut">
               <a:rPr lang="pt-BR" smtClean="0"/>
-              <a:t>25/09/2022</a:t>
+              <a:t>01/10/2022</a:t>
             </a:fld>
             <a:endParaRPr lang="pt-BR"/>
           </a:p>
@@ -1856,7 +1857,7 @@
           <a:p>
             <a:fld id="{17280BB2-1C76-4317-9ADA-D0C55D3850A5}" type="datetimeFigureOut">
               <a:rPr lang="pt-BR" smtClean="0"/>
-              <a:t>25/09/2022</a:t>
+              <a:t>01/10/2022</a:t>
             </a:fld>
             <a:endParaRPr lang="pt-BR"/>
           </a:p>
@@ -2268,7 +2269,7 @@
           <a:p>
             <a:fld id="{17280BB2-1C76-4317-9ADA-D0C55D3850A5}" type="datetimeFigureOut">
               <a:rPr lang="pt-BR" smtClean="0"/>
-              <a:t>25/09/2022</a:t>
+              <a:t>01/10/2022</a:t>
             </a:fld>
             <a:endParaRPr lang="pt-BR"/>
           </a:p>
@@ -2409,7 +2410,7 @@
           <a:p>
             <a:fld id="{17280BB2-1C76-4317-9ADA-D0C55D3850A5}" type="datetimeFigureOut">
               <a:rPr lang="pt-BR" smtClean="0"/>
-              <a:t>25/09/2022</a:t>
+              <a:t>01/10/2022</a:t>
             </a:fld>
             <a:endParaRPr lang="pt-BR"/>
           </a:p>
@@ -2522,7 +2523,7 @@
           <a:p>
             <a:fld id="{17280BB2-1C76-4317-9ADA-D0C55D3850A5}" type="datetimeFigureOut">
               <a:rPr lang="pt-BR" smtClean="0"/>
-              <a:t>25/09/2022</a:t>
+              <a:t>01/10/2022</a:t>
             </a:fld>
             <a:endParaRPr lang="pt-BR"/>
           </a:p>
@@ -2833,7 +2834,7 @@
           <a:p>
             <a:fld id="{17280BB2-1C76-4317-9ADA-D0C55D3850A5}" type="datetimeFigureOut">
               <a:rPr lang="pt-BR" smtClean="0"/>
-              <a:t>25/09/2022</a:t>
+              <a:t>01/10/2022</a:t>
             </a:fld>
             <a:endParaRPr lang="pt-BR"/>
           </a:p>
@@ -3121,7 +3122,7 @@
           <a:p>
             <a:fld id="{17280BB2-1C76-4317-9ADA-D0C55D3850A5}" type="datetimeFigureOut">
               <a:rPr lang="pt-BR" smtClean="0"/>
-              <a:t>25/09/2022</a:t>
+              <a:t>01/10/2022</a:t>
             </a:fld>
             <a:endParaRPr lang="pt-BR"/>
           </a:p>
@@ -3362,7 +3363,7 @@
           <a:p>
             <a:fld id="{17280BB2-1C76-4317-9ADA-D0C55D3850A5}" type="datetimeFigureOut">
               <a:rPr lang="pt-BR" smtClean="0"/>
-              <a:t>25/09/2022</a:t>
+              <a:t>01/10/2022</a:t>
             </a:fld>
             <a:endParaRPr lang="pt-BR"/>
           </a:p>
@@ -3910,6 +3911,94 @@
           <p:cNvPr id="2" name="Título 1">
             <a:extLst>
               <a:ext uri="{FF2B5EF4-FFF2-40B4-BE49-F238E27FC236}">
+                <a16:creationId xmlns:a16="http://schemas.microsoft.com/office/drawing/2014/main" id="{CBB94012-18C8-98B3-3545-91C24CA8DB42}"/>
+              </a:ext>
+            </a:extLst>
+          </p:cNvPr>
+          <p:cNvSpPr>
+            <a:spLocks noGrp="1"/>
+          </p:cNvSpPr>
+          <p:nvPr>
+            <p:ph type="title"/>
+          </p:nvPr>
+        </p:nvSpPr>
+        <p:spPr/>
+        <p:txBody>
+          <a:bodyPr/>
+          <a:lstStyle/>
+          <a:p>
+            <a:r>
+              <a:rPr lang="pt-BR" dirty="0"/>
+              <a:t>Motivação - </a:t>
+            </a:r>
+            <a:r>
+              <a:rPr lang="pt-BR" dirty="0" err="1"/>
+              <a:t>Clusterização</a:t>
+            </a:r>
+            <a:endParaRPr lang="pt-BR" dirty="0"/>
+          </a:p>
+        </p:txBody>
+      </p:sp>
+      <p:sp>
+        <p:nvSpPr>
+          <p:cNvPr id="3" name="Espaço Reservado para Conteúdo 2">
+            <a:extLst>
+              <a:ext uri="{FF2B5EF4-FFF2-40B4-BE49-F238E27FC236}">
+                <a16:creationId xmlns:a16="http://schemas.microsoft.com/office/drawing/2014/main" id="{AA4B916C-AB0A-33A8-2574-7F3F1D8EFBC9}"/>
+              </a:ext>
+            </a:extLst>
+          </p:cNvPr>
+          <p:cNvSpPr>
+            <a:spLocks noGrp="1"/>
+          </p:cNvSpPr>
+          <p:nvPr>
+            <p:ph idx="1"/>
+          </p:nvPr>
+        </p:nvSpPr>
+        <p:spPr/>
+        <p:txBody>
+          <a:bodyPr/>
+          <a:lstStyle/>
+          <a:p>
+            <a:endParaRPr lang="pt-BR"/>
+          </a:p>
+        </p:txBody>
+      </p:sp>
+    </p:spTree>
+    <p:extLst>
+      <p:ext uri="{BB962C8B-B14F-4D97-AF65-F5344CB8AC3E}">
+        <p14:creationId xmlns:p14="http://schemas.microsoft.com/office/powerpoint/2010/main" val="1990232060"/>
+      </p:ext>
+    </p:extLst>
+  </p:cSld>
+  <p:clrMapOvr>
+    <a:masterClrMapping/>
+  </p:clrMapOvr>
+</p:sld>
+</file>
+
+<file path=ppt/slides/slide11.xml><?xml version="1.0" encoding="utf-8"?>
+<p:sld xmlns:a="http://schemas.openxmlformats.org/drawingml/2006/main" xmlns:r="http://schemas.openxmlformats.org/officeDocument/2006/relationships" xmlns:p="http://schemas.openxmlformats.org/presentationml/2006/main">
+  <p:cSld>
+    <p:spTree>
+      <p:nvGrpSpPr>
+        <p:cNvPr id="1" name=""/>
+        <p:cNvGrpSpPr/>
+        <p:nvPr/>
+      </p:nvGrpSpPr>
+      <p:grpSpPr>
+        <a:xfrm>
+          <a:off x="0" y="0"/>
+          <a:ext cx="0" cy="0"/>
+          <a:chOff x="0" y="0"/>
+          <a:chExt cx="0" cy="0"/>
+        </a:xfrm>
+      </p:grpSpPr>
+      <p:sp>
+        <p:nvSpPr>
+          <p:cNvPr id="2" name="Título 1">
+            <a:extLst>
+              <a:ext uri="{FF2B5EF4-FFF2-40B4-BE49-F238E27FC236}">
                 <a16:creationId xmlns:a16="http://schemas.microsoft.com/office/drawing/2014/main" id="{7F58ED8A-D7C2-D29B-4A56-392DC1D1761E}"/>
               </a:ext>
             </a:extLst>
@@ -3926,7 +4015,6 @@
           <a:bodyPr/>
           <a:lstStyle/>
           <a:p>
-            <a:pPr algn="ctr"/>
             <a:r>
               <a:rPr lang="pt-BR" dirty="0"/>
               <a:t>Metodologia Proposta</a:t>
@@ -4018,100 +4106,6 @@
 </p:sld>
 </file>
 
-<file path=ppt/slides/slide11.xml><?xml version="1.0" encoding="utf-8"?>
-<p:sld xmlns:a="http://schemas.openxmlformats.org/drawingml/2006/main" xmlns:r="http://schemas.openxmlformats.org/officeDocument/2006/relationships" xmlns:p="http://schemas.openxmlformats.org/presentationml/2006/main">
-  <p:cSld>
-    <p:spTree>
-      <p:nvGrpSpPr>
-        <p:cNvPr id="1" name=""/>
-        <p:cNvGrpSpPr/>
-        <p:nvPr/>
-      </p:nvGrpSpPr>
-      <p:grpSpPr>
-        <a:xfrm>
-          <a:off x="0" y="0"/>
-          <a:ext cx="0" cy="0"/>
-          <a:chOff x="0" y="0"/>
-          <a:chExt cx="0" cy="0"/>
-        </a:xfrm>
-      </p:grpSpPr>
-      <p:sp>
-        <p:nvSpPr>
-          <p:cNvPr id="2" name="Título 1">
-            <a:extLst>
-              <a:ext uri="{FF2B5EF4-FFF2-40B4-BE49-F238E27FC236}">
-                <a16:creationId xmlns:a16="http://schemas.microsoft.com/office/drawing/2014/main" id="{16C2824D-7DC4-2236-442F-F31688B556B0}"/>
-              </a:ext>
-            </a:extLst>
-          </p:cNvPr>
-          <p:cNvSpPr>
-            <a:spLocks noGrp="1"/>
-          </p:cNvSpPr>
-          <p:nvPr>
-            <p:ph type="title"/>
-          </p:nvPr>
-        </p:nvSpPr>
-        <p:spPr/>
-        <p:txBody>
-          <a:bodyPr/>
-          <a:lstStyle/>
-          <a:p>
-            <a:pPr algn="ctr"/>
-            <a:r>
-              <a:rPr lang="pt-BR" dirty="0"/>
-              <a:t>Metodologia Proposta</a:t>
-            </a:r>
-          </a:p>
-        </p:txBody>
-      </p:sp>
-      <p:pic>
-        <p:nvPicPr>
-          <p:cNvPr id="5" name="Espaço Reservado para Conteúdo 4">
-            <a:extLst>
-              <a:ext uri="{FF2B5EF4-FFF2-40B4-BE49-F238E27FC236}">
-                <a16:creationId xmlns:a16="http://schemas.microsoft.com/office/drawing/2014/main" id="{DD75C8AD-3D1F-3108-2995-257F37DFBAE5}"/>
-              </a:ext>
-            </a:extLst>
-          </p:cNvPr>
-          <p:cNvPicPr>
-            <a:picLocks noGrp="1" noChangeAspect="1"/>
-          </p:cNvPicPr>
-          <p:nvPr>
-            <p:ph idx="1"/>
-          </p:nvPr>
-        </p:nvPicPr>
-        <p:blipFill>
-          <a:blip r:embed="rId2">
-            <a:extLst>
-              <a:ext uri="{28A0092B-C50C-407E-A947-70E740481C1C}">
-                <a14:useLocalDpi xmlns:a14="http://schemas.microsoft.com/office/drawing/2010/main" val="0"/>
-              </a:ext>
-            </a:extLst>
-          </a:blip>
-          <a:stretch>
-            <a:fillRect/>
-          </a:stretch>
-        </p:blipFill>
-        <p:spPr>
-          <a:xfrm>
-            <a:off x="2392554" y="2333216"/>
-            <a:ext cx="7406891" cy="1984260"/>
-          </a:xfrm>
-        </p:spPr>
-      </p:pic>
-    </p:spTree>
-    <p:extLst>
-      <p:ext uri="{BB962C8B-B14F-4D97-AF65-F5344CB8AC3E}">
-        <p14:creationId xmlns:p14="http://schemas.microsoft.com/office/powerpoint/2010/main" val="2795541031"/>
-      </p:ext>
-    </p:extLst>
-  </p:cSld>
-  <p:clrMapOvr>
-    <a:masterClrMapping/>
-  </p:clrMapOvr>
-</p:sld>
-</file>
-
 <file path=ppt/slides/slide12.xml><?xml version="1.0" encoding="utf-8"?>
 <p:sld xmlns:a="http://schemas.openxmlformats.org/drawingml/2006/main" xmlns:r="http://schemas.openxmlformats.org/officeDocument/2006/relationships" xmlns:p="http://schemas.openxmlformats.org/presentationml/2006/main">
   <p:cSld>
@@ -4134,7 +4128,7 @@
           <p:cNvPr id="2" name="Título 1">
             <a:extLst>
               <a:ext uri="{FF2B5EF4-FFF2-40B4-BE49-F238E27FC236}">
-                <a16:creationId xmlns:a16="http://schemas.microsoft.com/office/drawing/2014/main" id="{AE2E7945-564F-93ED-84B7-1F70B76C053D}"/>
+                <a16:creationId xmlns:a16="http://schemas.microsoft.com/office/drawing/2014/main" id="{16C2824D-7DC4-2236-442F-F31688B556B0}"/>
               </a:ext>
             </a:extLst>
           </p:cNvPr>
@@ -4145,29 +4139,24 @@
             <p:ph type="title"/>
           </p:nvPr>
         </p:nvSpPr>
-        <p:spPr>
-          <a:xfrm>
-            <a:off x="838199" y="365125"/>
-            <a:ext cx="10898171" cy="1325563"/>
-          </a:xfrm>
-        </p:spPr>
+        <p:spPr/>
         <p:txBody>
           <a:bodyPr/>
           <a:lstStyle/>
           <a:p>
             <a:r>
               <a:rPr lang="pt-BR" dirty="0"/>
-              <a:t>Sistema de Inteligência Geográfica - Arquitetura</a:t>
+              <a:t>Metodologia Proposta</a:t>
             </a:r>
           </a:p>
         </p:txBody>
       </p:sp>
       <p:pic>
         <p:nvPicPr>
-          <p:cNvPr id="9" name="Espaço Reservado para Conteúdo 8" descr="Diagrama&#10;&#10;Descrição gerada automaticamente">
-            <a:extLst>
-              <a:ext uri="{FF2B5EF4-FFF2-40B4-BE49-F238E27FC236}">
-                <a16:creationId xmlns:a16="http://schemas.microsoft.com/office/drawing/2014/main" id="{11DD5900-2CCF-4105-0D65-91F1F51FCEF6}"/>
+          <p:cNvPr id="5" name="Espaço Reservado para Conteúdo 4">
+            <a:extLst>
+              <a:ext uri="{FF2B5EF4-FFF2-40B4-BE49-F238E27FC236}">
+                <a16:creationId xmlns:a16="http://schemas.microsoft.com/office/drawing/2014/main" id="{DD75C8AD-3D1F-3108-2995-257F37DFBAE5}"/>
               </a:ext>
             </a:extLst>
           </p:cNvPr>
@@ -4192,15 +4181,15 @@
         </p:blipFill>
         <p:spPr>
           <a:xfrm>
-            <a:off x="3886838" y="1520962"/>
-            <a:ext cx="4125945" cy="5063661"/>
+            <a:off x="2392554" y="2333216"/>
+            <a:ext cx="7406891" cy="1984260"/>
           </a:xfrm>
         </p:spPr>
       </p:pic>
     </p:spTree>
     <p:extLst>
       <p:ext uri="{BB962C8B-B14F-4D97-AF65-F5344CB8AC3E}">
-        <p14:creationId xmlns:p14="http://schemas.microsoft.com/office/powerpoint/2010/main" val="1675197009"/>
+        <p14:creationId xmlns:p14="http://schemas.microsoft.com/office/powerpoint/2010/main" val="2795541031"/>
       </p:ext>
     </p:extLst>
   </p:cSld>
@@ -4232,7 +4221,7 @@
           <p:cNvPr id="2" name="Título 1">
             <a:extLst>
               <a:ext uri="{FF2B5EF4-FFF2-40B4-BE49-F238E27FC236}">
-                <a16:creationId xmlns:a16="http://schemas.microsoft.com/office/drawing/2014/main" id="{8A36BC27-04A3-6994-E64D-B4B693CBB769}"/>
+                <a16:creationId xmlns:a16="http://schemas.microsoft.com/office/drawing/2014/main" id="{AE2E7945-564F-93ED-84B7-1F70B76C053D}"/>
               </a:ext>
             </a:extLst>
           </p:cNvPr>
@@ -4245,28 +4234,27 @@
         </p:nvSpPr>
         <p:spPr>
           <a:xfrm>
-            <a:off x="339365" y="365125"/>
-            <a:ext cx="11604396" cy="1325563"/>
+            <a:off x="838199" y="365125"/>
+            <a:ext cx="10898171" cy="1325563"/>
           </a:xfrm>
         </p:spPr>
         <p:txBody>
           <a:bodyPr/>
           <a:lstStyle/>
           <a:p>
-            <a:pPr algn="ctr"/>
             <a:r>
               <a:rPr lang="pt-BR" dirty="0"/>
-              <a:t>Sistema de Inteligência Geográfica – Fluxo de telas</a:t>
+              <a:t>Sistema de Inteligência Geográfica - Arquitetura</a:t>
             </a:r>
           </a:p>
         </p:txBody>
       </p:sp>
       <p:pic>
         <p:nvPicPr>
-          <p:cNvPr id="9" name="Espaço Reservado para Conteúdo 8" descr="Interface gráfica do usuário, Texto&#10;&#10;Descrição gerada automaticamente">
-            <a:extLst>
-              <a:ext uri="{FF2B5EF4-FFF2-40B4-BE49-F238E27FC236}">
-                <a16:creationId xmlns:a16="http://schemas.microsoft.com/office/drawing/2014/main" id="{A2B541C4-7EF9-67D5-E9B6-85C37ADAE79C}"/>
+          <p:cNvPr id="9" name="Espaço Reservado para Conteúdo 8" descr="Diagrama&#10;&#10;Descrição gerada automaticamente">
+            <a:extLst>
+              <a:ext uri="{FF2B5EF4-FFF2-40B4-BE49-F238E27FC236}">
+                <a16:creationId xmlns:a16="http://schemas.microsoft.com/office/drawing/2014/main" id="{11DD5900-2CCF-4105-0D65-91F1F51FCEF6}"/>
               </a:ext>
             </a:extLst>
           </p:cNvPr>
@@ -4291,15 +4279,15 @@
         </p:blipFill>
         <p:spPr>
           <a:xfrm>
-            <a:off x="1810765" y="2453295"/>
-            <a:ext cx="8062810" cy="2362851"/>
+            <a:off x="3886838" y="1520962"/>
+            <a:ext cx="4125945" cy="5063661"/>
           </a:xfrm>
         </p:spPr>
       </p:pic>
     </p:spTree>
     <p:extLst>
       <p:ext uri="{BB962C8B-B14F-4D97-AF65-F5344CB8AC3E}">
-        <p14:creationId xmlns:p14="http://schemas.microsoft.com/office/powerpoint/2010/main" val="2723099934"/>
+        <p14:creationId xmlns:p14="http://schemas.microsoft.com/office/powerpoint/2010/main" val="1675197009"/>
       </p:ext>
     </p:extLst>
   </p:cSld>
@@ -4331,7 +4319,7 @@
           <p:cNvPr id="2" name="Título 1">
             <a:extLst>
               <a:ext uri="{FF2B5EF4-FFF2-40B4-BE49-F238E27FC236}">
-                <a16:creationId xmlns:a16="http://schemas.microsoft.com/office/drawing/2014/main" id="{060AA2A0-904C-9BFD-A26A-913F327794AB}"/>
+                <a16:creationId xmlns:a16="http://schemas.microsoft.com/office/drawing/2014/main" id="{8A36BC27-04A3-6994-E64D-B4B693CBB769}"/>
               </a:ext>
             </a:extLst>
           </p:cNvPr>
@@ -4342,24 +4330,30 @@
             <p:ph type="title"/>
           </p:nvPr>
         </p:nvSpPr>
-        <p:spPr/>
-        <p:txBody>
-          <a:bodyPr/>
-          <a:lstStyle/>
-          <a:p>
+        <p:spPr>
+          <a:xfrm>
+            <a:off x="339365" y="365125"/>
+            <a:ext cx="11604396" cy="1325563"/>
+          </a:xfrm>
+        </p:spPr>
+        <p:txBody>
+          <a:bodyPr/>
+          <a:lstStyle/>
+          <a:p>
+            <a:pPr algn="ctr"/>
             <a:r>
               <a:rPr lang="pt-BR" dirty="0"/>
-              <a:t>Sistema de Inteligência Geográfica – (01)</a:t>
+              <a:t>Sistema de Inteligência Geográfica – Fluxo de telas</a:t>
             </a:r>
           </a:p>
         </p:txBody>
       </p:sp>
       <p:pic>
         <p:nvPicPr>
-          <p:cNvPr id="9" name="Espaço Reservado para Conteúdo 8" descr="Interface gráfica do usuário, Texto, Aplicativo&#10;&#10;Descrição gerada automaticamente">
-            <a:extLst>
-              <a:ext uri="{FF2B5EF4-FFF2-40B4-BE49-F238E27FC236}">
-                <a16:creationId xmlns:a16="http://schemas.microsoft.com/office/drawing/2014/main" id="{18BAC139-9000-5083-EE2C-25ECDADD7785}"/>
+          <p:cNvPr id="9" name="Espaço Reservado para Conteúdo 8" descr="Interface gráfica do usuário, Texto&#10;&#10;Descrição gerada automaticamente">
+            <a:extLst>
+              <a:ext uri="{FF2B5EF4-FFF2-40B4-BE49-F238E27FC236}">
+                <a16:creationId xmlns:a16="http://schemas.microsoft.com/office/drawing/2014/main" id="{A2B541C4-7EF9-67D5-E9B6-85C37ADAE79C}"/>
               </a:ext>
             </a:extLst>
           </p:cNvPr>
@@ -4384,15 +4378,15 @@
         </p:blipFill>
         <p:spPr>
           <a:xfrm>
-            <a:off x="3897549" y="3025285"/>
-            <a:ext cx="3560373" cy="1186791"/>
+            <a:off x="1810765" y="2453295"/>
+            <a:ext cx="8062810" cy="2362851"/>
           </a:xfrm>
         </p:spPr>
       </p:pic>
     </p:spTree>
     <p:extLst>
       <p:ext uri="{BB962C8B-B14F-4D97-AF65-F5344CB8AC3E}">
-        <p14:creationId xmlns:p14="http://schemas.microsoft.com/office/powerpoint/2010/main" val="2476695612"/>
+        <p14:creationId xmlns:p14="http://schemas.microsoft.com/office/powerpoint/2010/main" val="2723099934"/>
       </p:ext>
     </p:extLst>
   </p:cSld>
@@ -4424,7 +4418,7 @@
           <p:cNvPr id="2" name="Título 1">
             <a:extLst>
               <a:ext uri="{FF2B5EF4-FFF2-40B4-BE49-F238E27FC236}">
-                <a16:creationId xmlns:a16="http://schemas.microsoft.com/office/drawing/2014/main" id="{06C4B0A1-5FAB-7F2F-B3C5-61AE185F36E1}"/>
+                <a16:creationId xmlns:a16="http://schemas.microsoft.com/office/drawing/2014/main" id="{060AA2A0-904C-9BFD-A26A-913F327794AB}"/>
               </a:ext>
             </a:extLst>
           </p:cNvPr>
@@ -4435,29 +4429,24 @@
             <p:ph type="title"/>
           </p:nvPr>
         </p:nvSpPr>
-        <p:spPr>
-          <a:xfrm>
-            <a:off x="838200" y="374551"/>
-            <a:ext cx="10515600" cy="1325563"/>
-          </a:xfrm>
-        </p:spPr>
+        <p:spPr/>
         <p:txBody>
           <a:bodyPr/>
           <a:lstStyle/>
           <a:p>
             <a:r>
               <a:rPr lang="pt-BR" dirty="0"/>
-              <a:t>Sistema de Inteligência Geográfica – (02)</a:t>
+              <a:t>Sistema de Inteligência Geográfica – (01)</a:t>
             </a:r>
           </a:p>
         </p:txBody>
       </p:sp>
       <p:pic>
         <p:nvPicPr>
-          <p:cNvPr id="9" name="Espaço Reservado para Conteúdo 8" descr="Tabela&#10;&#10;Descrição gerada automaticamente">
-            <a:extLst>
-              <a:ext uri="{FF2B5EF4-FFF2-40B4-BE49-F238E27FC236}">
-                <a16:creationId xmlns:a16="http://schemas.microsoft.com/office/drawing/2014/main" id="{C8E23D6A-C989-5F60-7F9F-EBD54829124E}"/>
+          <p:cNvPr id="9" name="Espaço Reservado para Conteúdo 8" descr="Interface gráfica do usuário, Texto, Aplicativo&#10;&#10;Descrição gerada automaticamente">
+            <a:extLst>
+              <a:ext uri="{FF2B5EF4-FFF2-40B4-BE49-F238E27FC236}">
+                <a16:creationId xmlns:a16="http://schemas.microsoft.com/office/drawing/2014/main" id="{18BAC139-9000-5083-EE2C-25ECDADD7785}"/>
               </a:ext>
             </a:extLst>
           </p:cNvPr>
@@ -4482,15 +4471,15 @@
         </p:blipFill>
         <p:spPr>
           <a:xfrm>
-            <a:off x="3616905" y="1889473"/>
-            <a:ext cx="4691187" cy="4316773"/>
+            <a:off x="3897549" y="3025285"/>
+            <a:ext cx="3560373" cy="1186791"/>
           </a:xfrm>
         </p:spPr>
       </p:pic>
     </p:spTree>
     <p:extLst>
       <p:ext uri="{BB962C8B-B14F-4D97-AF65-F5344CB8AC3E}">
-        <p14:creationId xmlns:p14="http://schemas.microsoft.com/office/powerpoint/2010/main" val="1896820759"/>
+        <p14:creationId xmlns:p14="http://schemas.microsoft.com/office/powerpoint/2010/main" val="2476695612"/>
       </p:ext>
     </p:extLst>
   </p:cSld>
@@ -4517,12 +4506,45 @@
           <a:chExt cx="0" cy="0"/>
         </a:xfrm>
       </p:grpSpPr>
+      <p:sp>
+        <p:nvSpPr>
+          <p:cNvPr id="2" name="Título 1">
+            <a:extLst>
+              <a:ext uri="{FF2B5EF4-FFF2-40B4-BE49-F238E27FC236}">
+                <a16:creationId xmlns:a16="http://schemas.microsoft.com/office/drawing/2014/main" id="{06C4B0A1-5FAB-7F2F-B3C5-61AE185F36E1}"/>
+              </a:ext>
+            </a:extLst>
+          </p:cNvPr>
+          <p:cNvSpPr>
+            <a:spLocks noGrp="1"/>
+          </p:cNvSpPr>
+          <p:nvPr>
+            <p:ph type="title"/>
+          </p:nvPr>
+        </p:nvSpPr>
+        <p:spPr>
+          <a:xfrm>
+            <a:off x="838200" y="374551"/>
+            <a:ext cx="10515600" cy="1325563"/>
+          </a:xfrm>
+        </p:spPr>
+        <p:txBody>
+          <a:bodyPr/>
+          <a:lstStyle/>
+          <a:p>
+            <a:r>
+              <a:rPr lang="pt-BR" dirty="0"/>
+              <a:t>Sistema de Inteligência Geográfica – (02)</a:t>
+            </a:r>
+          </a:p>
+        </p:txBody>
+      </p:sp>
       <p:pic>
         <p:nvPicPr>
-          <p:cNvPr id="9" name="Espaço Reservado para Conteúdo 8" descr="Mapa&#10;&#10;Descrição gerada automaticamente">
-            <a:extLst>
-              <a:ext uri="{FF2B5EF4-FFF2-40B4-BE49-F238E27FC236}">
-                <a16:creationId xmlns:a16="http://schemas.microsoft.com/office/drawing/2014/main" id="{9199D1D4-655E-A828-373C-14F6A7389370}"/>
+          <p:cNvPr id="9" name="Espaço Reservado para Conteúdo 8" descr="Tabela&#10;&#10;Descrição gerada automaticamente">
+            <a:extLst>
+              <a:ext uri="{FF2B5EF4-FFF2-40B4-BE49-F238E27FC236}">
+                <a16:creationId xmlns:a16="http://schemas.microsoft.com/office/drawing/2014/main" id="{C8E23D6A-C989-5F60-7F9F-EBD54829124E}"/>
               </a:ext>
             </a:extLst>
           </p:cNvPr>
@@ -4547,15 +4569,15 @@
         </p:blipFill>
         <p:spPr>
           <a:xfrm>
-            <a:off x="2735040" y="0"/>
-            <a:ext cx="6559789" cy="6763813"/>
+            <a:off x="3616905" y="1889473"/>
+            <a:ext cx="4691187" cy="4316773"/>
           </a:xfrm>
         </p:spPr>
       </p:pic>
     </p:spTree>
     <p:extLst>
       <p:ext uri="{BB962C8B-B14F-4D97-AF65-F5344CB8AC3E}">
-        <p14:creationId xmlns:p14="http://schemas.microsoft.com/office/powerpoint/2010/main" val="767958946"/>
+        <p14:creationId xmlns:p14="http://schemas.microsoft.com/office/powerpoint/2010/main" val="1896820759"/>
       </p:ext>
     </p:extLst>
   </p:cSld>
@@ -4584,6 +4606,71 @@
       </p:grpSpPr>
       <p:pic>
         <p:nvPicPr>
+          <p:cNvPr id="9" name="Espaço Reservado para Conteúdo 8" descr="Mapa&#10;&#10;Descrição gerada automaticamente">
+            <a:extLst>
+              <a:ext uri="{FF2B5EF4-FFF2-40B4-BE49-F238E27FC236}">
+                <a16:creationId xmlns:a16="http://schemas.microsoft.com/office/drawing/2014/main" id="{9199D1D4-655E-A828-373C-14F6A7389370}"/>
+              </a:ext>
+            </a:extLst>
+          </p:cNvPr>
+          <p:cNvPicPr>
+            <a:picLocks noGrp="1" noChangeAspect="1"/>
+          </p:cNvPicPr>
+          <p:nvPr>
+            <p:ph idx="1"/>
+          </p:nvPr>
+        </p:nvPicPr>
+        <p:blipFill>
+          <a:blip r:embed="rId2">
+            <a:extLst>
+              <a:ext uri="{28A0092B-C50C-407E-A947-70E740481C1C}">
+                <a14:useLocalDpi xmlns:a14="http://schemas.microsoft.com/office/drawing/2010/main" val="0"/>
+              </a:ext>
+            </a:extLst>
+          </a:blip>
+          <a:stretch>
+            <a:fillRect/>
+          </a:stretch>
+        </p:blipFill>
+        <p:spPr>
+          <a:xfrm>
+            <a:off x="2735040" y="0"/>
+            <a:ext cx="6559789" cy="6763813"/>
+          </a:xfrm>
+        </p:spPr>
+      </p:pic>
+    </p:spTree>
+    <p:extLst>
+      <p:ext uri="{BB962C8B-B14F-4D97-AF65-F5344CB8AC3E}">
+        <p14:creationId xmlns:p14="http://schemas.microsoft.com/office/powerpoint/2010/main" val="767958946"/>
+      </p:ext>
+    </p:extLst>
+  </p:cSld>
+  <p:clrMapOvr>
+    <a:masterClrMapping/>
+  </p:clrMapOvr>
+</p:sld>
+</file>
+
+<file path=ppt/slides/slide18.xml><?xml version="1.0" encoding="utf-8"?>
+<p:sld xmlns:a="http://schemas.openxmlformats.org/drawingml/2006/main" xmlns:r="http://schemas.openxmlformats.org/officeDocument/2006/relationships" xmlns:p="http://schemas.openxmlformats.org/presentationml/2006/main">
+  <p:cSld>
+    <p:spTree>
+      <p:nvGrpSpPr>
+        <p:cNvPr id="1" name=""/>
+        <p:cNvGrpSpPr/>
+        <p:nvPr/>
+      </p:nvGrpSpPr>
+      <p:grpSpPr>
+        <a:xfrm>
+          <a:off x="0" y="0"/>
+          <a:ext cx="0" cy="0"/>
+          <a:chOff x="0" y="0"/>
+          <a:chExt cx="0" cy="0"/>
+        </a:xfrm>
+      </p:grpSpPr>
+      <p:pic>
+        <p:nvPicPr>
           <p:cNvPr id="5" name="Espaço Reservado para Conteúdo 4" descr="Mapa&#10;&#10;Descrição gerada automaticamente">
             <a:extLst>
               <a:ext uri="{FF2B5EF4-FFF2-40B4-BE49-F238E27FC236}">
@@ -4630,7 +4717,7 @@
 </p:sld>
 </file>
 
-<file path=ppt/slides/slide18.xml><?xml version="1.0" encoding="utf-8"?>
+<file path=ppt/slides/slide19.xml><?xml version="1.0" encoding="utf-8"?>
 <p:sld xmlns:a="http://schemas.openxmlformats.org/drawingml/2006/main" xmlns:r="http://schemas.openxmlformats.org/officeDocument/2006/relationships" xmlns:p="http://schemas.openxmlformats.org/presentationml/2006/main">
   <p:cSld>
     <p:spTree>
@@ -4790,6 +4877,12 @@
             <a:r>
               <a:rPr lang="pt-BR" dirty="0"/>
               <a:t>Metodologia Proposta</a:t>
+            </a:r>
+          </a:p>
+          <a:p>
+            <a:r>
+              <a:rPr lang="pt-BR" dirty="0"/>
+              <a:t>Estudo de Caso</a:t>
             </a:r>
           </a:p>
           <a:p>
@@ -5069,7 +5162,7 @@
           <p:cNvPr id="2" name="Título 1">
             <a:extLst>
               <a:ext uri="{FF2B5EF4-FFF2-40B4-BE49-F238E27FC236}">
-                <a16:creationId xmlns:a16="http://schemas.microsoft.com/office/drawing/2014/main" id="{AE726161-A3C7-FF67-1BEF-B8175199E461}"/>
+                <a16:creationId xmlns:a16="http://schemas.microsoft.com/office/drawing/2014/main" id="{93D5DE22-2B92-AE87-DE3C-8DBB268A25F6}"/>
               </a:ext>
             </a:extLst>
           </p:cNvPr>
@@ -5097,7 +5190,7 @@
           <p:cNvPr id="3" name="Espaço Reservado para Conteúdo 2">
             <a:extLst>
               <a:ext uri="{FF2B5EF4-FFF2-40B4-BE49-F238E27FC236}">
-                <a16:creationId xmlns:a16="http://schemas.microsoft.com/office/drawing/2014/main" id="{BD8C18AE-994F-5688-3699-D78202E5A6F1}"/>
+                <a16:creationId xmlns:a16="http://schemas.microsoft.com/office/drawing/2014/main" id="{E45D7516-9907-585A-250C-AC8CF6E8447D}"/>
               </a:ext>
             </a:extLst>
           </p:cNvPr>
@@ -5113,20 +5206,104 @@
           <a:bodyPr/>
           <a:lstStyle/>
           <a:p>
-            <a:pPr marL="0" indent="0" algn="ctr">
-              <a:buNone/>
-            </a:pPr>
             <a:r>
               <a:rPr lang="pt-BR" dirty="0"/>
-              <a:t>Como a computação poderia ajudar nesse problema e em problemas semelhantes ?</a:t>
-            </a:r>
-          </a:p>
-        </p:txBody>
-      </p:sp>
+              <a:t>Brumadinho (MG) – 272 vítimas – 18 cidades afetadas</a:t>
+            </a:r>
+          </a:p>
+          <a:p>
+            <a:r>
+              <a:rPr lang="pt-BR" dirty="0"/>
+              <a:t>Mariana (MG) – 19 vítimas – 41 cidades afetadas</a:t>
+            </a:r>
+          </a:p>
+          <a:p>
+            <a:r>
+              <a:rPr lang="pt-BR" dirty="0"/>
+              <a:t>Grandes perdas ambientais (matas, rios...)</a:t>
+            </a:r>
+          </a:p>
+          <a:p>
+            <a:endParaRPr lang="pt-BR" dirty="0"/>
+          </a:p>
+        </p:txBody>
+      </p:sp>
+      <p:pic>
+        <p:nvPicPr>
+          <p:cNvPr id="5" name="Imagem 4" descr="Mapa&#10;&#10;Descrição gerada automaticamente">
+            <a:extLst>
+              <a:ext uri="{FF2B5EF4-FFF2-40B4-BE49-F238E27FC236}">
+                <a16:creationId xmlns:a16="http://schemas.microsoft.com/office/drawing/2014/main" id="{DD45AF84-57F6-F88F-84E9-59331E78B81E}"/>
+              </a:ext>
+            </a:extLst>
+          </p:cNvPr>
+          <p:cNvPicPr>
+            <a:picLocks noChangeAspect="1"/>
+          </p:cNvPicPr>
+          <p:nvPr/>
+        </p:nvPicPr>
+        <p:blipFill>
+          <a:blip r:embed="rId2">
+            <a:extLst>
+              <a:ext uri="{28A0092B-C50C-407E-A947-70E740481C1C}">
+                <a14:useLocalDpi xmlns:a14="http://schemas.microsoft.com/office/drawing/2010/main" val="0"/>
+              </a:ext>
+            </a:extLst>
+          </a:blip>
+          <a:stretch>
+            <a:fillRect/>
+          </a:stretch>
+        </p:blipFill>
+        <p:spPr>
+          <a:xfrm>
+            <a:off x="1238268" y="3337088"/>
+            <a:ext cx="3197261" cy="3520911"/>
+          </a:xfrm>
+          <a:prstGeom prst="rect">
+            <a:avLst/>
+          </a:prstGeom>
+        </p:spPr>
+      </p:pic>
+      <p:pic>
+        <p:nvPicPr>
+          <p:cNvPr id="7" name="Imagem 6" descr="Mapa&#10;&#10;Descrição gerada automaticamente">
+            <a:extLst>
+              <a:ext uri="{FF2B5EF4-FFF2-40B4-BE49-F238E27FC236}">
+                <a16:creationId xmlns:a16="http://schemas.microsoft.com/office/drawing/2014/main" id="{535A4989-857D-5C9B-0087-2150A816C0EF}"/>
+              </a:ext>
+            </a:extLst>
+          </p:cNvPr>
+          <p:cNvPicPr>
+            <a:picLocks noChangeAspect="1"/>
+          </p:cNvPicPr>
+          <p:nvPr/>
+        </p:nvPicPr>
+        <p:blipFill>
+          <a:blip r:embed="rId3">
+            <a:extLst>
+              <a:ext uri="{28A0092B-C50C-407E-A947-70E740481C1C}">
+                <a14:useLocalDpi xmlns:a14="http://schemas.microsoft.com/office/drawing/2010/main" val="0"/>
+              </a:ext>
+            </a:extLst>
+          </a:blip>
+          <a:stretch>
+            <a:fillRect/>
+          </a:stretch>
+        </p:blipFill>
+        <p:spPr>
+          <a:xfrm>
+            <a:off x="4981939" y="3429000"/>
+            <a:ext cx="5026306" cy="3152958"/>
+          </a:xfrm>
+          <a:prstGeom prst="rect">
+            <a:avLst/>
+          </a:prstGeom>
+        </p:spPr>
+      </p:pic>
     </p:spTree>
     <p:extLst>
       <p:ext uri="{BB962C8B-B14F-4D97-AF65-F5344CB8AC3E}">
-        <p14:creationId xmlns:p14="http://schemas.microsoft.com/office/powerpoint/2010/main" val="856662280"/>
+        <p14:creationId xmlns:p14="http://schemas.microsoft.com/office/powerpoint/2010/main" val="2382906724"/>
       </p:ext>
     </p:extLst>
   </p:cSld>
@@ -5158,7 +5335,7 @@
           <p:cNvPr id="2" name="Título 1">
             <a:extLst>
               <a:ext uri="{FF2B5EF4-FFF2-40B4-BE49-F238E27FC236}">
-                <a16:creationId xmlns:a16="http://schemas.microsoft.com/office/drawing/2014/main" id="{0ED1622E-A43C-52EF-C248-648F43D05A9E}"/>
+                <a16:creationId xmlns:a16="http://schemas.microsoft.com/office/drawing/2014/main" id="{AE726161-A3C7-FF67-1BEF-B8175199E461}"/>
               </a:ext>
             </a:extLst>
           </p:cNvPr>
@@ -5174,53 +5351,48 @@
           <a:bodyPr/>
           <a:lstStyle/>
           <a:p>
-            <a:pPr algn="ctr"/>
             <a:r>
               <a:rPr lang="pt-BR" dirty="0"/>
-              <a:t>Motivação – Processo de Descoberta de Conhecimento em Bases de Dados</a:t>
-            </a:r>
-          </a:p>
-        </p:txBody>
-      </p:sp>
-      <p:pic>
-        <p:nvPicPr>
-          <p:cNvPr id="9" name="Espaço Reservado para Conteúdo 8" descr="Diagrama&#10;&#10;Descrição gerada automaticamente">
-            <a:extLst>
-              <a:ext uri="{FF2B5EF4-FFF2-40B4-BE49-F238E27FC236}">
-                <a16:creationId xmlns:a16="http://schemas.microsoft.com/office/drawing/2014/main" id="{A8274144-0386-85B7-17DC-A8616F0BA825}"/>
-              </a:ext>
-            </a:extLst>
-          </p:cNvPr>
-          <p:cNvPicPr>
-            <a:picLocks noGrp="1" noChangeAspect="1"/>
-          </p:cNvPicPr>
+              <a:t>Motivação</a:t>
+            </a:r>
+          </a:p>
+        </p:txBody>
+      </p:sp>
+      <p:sp>
+        <p:nvSpPr>
+          <p:cNvPr id="3" name="Espaço Reservado para Conteúdo 2">
+            <a:extLst>
+              <a:ext uri="{FF2B5EF4-FFF2-40B4-BE49-F238E27FC236}">
+                <a16:creationId xmlns:a16="http://schemas.microsoft.com/office/drawing/2014/main" id="{BD8C18AE-994F-5688-3699-D78202E5A6F1}"/>
+              </a:ext>
+            </a:extLst>
+          </p:cNvPr>
+          <p:cNvSpPr>
+            <a:spLocks noGrp="1"/>
+          </p:cNvSpPr>
           <p:nvPr>
             <p:ph idx="1"/>
           </p:nvPr>
-        </p:nvPicPr>
-        <p:blipFill>
-          <a:blip r:embed="rId2">
-            <a:extLst>
-              <a:ext uri="{28A0092B-C50C-407E-A947-70E740481C1C}">
-                <a14:useLocalDpi xmlns:a14="http://schemas.microsoft.com/office/drawing/2010/main" val="0"/>
-              </a:ext>
-            </a:extLst>
-          </a:blip>
-          <a:stretch>
-            <a:fillRect/>
-          </a:stretch>
-        </p:blipFill>
-        <p:spPr>
-          <a:xfrm>
-            <a:off x="2000615" y="1947402"/>
-            <a:ext cx="8767904" cy="4108480"/>
-          </a:xfrm>
-        </p:spPr>
-      </p:pic>
+        </p:nvSpPr>
+        <p:spPr/>
+        <p:txBody>
+          <a:bodyPr/>
+          <a:lstStyle/>
+          <a:p>
+            <a:pPr marL="0" indent="0" algn="ctr">
+              <a:buNone/>
+            </a:pPr>
+            <a:r>
+              <a:rPr lang="pt-BR" dirty="0"/>
+              <a:t>Como a computação poderia ajudar nesse problema e em problemas semelhantes ?</a:t>
+            </a:r>
+          </a:p>
+        </p:txBody>
+      </p:sp>
     </p:spTree>
     <p:extLst>
       <p:ext uri="{BB962C8B-B14F-4D97-AF65-F5344CB8AC3E}">
-        <p14:creationId xmlns:p14="http://schemas.microsoft.com/office/powerpoint/2010/main" val="146841560"/>
+        <p14:creationId xmlns:p14="http://schemas.microsoft.com/office/powerpoint/2010/main" val="856662280"/>
       </p:ext>
     </p:extLst>
   </p:cSld>
@@ -5252,7 +5424,7 @@
           <p:cNvPr id="2" name="Título 1">
             <a:extLst>
               <a:ext uri="{FF2B5EF4-FFF2-40B4-BE49-F238E27FC236}">
-                <a16:creationId xmlns:a16="http://schemas.microsoft.com/office/drawing/2014/main" id="{3FFB1A38-36CA-431E-B599-97B0C3AB4D9F}"/>
+                <a16:creationId xmlns:a16="http://schemas.microsoft.com/office/drawing/2014/main" id="{0ED1622E-A43C-52EF-C248-648F43D05A9E}"/>
               </a:ext>
             </a:extLst>
           </p:cNvPr>
@@ -5271,17 +5443,17 @@
             <a:pPr algn="ctr"/>
             <a:r>
               <a:rPr lang="pt-BR" dirty="0"/>
-              <a:t>Motivação – Mineração de Dados</a:t>
+              <a:t>Motivação – Processo de Descoberta de Conhecimento em Bases de Dados</a:t>
             </a:r>
           </a:p>
         </p:txBody>
       </p:sp>
       <p:pic>
         <p:nvPicPr>
-          <p:cNvPr id="5" name="Espaço Reservado para Conteúdo 4" descr="Diagrama&#10;&#10;Descrição gerada automaticamente">
-            <a:extLst>
-              <a:ext uri="{FF2B5EF4-FFF2-40B4-BE49-F238E27FC236}">
-                <a16:creationId xmlns:a16="http://schemas.microsoft.com/office/drawing/2014/main" id="{86D640C3-7AA9-6973-AC12-D178DE6C9C43}"/>
+          <p:cNvPr id="9" name="Espaço Reservado para Conteúdo 8" descr="Diagrama&#10;&#10;Descrição gerada automaticamente">
+            <a:extLst>
+              <a:ext uri="{FF2B5EF4-FFF2-40B4-BE49-F238E27FC236}">
+                <a16:creationId xmlns:a16="http://schemas.microsoft.com/office/drawing/2014/main" id="{A8274144-0386-85B7-17DC-A8616F0BA825}"/>
               </a:ext>
             </a:extLst>
           </p:cNvPr>
@@ -5306,15 +5478,15 @@
         </p:blipFill>
         <p:spPr>
           <a:xfrm>
-            <a:off x="2798271" y="1552246"/>
-            <a:ext cx="6375506" cy="4940629"/>
+            <a:off x="2000615" y="1947402"/>
+            <a:ext cx="8767904" cy="4108480"/>
           </a:xfrm>
         </p:spPr>
       </p:pic>
     </p:spTree>
     <p:extLst>
       <p:ext uri="{BB962C8B-B14F-4D97-AF65-F5344CB8AC3E}">
-        <p14:creationId xmlns:p14="http://schemas.microsoft.com/office/powerpoint/2010/main" val="3346018112"/>
+        <p14:creationId xmlns:p14="http://schemas.microsoft.com/office/powerpoint/2010/main" val="146841560"/>
       </p:ext>
     </p:extLst>
   </p:cSld>
@@ -5346,7 +5518,7 @@
           <p:cNvPr id="2" name="Título 1">
             <a:extLst>
               <a:ext uri="{FF2B5EF4-FFF2-40B4-BE49-F238E27FC236}">
-                <a16:creationId xmlns:a16="http://schemas.microsoft.com/office/drawing/2014/main" id="{FE5B806F-7BFA-1B18-87D2-B69D5A666B19}"/>
+                <a16:creationId xmlns:a16="http://schemas.microsoft.com/office/drawing/2014/main" id="{3FFB1A38-36CA-431E-B599-97B0C3AB4D9F}"/>
               </a:ext>
             </a:extLst>
           </p:cNvPr>
@@ -5375,7 +5547,7 @@
           <p:cNvPr id="5" name="Espaço Reservado para Conteúdo 4" descr="Diagrama&#10;&#10;Descrição gerada automaticamente">
             <a:extLst>
               <a:ext uri="{FF2B5EF4-FFF2-40B4-BE49-F238E27FC236}">
-                <a16:creationId xmlns:a16="http://schemas.microsoft.com/office/drawing/2014/main" id="{89121763-9A68-8DB5-2A27-36A2C5A8C2A2}"/>
+                <a16:creationId xmlns:a16="http://schemas.microsoft.com/office/drawing/2014/main" id="{86D640C3-7AA9-6973-AC12-D178DE6C9C43}"/>
               </a:ext>
             </a:extLst>
           </p:cNvPr>
@@ -5400,15 +5572,15 @@
         </p:blipFill>
         <p:spPr>
           <a:xfrm>
-            <a:off x="2854333" y="1585569"/>
-            <a:ext cx="6332505" cy="4907306"/>
+            <a:off x="2798271" y="1552246"/>
+            <a:ext cx="6375506" cy="4940629"/>
           </a:xfrm>
         </p:spPr>
       </p:pic>
     </p:spTree>
     <p:extLst>
       <p:ext uri="{BB962C8B-B14F-4D97-AF65-F5344CB8AC3E}">
-        <p14:creationId xmlns:p14="http://schemas.microsoft.com/office/powerpoint/2010/main" val="1684163586"/>
+        <p14:creationId xmlns:p14="http://schemas.microsoft.com/office/powerpoint/2010/main" val="3346018112"/>
       </p:ext>
     </p:extLst>
   </p:cSld>
@@ -5440,7 +5612,7 @@
           <p:cNvPr id="2" name="Título 1">
             <a:extLst>
               <a:ext uri="{FF2B5EF4-FFF2-40B4-BE49-F238E27FC236}">
-                <a16:creationId xmlns:a16="http://schemas.microsoft.com/office/drawing/2014/main" id="{CBB94012-18C8-98B3-3545-91C24CA8DB42}"/>
+                <a16:creationId xmlns:a16="http://schemas.microsoft.com/office/drawing/2014/main" id="{FE5B806F-7BFA-1B18-87D2-B69D5A666B19}"/>
               </a:ext>
             </a:extLst>
           </p:cNvPr>
@@ -5456,47 +5628,53 @@
           <a:bodyPr/>
           <a:lstStyle/>
           <a:p>
+            <a:pPr algn="ctr"/>
             <a:r>
               <a:rPr lang="pt-BR" dirty="0"/>
-              <a:t>Motivação - </a:t>
-            </a:r>
-            <a:r>
-              <a:rPr lang="pt-BR" dirty="0" err="1"/>
-              <a:t>Clusterização</a:t>
-            </a:r>
-            <a:endParaRPr lang="pt-BR" dirty="0"/>
-          </a:p>
-        </p:txBody>
-      </p:sp>
-      <p:sp>
-        <p:nvSpPr>
-          <p:cNvPr id="3" name="Espaço Reservado para Conteúdo 2">
-            <a:extLst>
-              <a:ext uri="{FF2B5EF4-FFF2-40B4-BE49-F238E27FC236}">
-                <a16:creationId xmlns:a16="http://schemas.microsoft.com/office/drawing/2014/main" id="{AA4B916C-AB0A-33A8-2574-7F3F1D8EFBC9}"/>
-              </a:ext>
-            </a:extLst>
-          </p:cNvPr>
-          <p:cNvSpPr>
-            <a:spLocks noGrp="1"/>
-          </p:cNvSpPr>
+              <a:t>Motivação – Mineração de Dados</a:t>
+            </a:r>
+          </a:p>
+        </p:txBody>
+      </p:sp>
+      <p:pic>
+        <p:nvPicPr>
+          <p:cNvPr id="5" name="Espaço Reservado para Conteúdo 4" descr="Diagrama&#10;&#10;Descrição gerada automaticamente">
+            <a:extLst>
+              <a:ext uri="{FF2B5EF4-FFF2-40B4-BE49-F238E27FC236}">
+                <a16:creationId xmlns:a16="http://schemas.microsoft.com/office/drawing/2014/main" id="{89121763-9A68-8DB5-2A27-36A2C5A8C2A2}"/>
+              </a:ext>
+            </a:extLst>
+          </p:cNvPr>
+          <p:cNvPicPr>
+            <a:picLocks noGrp="1" noChangeAspect="1"/>
+          </p:cNvPicPr>
           <p:nvPr>
             <p:ph idx="1"/>
           </p:nvPr>
-        </p:nvSpPr>
-        <p:spPr/>
-        <p:txBody>
-          <a:bodyPr/>
-          <a:lstStyle/>
-          <a:p>
-            <a:endParaRPr lang="pt-BR"/>
-          </a:p>
-        </p:txBody>
-      </p:sp>
+        </p:nvPicPr>
+        <p:blipFill>
+          <a:blip r:embed="rId2">
+            <a:extLst>
+              <a:ext uri="{28A0092B-C50C-407E-A947-70E740481C1C}">
+                <a14:useLocalDpi xmlns:a14="http://schemas.microsoft.com/office/drawing/2010/main" val="0"/>
+              </a:ext>
+            </a:extLst>
+          </a:blip>
+          <a:stretch>
+            <a:fillRect/>
+          </a:stretch>
+        </p:blipFill>
+        <p:spPr>
+          <a:xfrm>
+            <a:off x="2854333" y="1585569"/>
+            <a:ext cx="6332505" cy="4907306"/>
+          </a:xfrm>
+        </p:spPr>
+      </p:pic>
     </p:spTree>
     <p:extLst>
       <p:ext uri="{BB962C8B-B14F-4D97-AF65-F5344CB8AC3E}">
-        <p14:creationId xmlns:p14="http://schemas.microsoft.com/office/powerpoint/2010/main" val="1990232060"/>
+        <p14:creationId xmlns:p14="http://schemas.microsoft.com/office/powerpoint/2010/main" val="1684163586"/>
       </p:ext>
     </p:extLst>
   </p:cSld>

--- a/escrita/seminários/apresentacao.pptx
+++ b/escrita/seminários/apresentacao.pptx
@@ -5,7 +5,7 @@
     <p:sldMasterId id="2147483648" r:id="rId1"/>
   </p:sldMasterIdLst>
   <p:notesMasterIdLst>
-    <p:notesMasterId r:id="rId21"/>
+    <p:notesMasterId r:id="rId27"/>
   </p:notesMasterIdLst>
   <p:sldIdLst>
     <p:sldId id="256" r:id="rId2"/>
@@ -13,20 +13,26 @@
     <p:sldId id="269" r:id="rId4"/>
     <p:sldId id="270" r:id="rId5"/>
     <p:sldId id="274" r:id="rId6"/>
-    <p:sldId id="272" r:id="rId7"/>
-    <p:sldId id="258" r:id="rId8"/>
-    <p:sldId id="263" r:id="rId9"/>
-    <p:sldId id="264" r:id="rId10"/>
-    <p:sldId id="271" r:id="rId11"/>
-    <p:sldId id="259" r:id="rId12"/>
-    <p:sldId id="273" r:id="rId13"/>
-    <p:sldId id="260" r:id="rId14"/>
-    <p:sldId id="262" r:id="rId15"/>
-    <p:sldId id="265" r:id="rId16"/>
-    <p:sldId id="266" r:id="rId17"/>
-    <p:sldId id="267" r:id="rId18"/>
-    <p:sldId id="268" r:id="rId19"/>
-    <p:sldId id="261" r:id="rId20"/>
+    <p:sldId id="276" r:id="rId7"/>
+    <p:sldId id="272" r:id="rId8"/>
+    <p:sldId id="258" r:id="rId9"/>
+    <p:sldId id="263" r:id="rId10"/>
+    <p:sldId id="264" r:id="rId11"/>
+    <p:sldId id="271" r:id="rId12"/>
+    <p:sldId id="259" r:id="rId13"/>
+    <p:sldId id="278" r:id="rId14"/>
+    <p:sldId id="279" r:id="rId15"/>
+    <p:sldId id="280" r:id="rId16"/>
+    <p:sldId id="277" r:id="rId17"/>
+    <p:sldId id="273" r:id="rId18"/>
+    <p:sldId id="260" r:id="rId19"/>
+    <p:sldId id="262" r:id="rId20"/>
+    <p:sldId id="265" r:id="rId21"/>
+    <p:sldId id="266" r:id="rId22"/>
+    <p:sldId id="267" r:id="rId23"/>
+    <p:sldId id="268" r:id="rId24"/>
+    <p:sldId id="275" r:id="rId25"/>
+    <p:sldId id="261" r:id="rId26"/>
   </p:sldIdLst>
   <p:sldSz cx="12192000" cy="6858000"/>
   <p:notesSz cx="6858000" cy="9144000"/>
@@ -215,7 +221,7 @@
           <a:p>
             <a:fld id="{74BFEDBD-27A8-4830-AE11-D99A93A7AAE6}" type="datetimeFigureOut">
               <a:rPr lang="pt-BR" smtClean="0"/>
-              <a:t>01/10/2022</a:t>
+              <a:t>03/10/2022</a:t>
             </a:fld>
             <a:endParaRPr lang="pt-BR"/>
           </a:p>
@@ -547,7 +553,7 @@
           <a:p>
             <a:fld id="{30AB8352-7C86-4ABF-BE1B-319BF4BB161A}" type="slidenum">
               <a:rPr lang="pt-BR" smtClean="0"/>
-              <a:t>18</a:t>
+              <a:t>23</a:t>
             </a:fld>
             <a:endParaRPr lang="pt-BR"/>
           </a:p>
@@ -711,9 +717,9 @@
           <a:bodyPr/>
           <a:lstStyle/>
           <a:p>
-            <a:fld id="{17280BB2-1C76-4317-9ADA-D0C55D3850A5}" type="datetimeFigureOut">
+            <a:fld id="{7B80603F-E42E-4BAC-A8C9-4C70AA0F289C}" type="datetime1">
               <a:rPr lang="pt-BR" smtClean="0"/>
-              <a:t>01/10/2022</a:t>
+              <a:t>03/10/2022</a:t>
             </a:fld>
             <a:endParaRPr lang="pt-BR"/>
           </a:p>
@@ -909,9 +915,9 @@
           <a:bodyPr/>
           <a:lstStyle/>
           <a:p>
-            <a:fld id="{17280BB2-1C76-4317-9ADA-D0C55D3850A5}" type="datetimeFigureOut">
+            <a:fld id="{E35ACE46-A15C-4D91-A01C-9E0D2D980C44}" type="datetime1">
               <a:rPr lang="pt-BR" smtClean="0"/>
-              <a:t>01/10/2022</a:t>
+              <a:t>03/10/2022</a:t>
             </a:fld>
             <a:endParaRPr lang="pt-BR"/>
           </a:p>
@@ -1117,9 +1123,9 @@
           <a:bodyPr/>
           <a:lstStyle/>
           <a:p>
-            <a:fld id="{17280BB2-1C76-4317-9ADA-D0C55D3850A5}" type="datetimeFigureOut">
+            <a:fld id="{CF607417-DCF8-4A7D-950C-8A459E48B7DF}" type="datetime1">
               <a:rPr lang="pt-BR" smtClean="0"/>
-              <a:t>01/10/2022</a:t>
+              <a:t>03/10/2022</a:t>
             </a:fld>
             <a:endParaRPr lang="pt-BR"/>
           </a:p>
@@ -1315,9 +1321,9 @@
           <a:bodyPr/>
           <a:lstStyle/>
           <a:p>
-            <a:fld id="{17280BB2-1C76-4317-9ADA-D0C55D3850A5}" type="datetimeFigureOut">
+            <a:fld id="{B68C509F-F34F-450A-84B0-4CE776C83ACF}" type="datetime1">
               <a:rPr lang="pt-BR" smtClean="0"/>
-              <a:t>01/10/2022</a:t>
+              <a:t>03/10/2022</a:t>
             </a:fld>
             <a:endParaRPr lang="pt-BR"/>
           </a:p>
@@ -1590,9 +1596,9 @@
           <a:bodyPr/>
           <a:lstStyle/>
           <a:p>
-            <a:fld id="{17280BB2-1C76-4317-9ADA-D0C55D3850A5}" type="datetimeFigureOut">
+            <a:fld id="{D684AD5B-BDBF-464E-BCC3-156ABCA78238}" type="datetime1">
               <a:rPr lang="pt-BR" smtClean="0"/>
-              <a:t>01/10/2022</a:t>
+              <a:t>03/10/2022</a:t>
             </a:fld>
             <a:endParaRPr lang="pt-BR"/>
           </a:p>
@@ -1855,9 +1861,9 @@
           <a:bodyPr/>
           <a:lstStyle/>
           <a:p>
-            <a:fld id="{17280BB2-1C76-4317-9ADA-D0C55D3850A5}" type="datetimeFigureOut">
+            <a:fld id="{F0755468-63C8-44B8-B263-17D9F9FFE721}" type="datetime1">
               <a:rPr lang="pt-BR" smtClean="0"/>
-              <a:t>01/10/2022</a:t>
+              <a:t>03/10/2022</a:t>
             </a:fld>
             <a:endParaRPr lang="pt-BR"/>
           </a:p>
@@ -2267,9 +2273,9 @@
           <a:bodyPr/>
           <a:lstStyle/>
           <a:p>
-            <a:fld id="{17280BB2-1C76-4317-9ADA-D0C55D3850A5}" type="datetimeFigureOut">
+            <a:fld id="{E3F76928-248E-4D7A-B8F2-AE9A1C5D5A5A}" type="datetime1">
               <a:rPr lang="pt-BR" smtClean="0"/>
-              <a:t>01/10/2022</a:t>
+              <a:t>03/10/2022</a:t>
             </a:fld>
             <a:endParaRPr lang="pt-BR"/>
           </a:p>
@@ -2408,9 +2414,9 @@
           <a:bodyPr/>
           <a:lstStyle/>
           <a:p>
-            <a:fld id="{17280BB2-1C76-4317-9ADA-D0C55D3850A5}" type="datetimeFigureOut">
+            <a:fld id="{3A9359BF-82DB-48CD-827D-2635793E0ADB}" type="datetime1">
               <a:rPr lang="pt-BR" smtClean="0"/>
-              <a:t>01/10/2022</a:t>
+              <a:t>03/10/2022</a:t>
             </a:fld>
             <a:endParaRPr lang="pt-BR"/>
           </a:p>
@@ -2521,9 +2527,9 @@
           <a:bodyPr/>
           <a:lstStyle/>
           <a:p>
-            <a:fld id="{17280BB2-1C76-4317-9ADA-D0C55D3850A5}" type="datetimeFigureOut">
+            <a:fld id="{CA844D14-61EF-48D0-AD29-48B27521D344}" type="datetime1">
               <a:rPr lang="pt-BR" smtClean="0"/>
-              <a:t>01/10/2022</a:t>
+              <a:t>03/10/2022</a:t>
             </a:fld>
             <a:endParaRPr lang="pt-BR"/>
           </a:p>
@@ -2832,9 +2838,9 @@
           <a:bodyPr/>
           <a:lstStyle/>
           <a:p>
-            <a:fld id="{17280BB2-1C76-4317-9ADA-D0C55D3850A5}" type="datetimeFigureOut">
+            <a:fld id="{05B97CF9-E6CC-4AB6-8DFB-BFE1B8935BEA}" type="datetime1">
               <a:rPr lang="pt-BR" smtClean="0"/>
-              <a:t>01/10/2022</a:t>
+              <a:t>03/10/2022</a:t>
             </a:fld>
             <a:endParaRPr lang="pt-BR"/>
           </a:p>
@@ -3120,9 +3126,9 @@
           <a:bodyPr/>
           <a:lstStyle/>
           <a:p>
-            <a:fld id="{17280BB2-1C76-4317-9ADA-D0C55D3850A5}" type="datetimeFigureOut">
+            <a:fld id="{8F0FEB08-2B82-4DBB-98BA-2D3145466959}" type="datetime1">
               <a:rPr lang="pt-BR" smtClean="0"/>
-              <a:t>01/10/2022</a:t>
+              <a:t>03/10/2022</a:t>
             </a:fld>
             <a:endParaRPr lang="pt-BR"/>
           </a:p>
@@ -3361,9 +3367,9 @@
             </a:lvl1pPr>
           </a:lstStyle>
           <a:p>
-            <a:fld id="{17280BB2-1C76-4317-9ADA-D0C55D3850A5}" type="datetimeFigureOut">
+            <a:fld id="{87ABBCC1-3F41-49F5-956B-82B4E03D3701}" type="datetime1">
               <a:rPr lang="pt-BR" smtClean="0"/>
-              <a:t>01/10/2022</a:t>
+              <a:t>03/10/2022</a:t>
             </a:fld>
             <a:endParaRPr lang="pt-BR"/>
           </a:p>
@@ -3480,6 +3486,7 @@
     <p:sldLayoutId id="2147483658" r:id="rId10"/>
     <p:sldLayoutId id="2147483659" r:id="rId11"/>
   </p:sldLayoutIdLst>
+  <p:hf hdr="0" ftr="0" dt="0"/>
   <p:txStyles>
     <p:titleStyle>
       <a:lvl1pPr algn="l" defTabSz="914400" rtl="0" eaLnBrk="1" latinLnBrk="0" hangingPunct="1">
@@ -3876,6 +3883,35 @@
           </a:p>
         </p:txBody>
       </p:sp>
+      <p:sp>
+        <p:nvSpPr>
+          <p:cNvPr id="4" name="Espaço Reservado para Número de Slide 3">
+            <a:extLst>
+              <a:ext uri="{FF2B5EF4-FFF2-40B4-BE49-F238E27FC236}">
+                <a16:creationId xmlns:a16="http://schemas.microsoft.com/office/drawing/2014/main" id="{950784F1-69CA-8B70-B8A8-FD212CA94F44}"/>
+              </a:ext>
+            </a:extLst>
+          </p:cNvPr>
+          <p:cNvSpPr>
+            <a:spLocks noGrp="1"/>
+          </p:cNvSpPr>
+          <p:nvPr>
+            <p:ph type="sldNum" sz="quarter" idx="12"/>
+          </p:nvPr>
+        </p:nvSpPr>
+        <p:spPr/>
+        <p:txBody>
+          <a:bodyPr/>
+          <a:lstStyle/>
+          <a:p>
+            <a:fld id="{01D0E473-49BC-44E7-B559-73C7EF3C512B}" type="slidenum">
+              <a:rPr lang="pt-BR" smtClean="0"/>
+              <a:t>1</a:t>
+            </a:fld>
+            <a:endParaRPr lang="pt-BR"/>
+          </a:p>
+        </p:txBody>
+      </p:sp>
     </p:spTree>
     <p:extLst>
       <p:ext uri="{BB962C8B-B14F-4D97-AF65-F5344CB8AC3E}">
@@ -3911,7 +3947,7 @@
           <p:cNvPr id="2" name="Título 1">
             <a:extLst>
               <a:ext uri="{FF2B5EF4-FFF2-40B4-BE49-F238E27FC236}">
-                <a16:creationId xmlns:a16="http://schemas.microsoft.com/office/drawing/2014/main" id="{CBB94012-18C8-98B3-3545-91C24CA8DB42}"/>
+                <a16:creationId xmlns:a16="http://schemas.microsoft.com/office/drawing/2014/main" id="{FE5B806F-7BFA-1B18-87D2-B69D5A666B19}"/>
               </a:ext>
             </a:extLst>
           </p:cNvPr>
@@ -3927,39 +3963,74 @@
           <a:bodyPr/>
           <a:lstStyle/>
           <a:p>
+            <a:pPr algn="ctr"/>
             <a:r>
               <a:rPr lang="pt-BR" dirty="0"/>
-              <a:t>Motivação - </a:t>
-            </a:r>
-            <a:r>
-              <a:rPr lang="pt-BR" dirty="0" err="1"/>
-              <a:t>Clusterização</a:t>
-            </a:r>
-            <a:endParaRPr lang="pt-BR" dirty="0"/>
-          </a:p>
-        </p:txBody>
-      </p:sp>
-      <p:sp>
-        <p:nvSpPr>
-          <p:cNvPr id="3" name="Espaço Reservado para Conteúdo 2">
-            <a:extLst>
-              <a:ext uri="{FF2B5EF4-FFF2-40B4-BE49-F238E27FC236}">
-                <a16:creationId xmlns:a16="http://schemas.microsoft.com/office/drawing/2014/main" id="{AA4B916C-AB0A-33A8-2574-7F3F1D8EFBC9}"/>
-              </a:ext>
-            </a:extLst>
-          </p:cNvPr>
-          <p:cNvSpPr>
-            <a:spLocks noGrp="1"/>
-          </p:cNvSpPr>
+              <a:t>Motivação – Mineração de Dados</a:t>
+            </a:r>
+          </a:p>
+        </p:txBody>
+      </p:sp>
+      <p:pic>
+        <p:nvPicPr>
+          <p:cNvPr id="5" name="Espaço Reservado para Conteúdo 4" descr="Diagrama&#10;&#10;Descrição gerada automaticamente">
+            <a:extLst>
+              <a:ext uri="{FF2B5EF4-FFF2-40B4-BE49-F238E27FC236}">
+                <a16:creationId xmlns:a16="http://schemas.microsoft.com/office/drawing/2014/main" id="{89121763-9A68-8DB5-2A27-36A2C5A8C2A2}"/>
+              </a:ext>
+            </a:extLst>
+          </p:cNvPr>
+          <p:cNvPicPr>
+            <a:picLocks noGrp="1" noChangeAspect="1"/>
+          </p:cNvPicPr>
           <p:nvPr>
             <p:ph idx="1"/>
           </p:nvPr>
-        </p:nvSpPr>
-        <p:spPr/>
-        <p:txBody>
-          <a:bodyPr/>
-          <a:lstStyle/>
-          <a:p>
+        </p:nvPicPr>
+        <p:blipFill>
+          <a:blip r:embed="rId2">
+            <a:extLst>
+              <a:ext uri="{28A0092B-C50C-407E-A947-70E740481C1C}">
+                <a14:useLocalDpi xmlns:a14="http://schemas.microsoft.com/office/drawing/2010/main" val="0"/>
+              </a:ext>
+            </a:extLst>
+          </a:blip>
+          <a:stretch>
+            <a:fillRect/>
+          </a:stretch>
+        </p:blipFill>
+        <p:spPr>
+          <a:xfrm>
+            <a:off x="2854333" y="1585569"/>
+            <a:ext cx="6332505" cy="4907306"/>
+          </a:xfrm>
+        </p:spPr>
+      </p:pic>
+      <p:sp>
+        <p:nvSpPr>
+          <p:cNvPr id="3" name="Espaço Reservado para Número de Slide 2">
+            <a:extLst>
+              <a:ext uri="{FF2B5EF4-FFF2-40B4-BE49-F238E27FC236}">
+                <a16:creationId xmlns:a16="http://schemas.microsoft.com/office/drawing/2014/main" id="{7E9BF120-1A94-05CE-7E5B-0D9D26384195}"/>
+              </a:ext>
+            </a:extLst>
+          </p:cNvPr>
+          <p:cNvSpPr>
+            <a:spLocks noGrp="1"/>
+          </p:cNvSpPr>
+          <p:nvPr>
+            <p:ph type="sldNum" sz="quarter" idx="12"/>
+          </p:nvPr>
+        </p:nvSpPr>
+        <p:spPr/>
+        <p:txBody>
+          <a:bodyPr/>
+          <a:lstStyle/>
+          <a:p>
+            <a:fld id="{01D0E473-49BC-44E7-B559-73C7EF3C512B}" type="slidenum">
+              <a:rPr lang="pt-BR" smtClean="0"/>
+              <a:t>10</a:t>
+            </a:fld>
             <a:endParaRPr lang="pt-BR"/>
           </a:p>
         </p:txBody>
@@ -3967,7 +4038,7 @@
     </p:spTree>
     <p:extLst>
       <p:ext uri="{BB962C8B-B14F-4D97-AF65-F5344CB8AC3E}">
-        <p14:creationId xmlns:p14="http://schemas.microsoft.com/office/powerpoint/2010/main" val="1990232060"/>
+        <p14:creationId xmlns:p14="http://schemas.microsoft.com/office/powerpoint/2010/main" val="1684163586"/>
       </p:ext>
     </p:extLst>
   </p:cSld>
@@ -3999,7 +4070,7 @@
           <p:cNvPr id="2" name="Título 1">
             <a:extLst>
               <a:ext uri="{FF2B5EF4-FFF2-40B4-BE49-F238E27FC236}">
-                <a16:creationId xmlns:a16="http://schemas.microsoft.com/office/drawing/2014/main" id="{7F58ED8A-D7C2-D29B-4A56-392DC1D1761E}"/>
+                <a16:creationId xmlns:a16="http://schemas.microsoft.com/office/drawing/2014/main" id="{CBB94012-18C8-98B3-3545-91C24CA8DB42}"/>
               </a:ext>
             </a:extLst>
           </p:cNvPr>
@@ -4017,86 +4088,74 @@
           <a:p>
             <a:r>
               <a:rPr lang="pt-BR" dirty="0"/>
-              <a:t>Metodologia Proposta</a:t>
-            </a:r>
-          </a:p>
-        </p:txBody>
-      </p:sp>
-      <p:pic>
-        <p:nvPicPr>
-          <p:cNvPr id="5" name="Espaço Reservado para Conteúdo 4">
-            <a:extLst>
-              <a:ext uri="{FF2B5EF4-FFF2-40B4-BE49-F238E27FC236}">
-                <a16:creationId xmlns:a16="http://schemas.microsoft.com/office/drawing/2014/main" id="{88497062-CBBE-56A1-C334-BC43CBC18BDE}"/>
-              </a:ext>
-            </a:extLst>
-          </p:cNvPr>
-          <p:cNvPicPr>
-            <a:picLocks noGrp="1" noChangeAspect="1"/>
-          </p:cNvPicPr>
+              <a:t>Motivação - </a:t>
+            </a:r>
+            <a:r>
+              <a:rPr lang="pt-BR" dirty="0" err="1"/>
+              <a:t>Clusterização</a:t>
+            </a:r>
+            <a:endParaRPr lang="pt-BR" dirty="0"/>
+          </a:p>
+        </p:txBody>
+      </p:sp>
+      <p:sp>
+        <p:nvSpPr>
+          <p:cNvPr id="3" name="Espaço Reservado para Conteúdo 2">
+            <a:extLst>
+              <a:ext uri="{FF2B5EF4-FFF2-40B4-BE49-F238E27FC236}">
+                <a16:creationId xmlns:a16="http://schemas.microsoft.com/office/drawing/2014/main" id="{AA4B916C-AB0A-33A8-2574-7F3F1D8EFBC9}"/>
+              </a:ext>
+            </a:extLst>
+          </p:cNvPr>
+          <p:cNvSpPr>
+            <a:spLocks noGrp="1"/>
+          </p:cNvSpPr>
           <p:nvPr>
             <p:ph idx="1"/>
           </p:nvPr>
-        </p:nvPicPr>
-        <p:blipFill>
-          <a:blip r:embed="rId2">
-            <a:extLst>
-              <a:ext uri="{28A0092B-C50C-407E-A947-70E740481C1C}">
-                <a14:useLocalDpi xmlns:a14="http://schemas.microsoft.com/office/drawing/2010/main" val="0"/>
-              </a:ext>
-            </a:extLst>
-          </a:blip>
-          <a:stretch>
-            <a:fillRect/>
-          </a:stretch>
-        </p:blipFill>
-        <p:spPr>
-          <a:xfrm>
-            <a:off x="2242962" y="1601365"/>
-            <a:ext cx="7856901" cy="1425063"/>
-          </a:xfrm>
-        </p:spPr>
-      </p:pic>
-      <p:pic>
-        <p:nvPicPr>
-          <p:cNvPr id="7" name="Imagem 6">
-            <a:extLst>
-              <a:ext uri="{FF2B5EF4-FFF2-40B4-BE49-F238E27FC236}">
-                <a16:creationId xmlns:a16="http://schemas.microsoft.com/office/drawing/2014/main" id="{3FCACF66-DAFD-501D-EEAD-AF6795EA683E}"/>
-              </a:ext>
-            </a:extLst>
-          </p:cNvPr>
-          <p:cNvPicPr>
-            <a:picLocks noChangeAspect="1"/>
-          </p:cNvPicPr>
-          <p:nvPr/>
-        </p:nvPicPr>
-        <p:blipFill>
-          <a:blip r:embed="rId3">
-            <a:extLst>
-              <a:ext uri="{28A0092B-C50C-407E-A947-70E740481C1C}">
-                <a14:useLocalDpi xmlns:a14="http://schemas.microsoft.com/office/drawing/2010/main" val="0"/>
-              </a:ext>
-            </a:extLst>
-          </a:blip>
-          <a:stretch>
-            <a:fillRect/>
-          </a:stretch>
-        </p:blipFill>
-        <p:spPr>
-          <a:xfrm>
-            <a:off x="1419230" y="3366664"/>
-            <a:ext cx="9504366" cy="3126211"/>
-          </a:xfrm>
-          <a:prstGeom prst="rect">
-            <a:avLst/>
-          </a:prstGeom>
-        </p:spPr>
-      </p:pic>
+        </p:nvSpPr>
+        <p:spPr/>
+        <p:txBody>
+          <a:bodyPr/>
+          <a:lstStyle/>
+          <a:p>
+            <a:endParaRPr lang="pt-BR"/>
+          </a:p>
+        </p:txBody>
+      </p:sp>
+      <p:sp>
+        <p:nvSpPr>
+          <p:cNvPr id="4" name="Espaço Reservado para Número de Slide 3">
+            <a:extLst>
+              <a:ext uri="{FF2B5EF4-FFF2-40B4-BE49-F238E27FC236}">
+                <a16:creationId xmlns:a16="http://schemas.microsoft.com/office/drawing/2014/main" id="{09F161FF-5B67-1E3E-C0AD-1AF971CEDB11}"/>
+              </a:ext>
+            </a:extLst>
+          </p:cNvPr>
+          <p:cNvSpPr>
+            <a:spLocks noGrp="1"/>
+          </p:cNvSpPr>
+          <p:nvPr>
+            <p:ph type="sldNum" sz="quarter" idx="12"/>
+          </p:nvPr>
+        </p:nvSpPr>
+        <p:spPr/>
+        <p:txBody>
+          <a:bodyPr/>
+          <a:lstStyle/>
+          <a:p>
+            <a:fld id="{01D0E473-49BC-44E7-B559-73C7EF3C512B}" type="slidenum">
+              <a:rPr lang="pt-BR" smtClean="0"/>
+              <a:t>11</a:t>
+            </a:fld>
+            <a:endParaRPr lang="pt-BR"/>
+          </a:p>
+        </p:txBody>
+      </p:sp>
     </p:spTree>
     <p:extLst>
       <p:ext uri="{BB962C8B-B14F-4D97-AF65-F5344CB8AC3E}">
-        <p14:creationId xmlns:p14="http://schemas.microsoft.com/office/powerpoint/2010/main" val="2796524634"/>
+        <p14:creationId xmlns:p14="http://schemas.microsoft.com/office/powerpoint/2010/main" val="1990232060"/>
       </p:ext>
     </p:extLst>
   </p:cSld>
@@ -4128,7 +4187,7 @@
           <p:cNvPr id="2" name="Título 1">
             <a:extLst>
               <a:ext uri="{FF2B5EF4-FFF2-40B4-BE49-F238E27FC236}">
-                <a16:creationId xmlns:a16="http://schemas.microsoft.com/office/drawing/2014/main" id="{16C2824D-7DC4-2236-442F-F31688B556B0}"/>
+                <a16:creationId xmlns:a16="http://schemas.microsoft.com/office/drawing/2014/main" id="{7F58ED8A-D7C2-D29B-4A56-392DC1D1761E}"/>
               </a:ext>
             </a:extLst>
           </p:cNvPr>
@@ -4156,7 +4215,7 @@
           <p:cNvPr id="5" name="Espaço Reservado para Conteúdo 4">
             <a:extLst>
               <a:ext uri="{FF2B5EF4-FFF2-40B4-BE49-F238E27FC236}">
-                <a16:creationId xmlns:a16="http://schemas.microsoft.com/office/drawing/2014/main" id="{DD75C8AD-3D1F-3108-2995-257F37DFBAE5}"/>
+                <a16:creationId xmlns:a16="http://schemas.microsoft.com/office/drawing/2014/main" id="{88497062-CBBE-56A1-C334-BC43CBC18BDE}"/>
               </a:ext>
             </a:extLst>
           </p:cNvPr>
@@ -4181,15 +4240,80 @@
         </p:blipFill>
         <p:spPr>
           <a:xfrm>
-            <a:off x="2392554" y="2333216"/>
-            <a:ext cx="7406891" cy="1984260"/>
+            <a:off x="2242962" y="1601365"/>
+            <a:ext cx="7856901" cy="1425063"/>
           </a:xfrm>
         </p:spPr>
       </p:pic>
+      <p:pic>
+        <p:nvPicPr>
+          <p:cNvPr id="7" name="Imagem 6">
+            <a:extLst>
+              <a:ext uri="{FF2B5EF4-FFF2-40B4-BE49-F238E27FC236}">
+                <a16:creationId xmlns:a16="http://schemas.microsoft.com/office/drawing/2014/main" id="{3FCACF66-DAFD-501D-EEAD-AF6795EA683E}"/>
+              </a:ext>
+            </a:extLst>
+          </p:cNvPr>
+          <p:cNvPicPr>
+            <a:picLocks noChangeAspect="1"/>
+          </p:cNvPicPr>
+          <p:nvPr/>
+        </p:nvPicPr>
+        <p:blipFill>
+          <a:blip r:embed="rId3">
+            <a:extLst>
+              <a:ext uri="{28A0092B-C50C-407E-A947-70E740481C1C}">
+                <a14:useLocalDpi xmlns:a14="http://schemas.microsoft.com/office/drawing/2010/main" val="0"/>
+              </a:ext>
+            </a:extLst>
+          </a:blip>
+          <a:stretch>
+            <a:fillRect/>
+          </a:stretch>
+        </p:blipFill>
+        <p:spPr>
+          <a:xfrm>
+            <a:off x="1419230" y="3366664"/>
+            <a:ext cx="9504366" cy="3126211"/>
+          </a:xfrm>
+          <a:prstGeom prst="rect">
+            <a:avLst/>
+          </a:prstGeom>
+        </p:spPr>
+      </p:pic>
+      <p:sp>
+        <p:nvSpPr>
+          <p:cNvPr id="3" name="Espaço Reservado para Número de Slide 2">
+            <a:extLst>
+              <a:ext uri="{FF2B5EF4-FFF2-40B4-BE49-F238E27FC236}">
+                <a16:creationId xmlns:a16="http://schemas.microsoft.com/office/drawing/2014/main" id="{CD014E98-F960-B856-B95F-4A467CABA3D5}"/>
+              </a:ext>
+            </a:extLst>
+          </p:cNvPr>
+          <p:cNvSpPr>
+            <a:spLocks noGrp="1"/>
+          </p:cNvSpPr>
+          <p:nvPr>
+            <p:ph type="sldNum" sz="quarter" idx="12"/>
+          </p:nvPr>
+        </p:nvSpPr>
+        <p:spPr/>
+        <p:txBody>
+          <a:bodyPr/>
+          <a:lstStyle/>
+          <a:p>
+            <a:fld id="{01D0E473-49BC-44E7-B559-73C7EF3C512B}" type="slidenum">
+              <a:rPr lang="pt-BR" smtClean="0"/>
+              <a:t>12</a:t>
+            </a:fld>
+            <a:endParaRPr lang="pt-BR"/>
+          </a:p>
+        </p:txBody>
+      </p:sp>
     </p:spTree>
     <p:extLst>
       <p:ext uri="{BB962C8B-B14F-4D97-AF65-F5344CB8AC3E}">
-        <p14:creationId xmlns:p14="http://schemas.microsoft.com/office/powerpoint/2010/main" val="2795541031"/>
+        <p14:creationId xmlns:p14="http://schemas.microsoft.com/office/powerpoint/2010/main" val="2796524634"/>
       </p:ext>
     </p:extLst>
   </p:cSld>
@@ -4221,7 +4345,7 @@
           <p:cNvPr id="2" name="Título 1">
             <a:extLst>
               <a:ext uri="{FF2B5EF4-FFF2-40B4-BE49-F238E27FC236}">
-                <a16:creationId xmlns:a16="http://schemas.microsoft.com/office/drawing/2014/main" id="{AE2E7945-564F-93ED-84B7-1F70B76C053D}"/>
+                <a16:creationId xmlns:a16="http://schemas.microsoft.com/office/drawing/2014/main" id="{7F58ED8A-D7C2-D29B-4A56-392DC1D1761E}"/>
               </a:ext>
             </a:extLst>
           </p:cNvPr>
@@ -4232,38 +4356,31 @@
             <p:ph type="title"/>
           </p:nvPr>
         </p:nvSpPr>
-        <p:spPr>
-          <a:xfrm>
-            <a:off x="838199" y="365125"/>
-            <a:ext cx="10898171" cy="1325563"/>
-          </a:xfrm>
-        </p:spPr>
+        <p:spPr/>
         <p:txBody>
           <a:bodyPr/>
           <a:lstStyle/>
           <a:p>
             <a:r>
               <a:rPr lang="pt-BR" dirty="0"/>
-              <a:t>Sistema de Inteligência Geográfica - Arquitetura</a:t>
+              <a:t>Metodologia Proposta</a:t>
             </a:r>
           </a:p>
         </p:txBody>
       </p:sp>
       <p:pic>
         <p:nvPicPr>
-          <p:cNvPr id="9" name="Espaço Reservado para Conteúdo 8" descr="Diagrama&#10;&#10;Descrição gerada automaticamente">
-            <a:extLst>
-              <a:ext uri="{FF2B5EF4-FFF2-40B4-BE49-F238E27FC236}">
-                <a16:creationId xmlns:a16="http://schemas.microsoft.com/office/drawing/2014/main" id="{11DD5900-2CCF-4105-0D65-91F1F51FCEF6}"/>
+          <p:cNvPr id="7" name="Imagem 6">
+            <a:extLst>
+              <a:ext uri="{FF2B5EF4-FFF2-40B4-BE49-F238E27FC236}">
+                <a16:creationId xmlns:a16="http://schemas.microsoft.com/office/drawing/2014/main" id="{3FCACF66-DAFD-501D-EEAD-AF6795EA683E}"/>
               </a:ext>
             </a:extLst>
           </p:cNvPr>
           <p:cNvPicPr>
-            <a:picLocks noGrp="1" noChangeAspect="1"/>
+            <a:picLocks noChangeAspect="1"/>
           </p:cNvPicPr>
-          <p:nvPr>
-            <p:ph idx="1"/>
-          </p:nvPr>
+          <p:nvPr/>
         </p:nvPicPr>
         <p:blipFill>
           <a:blip r:embed="rId2">
@@ -4279,15 +4396,82 @@
         </p:blipFill>
         <p:spPr>
           <a:xfrm>
-            <a:off x="3886838" y="1520962"/>
-            <a:ext cx="4125945" cy="5063661"/>
+            <a:off x="1419230" y="3366664"/>
+            <a:ext cx="9504366" cy="3126211"/>
+          </a:xfrm>
+          <a:prstGeom prst="rect">
+            <a:avLst/>
+          </a:prstGeom>
+        </p:spPr>
+      </p:pic>
+      <p:sp>
+        <p:nvSpPr>
+          <p:cNvPr id="3" name="Espaço Reservado para Número de Slide 2">
+            <a:extLst>
+              <a:ext uri="{FF2B5EF4-FFF2-40B4-BE49-F238E27FC236}">
+                <a16:creationId xmlns:a16="http://schemas.microsoft.com/office/drawing/2014/main" id="{CD014E98-F960-B856-B95F-4A467CABA3D5}"/>
+              </a:ext>
+            </a:extLst>
+          </p:cNvPr>
+          <p:cNvSpPr>
+            <a:spLocks noGrp="1"/>
+          </p:cNvSpPr>
+          <p:nvPr>
+            <p:ph type="sldNum" sz="quarter" idx="12"/>
+          </p:nvPr>
+        </p:nvSpPr>
+        <p:spPr/>
+        <p:txBody>
+          <a:bodyPr/>
+          <a:lstStyle/>
+          <a:p>
+            <a:fld id="{01D0E473-49BC-44E7-B559-73C7EF3C512B}" type="slidenum">
+              <a:rPr lang="pt-BR" smtClean="0"/>
+              <a:t>13</a:t>
+            </a:fld>
+            <a:endParaRPr lang="pt-BR"/>
+          </a:p>
+        </p:txBody>
+      </p:sp>
+      <p:pic>
+        <p:nvPicPr>
+          <p:cNvPr id="13" name="Espaço Reservado para Conteúdo 12" descr="Diagrama&#10;&#10;Descrição gerada automaticamente com confiança média">
+            <a:extLst>
+              <a:ext uri="{FF2B5EF4-FFF2-40B4-BE49-F238E27FC236}">
+                <a16:creationId xmlns:a16="http://schemas.microsoft.com/office/drawing/2014/main" id="{AF208342-4D85-7EC9-432D-FF5FB52FBC06}"/>
+              </a:ext>
+            </a:extLst>
+          </p:cNvPr>
+          <p:cNvPicPr>
+            <a:picLocks noGrp="1" noChangeAspect="1"/>
+          </p:cNvPicPr>
+          <p:nvPr>
+            <p:ph idx="1"/>
+          </p:nvPr>
+        </p:nvPicPr>
+        <p:blipFill>
+          <a:blip r:embed="rId3">
+            <a:extLst>
+              <a:ext uri="{28A0092B-C50C-407E-A947-70E740481C1C}">
+                <a14:useLocalDpi xmlns:a14="http://schemas.microsoft.com/office/drawing/2010/main" val="0"/>
+              </a:ext>
+            </a:extLst>
+          </a:blip>
+          <a:stretch>
+            <a:fillRect/>
+          </a:stretch>
+        </p:blipFill>
+        <p:spPr>
+          <a:xfrm>
+            <a:off x="2167549" y="1566966"/>
+            <a:ext cx="7856901" cy="1425063"/>
           </a:xfrm>
         </p:spPr>
       </p:pic>
     </p:spTree>
     <p:extLst>
       <p:ext uri="{BB962C8B-B14F-4D97-AF65-F5344CB8AC3E}">
-        <p14:creationId xmlns:p14="http://schemas.microsoft.com/office/powerpoint/2010/main" val="1675197009"/>
+        <p14:creationId xmlns:p14="http://schemas.microsoft.com/office/powerpoint/2010/main" val="3591646924"/>
       </p:ext>
     </p:extLst>
   </p:cSld>
@@ -4319,7 +4503,7 @@
           <p:cNvPr id="2" name="Título 1">
             <a:extLst>
               <a:ext uri="{FF2B5EF4-FFF2-40B4-BE49-F238E27FC236}">
-                <a16:creationId xmlns:a16="http://schemas.microsoft.com/office/drawing/2014/main" id="{8A36BC27-04A3-6994-E64D-B4B693CBB769}"/>
+                <a16:creationId xmlns:a16="http://schemas.microsoft.com/office/drawing/2014/main" id="{7F58ED8A-D7C2-D29B-4A56-392DC1D1761E}"/>
               </a:ext>
             </a:extLst>
           </p:cNvPr>
@@ -4330,39 +4514,31 @@
             <p:ph type="title"/>
           </p:nvPr>
         </p:nvSpPr>
-        <p:spPr>
-          <a:xfrm>
-            <a:off x="339365" y="365125"/>
-            <a:ext cx="11604396" cy="1325563"/>
-          </a:xfrm>
-        </p:spPr>
-        <p:txBody>
-          <a:bodyPr/>
-          <a:lstStyle/>
-          <a:p>
-            <a:pPr algn="ctr"/>
+        <p:spPr/>
+        <p:txBody>
+          <a:bodyPr/>
+          <a:lstStyle/>
+          <a:p>
             <a:r>
               <a:rPr lang="pt-BR" dirty="0"/>
-              <a:t>Sistema de Inteligência Geográfica – Fluxo de telas</a:t>
+              <a:t>Metodologia Proposta</a:t>
             </a:r>
           </a:p>
         </p:txBody>
       </p:sp>
       <p:pic>
         <p:nvPicPr>
-          <p:cNvPr id="9" name="Espaço Reservado para Conteúdo 8" descr="Interface gráfica do usuário, Texto&#10;&#10;Descrição gerada automaticamente">
-            <a:extLst>
-              <a:ext uri="{FF2B5EF4-FFF2-40B4-BE49-F238E27FC236}">
-                <a16:creationId xmlns:a16="http://schemas.microsoft.com/office/drawing/2014/main" id="{A2B541C4-7EF9-67D5-E9B6-85C37ADAE79C}"/>
+          <p:cNvPr id="7" name="Imagem 6">
+            <a:extLst>
+              <a:ext uri="{FF2B5EF4-FFF2-40B4-BE49-F238E27FC236}">
+                <a16:creationId xmlns:a16="http://schemas.microsoft.com/office/drawing/2014/main" id="{3FCACF66-DAFD-501D-EEAD-AF6795EA683E}"/>
               </a:ext>
             </a:extLst>
           </p:cNvPr>
           <p:cNvPicPr>
-            <a:picLocks noGrp="1" noChangeAspect="1"/>
+            <a:picLocks noChangeAspect="1"/>
           </p:cNvPicPr>
-          <p:nvPr>
-            <p:ph idx="1"/>
-          </p:nvPr>
+          <p:nvPr/>
         </p:nvPicPr>
         <p:blipFill>
           <a:blip r:embed="rId2">
@@ -4378,15 +4554,82 @@
         </p:blipFill>
         <p:spPr>
           <a:xfrm>
-            <a:off x="1810765" y="2453295"/>
-            <a:ext cx="8062810" cy="2362851"/>
+            <a:off x="1419230" y="3366664"/>
+            <a:ext cx="9504366" cy="3126211"/>
+          </a:xfrm>
+          <a:prstGeom prst="rect">
+            <a:avLst/>
+          </a:prstGeom>
+        </p:spPr>
+      </p:pic>
+      <p:sp>
+        <p:nvSpPr>
+          <p:cNvPr id="3" name="Espaço Reservado para Número de Slide 2">
+            <a:extLst>
+              <a:ext uri="{FF2B5EF4-FFF2-40B4-BE49-F238E27FC236}">
+                <a16:creationId xmlns:a16="http://schemas.microsoft.com/office/drawing/2014/main" id="{CD014E98-F960-B856-B95F-4A467CABA3D5}"/>
+              </a:ext>
+            </a:extLst>
+          </p:cNvPr>
+          <p:cNvSpPr>
+            <a:spLocks noGrp="1"/>
+          </p:cNvSpPr>
+          <p:nvPr>
+            <p:ph type="sldNum" sz="quarter" idx="12"/>
+          </p:nvPr>
+        </p:nvSpPr>
+        <p:spPr/>
+        <p:txBody>
+          <a:bodyPr/>
+          <a:lstStyle/>
+          <a:p>
+            <a:fld id="{01D0E473-49BC-44E7-B559-73C7EF3C512B}" type="slidenum">
+              <a:rPr lang="pt-BR" smtClean="0"/>
+              <a:t>14</a:t>
+            </a:fld>
+            <a:endParaRPr lang="pt-BR"/>
+          </a:p>
+        </p:txBody>
+      </p:sp>
+      <p:pic>
+        <p:nvPicPr>
+          <p:cNvPr id="9" name="Espaço Reservado para Conteúdo 8" descr="Diagrama&#10;&#10;Descrição gerada automaticamente com confiança baixa">
+            <a:extLst>
+              <a:ext uri="{FF2B5EF4-FFF2-40B4-BE49-F238E27FC236}">
+                <a16:creationId xmlns:a16="http://schemas.microsoft.com/office/drawing/2014/main" id="{58455C96-7039-EF74-1147-9AB1FFD00B8D}"/>
+              </a:ext>
+            </a:extLst>
+          </p:cNvPr>
+          <p:cNvPicPr>
+            <a:picLocks noGrp="1" noChangeAspect="1"/>
+          </p:cNvPicPr>
+          <p:nvPr>
+            <p:ph idx="1"/>
+          </p:nvPr>
+        </p:nvPicPr>
+        <p:blipFill>
+          <a:blip r:embed="rId3">
+            <a:extLst>
+              <a:ext uri="{28A0092B-C50C-407E-A947-70E740481C1C}">
+                <a14:useLocalDpi xmlns:a14="http://schemas.microsoft.com/office/drawing/2010/main" val="0"/>
+              </a:ext>
+            </a:extLst>
+          </a:blip>
+          <a:stretch>
+            <a:fillRect/>
+          </a:stretch>
+        </p:blipFill>
+        <p:spPr>
+          <a:xfrm>
+            <a:off x="2125299" y="1690688"/>
+            <a:ext cx="7856901" cy="1425063"/>
           </a:xfrm>
         </p:spPr>
       </p:pic>
     </p:spTree>
     <p:extLst>
       <p:ext uri="{BB962C8B-B14F-4D97-AF65-F5344CB8AC3E}">
-        <p14:creationId xmlns:p14="http://schemas.microsoft.com/office/powerpoint/2010/main" val="2723099934"/>
+        <p14:creationId xmlns:p14="http://schemas.microsoft.com/office/powerpoint/2010/main" val="4102303807"/>
       </p:ext>
     </p:extLst>
   </p:cSld>
@@ -4418,7 +4661,7 @@
           <p:cNvPr id="2" name="Título 1">
             <a:extLst>
               <a:ext uri="{FF2B5EF4-FFF2-40B4-BE49-F238E27FC236}">
-                <a16:creationId xmlns:a16="http://schemas.microsoft.com/office/drawing/2014/main" id="{060AA2A0-904C-9BFD-A26A-913F327794AB}"/>
+                <a16:creationId xmlns:a16="http://schemas.microsoft.com/office/drawing/2014/main" id="{7F58ED8A-D7C2-D29B-4A56-392DC1D1761E}"/>
               </a:ext>
             </a:extLst>
           </p:cNvPr>
@@ -4436,26 +4679,24 @@
           <a:p>
             <a:r>
               <a:rPr lang="pt-BR" dirty="0"/>
-              <a:t>Sistema de Inteligência Geográfica – (01)</a:t>
+              <a:t>Metodologia Proposta</a:t>
             </a:r>
           </a:p>
         </p:txBody>
       </p:sp>
       <p:pic>
         <p:nvPicPr>
-          <p:cNvPr id="9" name="Espaço Reservado para Conteúdo 8" descr="Interface gráfica do usuário, Texto, Aplicativo&#10;&#10;Descrição gerada automaticamente">
-            <a:extLst>
-              <a:ext uri="{FF2B5EF4-FFF2-40B4-BE49-F238E27FC236}">
-                <a16:creationId xmlns:a16="http://schemas.microsoft.com/office/drawing/2014/main" id="{18BAC139-9000-5083-EE2C-25ECDADD7785}"/>
+          <p:cNvPr id="7" name="Imagem 6">
+            <a:extLst>
+              <a:ext uri="{FF2B5EF4-FFF2-40B4-BE49-F238E27FC236}">
+                <a16:creationId xmlns:a16="http://schemas.microsoft.com/office/drawing/2014/main" id="{3FCACF66-DAFD-501D-EEAD-AF6795EA683E}"/>
               </a:ext>
             </a:extLst>
           </p:cNvPr>
           <p:cNvPicPr>
-            <a:picLocks noGrp="1" noChangeAspect="1"/>
+            <a:picLocks noChangeAspect="1"/>
           </p:cNvPicPr>
-          <p:nvPr>
-            <p:ph idx="1"/>
-          </p:nvPr>
+          <p:nvPr/>
         </p:nvPicPr>
         <p:blipFill>
           <a:blip r:embed="rId2">
@@ -4471,15 +4712,82 @@
         </p:blipFill>
         <p:spPr>
           <a:xfrm>
-            <a:off x="3897549" y="3025285"/>
-            <a:ext cx="3560373" cy="1186791"/>
+            <a:off x="1419230" y="3366664"/>
+            <a:ext cx="9504366" cy="3126211"/>
+          </a:xfrm>
+          <a:prstGeom prst="rect">
+            <a:avLst/>
+          </a:prstGeom>
+        </p:spPr>
+      </p:pic>
+      <p:sp>
+        <p:nvSpPr>
+          <p:cNvPr id="3" name="Espaço Reservado para Número de Slide 2">
+            <a:extLst>
+              <a:ext uri="{FF2B5EF4-FFF2-40B4-BE49-F238E27FC236}">
+                <a16:creationId xmlns:a16="http://schemas.microsoft.com/office/drawing/2014/main" id="{CD014E98-F960-B856-B95F-4A467CABA3D5}"/>
+              </a:ext>
+            </a:extLst>
+          </p:cNvPr>
+          <p:cNvSpPr>
+            <a:spLocks noGrp="1"/>
+          </p:cNvSpPr>
+          <p:nvPr>
+            <p:ph type="sldNum" sz="quarter" idx="12"/>
+          </p:nvPr>
+        </p:nvSpPr>
+        <p:spPr/>
+        <p:txBody>
+          <a:bodyPr/>
+          <a:lstStyle/>
+          <a:p>
+            <a:fld id="{01D0E473-49BC-44E7-B559-73C7EF3C512B}" type="slidenum">
+              <a:rPr lang="pt-BR" smtClean="0"/>
+              <a:t>15</a:t>
+            </a:fld>
+            <a:endParaRPr lang="pt-BR"/>
+          </a:p>
+        </p:txBody>
+      </p:sp>
+      <p:pic>
+        <p:nvPicPr>
+          <p:cNvPr id="13" name="Espaço Reservado para Conteúdo 12" descr="Diagrama&#10;&#10;Descrição gerada automaticamente">
+            <a:extLst>
+              <a:ext uri="{FF2B5EF4-FFF2-40B4-BE49-F238E27FC236}">
+                <a16:creationId xmlns:a16="http://schemas.microsoft.com/office/drawing/2014/main" id="{A33EDF3A-76F1-BC83-89FE-1F4EB094B991}"/>
+              </a:ext>
+            </a:extLst>
+          </p:cNvPr>
+          <p:cNvPicPr>
+            <a:picLocks noGrp="1" noChangeAspect="1"/>
+          </p:cNvPicPr>
+          <p:nvPr>
+            <p:ph idx="1"/>
+          </p:nvPr>
+        </p:nvPicPr>
+        <p:blipFill>
+          <a:blip r:embed="rId3">
+            <a:extLst>
+              <a:ext uri="{28A0092B-C50C-407E-A947-70E740481C1C}">
+                <a14:useLocalDpi xmlns:a14="http://schemas.microsoft.com/office/drawing/2010/main" val="0"/>
+              </a:ext>
+            </a:extLst>
+          </a:blip>
+          <a:stretch>
+            <a:fillRect/>
+          </a:stretch>
+        </p:blipFill>
+        <p:spPr>
+          <a:xfrm>
+            <a:off x="2167549" y="1713001"/>
+            <a:ext cx="7856901" cy="1425063"/>
           </a:xfrm>
         </p:spPr>
       </p:pic>
     </p:spTree>
     <p:extLst>
       <p:ext uri="{BB962C8B-B14F-4D97-AF65-F5344CB8AC3E}">
-        <p14:creationId xmlns:p14="http://schemas.microsoft.com/office/powerpoint/2010/main" val="2476695612"/>
+        <p14:creationId xmlns:p14="http://schemas.microsoft.com/office/powerpoint/2010/main" val="2717763784"/>
       </p:ext>
     </p:extLst>
   </p:cSld>
@@ -4511,7 +4819,7 @@
           <p:cNvPr id="2" name="Título 1">
             <a:extLst>
               <a:ext uri="{FF2B5EF4-FFF2-40B4-BE49-F238E27FC236}">
-                <a16:creationId xmlns:a16="http://schemas.microsoft.com/office/drawing/2014/main" id="{06C4B0A1-5FAB-7F2F-B3C5-61AE185F36E1}"/>
+                <a16:creationId xmlns:a16="http://schemas.microsoft.com/office/drawing/2014/main" id="{7F58ED8A-D7C2-D29B-4A56-392DC1D1761E}"/>
               </a:ext>
             </a:extLst>
           </p:cNvPr>
@@ -4522,38 +4830,31 @@
             <p:ph type="title"/>
           </p:nvPr>
         </p:nvSpPr>
-        <p:spPr>
-          <a:xfrm>
-            <a:off x="838200" y="374551"/>
-            <a:ext cx="10515600" cy="1325563"/>
-          </a:xfrm>
-        </p:spPr>
+        <p:spPr/>
         <p:txBody>
           <a:bodyPr/>
           <a:lstStyle/>
           <a:p>
             <a:r>
               <a:rPr lang="pt-BR" dirty="0"/>
-              <a:t>Sistema de Inteligência Geográfica – (02)</a:t>
+              <a:t>Metodologia Proposta</a:t>
             </a:r>
           </a:p>
         </p:txBody>
       </p:sp>
       <p:pic>
         <p:nvPicPr>
-          <p:cNvPr id="9" name="Espaço Reservado para Conteúdo 8" descr="Tabela&#10;&#10;Descrição gerada automaticamente">
-            <a:extLst>
-              <a:ext uri="{FF2B5EF4-FFF2-40B4-BE49-F238E27FC236}">
-                <a16:creationId xmlns:a16="http://schemas.microsoft.com/office/drawing/2014/main" id="{C8E23D6A-C989-5F60-7F9F-EBD54829124E}"/>
+          <p:cNvPr id="7" name="Imagem 6">
+            <a:extLst>
+              <a:ext uri="{FF2B5EF4-FFF2-40B4-BE49-F238E27FC236}">
+                <a16:creationId xmlns:a16="http://schemas.microsoft.com/office/drawing/2014/main" id="{3FCACF66-DAFD-501D-EEAD-AF6795EA683E}"/>
               </a:ext>
             </a:extLst>
           </p:cNvPr>
           <p:cNvPicPr>
-            <a:picLocks noGrp="1" noChangeAspect="1"/>
+            <a:picLocks noChangeAspect="1"/>
           </p:cNvPicPr>
-          <p:nvPr>
-            <p:ph idx="1"/>
-          </p:nvPr>
+          <p:nvPr/>
         </p:nvPicPr>
         <p:blipFill>
           <a:blip r:embed="rId2">
@@ -4569,15 +4870,82 @@
         </p:blipFill>
         <p:spPr>
           <a:xfrm>
-            <a:off x="3616905" y="1889473"/>
-            <a:ext cx="4691187" cy="4316773"/>
+            <a:off x="1419230" y="3366664"/>
+            <a:ext cx="9504366" cy="3126211"/>
+          </a:xfrm>
+          <a:prstGeom prst="rect">
+            <a:avLst/>
+          </a:prstGeom>
+        </p:spPr>
+      </p:pic>
+      <p:sp>
+        <p:nvSpPr>
+          <p:cNvPr id="3" name="Espaço Reservado para Número de Slide 2">
+            <a:extLst>
+              <a:ext uri="{FF2B5EF4-FFF2-40B4-BE49-F238E27FC236}">
+                <a16:creationId xmlns:a16="http://schemas.microsoft.com/office/drawing/2014/main" id="{CD014E98-F960-B856-B95F-4A467CABA3D5}"/>
+              </a:ext>
+            </a:extLst>
+          </p:cNvPr>
+          <p:cNvSpPr>
+            <a:spLocks noGrp="1"/>
+          </p:cNvSpPr>
+          <p:nvPr>
+            <p:ph type="sldNum" sz="quarter" idx="12"/>
+          </p:nvPr>
+        </p:nvSpPr>
+        <p:spPr/>
+        <p:txBody>
+          <a:bodyPr/>
+          <a:lstStyle/>
+          <a:p>
+            <a:fld id="{01D0E473-49BC-44E7-B559-73C7EF3C512B}" type="slidenum">
+              <a:rPr lang="pt-BR" smtClean="0"/>
+              <a:t>16</a:t>
+            </a:fld>
+            <a:endParaRPr lang="pt-BR"/>
+          </a:p>
+        </p:txBody>
+      </p:sp>
+      <p:pic>
+        <p:nvPicPr>
+          <p:cNvPr id="9" name="Espaço Reservado para Conteúdo 8" descr="Diagrama&#10;&#10;Descrição gerada automaticamente com confiança média">
+            <a:extLst>
+              <a:ext uri="{FF2B5EF4-FFF2-40B4-BE49-F238E27FC236}">
+                <a16:creationId xmlns:a16="http://schemas.microsoft.com/office/drawing/2014/main" id="{4CBCCB72-8C09-F57E-4738-B084CC367542}"/>
+              </a:ext>
+            </a:extLst>
+          </p:cNvPr>
+          <p:cNvPicPr>
+            <a:picLocks noGrp="1" noChangeAspect="1"/>
+          </p:cNvPicPr>
+          <p:nvPr>
+            <p:ph idx="1"/>
+          </p:nvPr>
+        </p:nvPicPr>
+        <p:blipFill>
+          <a:blip r:embed="rId3">
+            <a:extLst>
+              <a:ext uri="{28A0092B-C50C-407E-A947-70E740481C1C}">
+                <a14:useLocalDpi xmlns:a14="http://schemas.microsoft.com/office/drawing/2010/main" val="0"/>
+              </a:ext>
+            </a:extLst>
+          </a:blip>
+          <a:stretch>
+            <a:fillRect/>
+          </a:stretch>
+        </p:blipFill>
+        <p:spPr>
+          <a:xfrm>
+            <a:off x="2167549" y="1690688"/>
+            <a:ext cx="7856901" cy="1425063"/>
           </a:xfrm>
         </p:spPr>
       </p:pic>
     </p:spTree>
     <p:extLst>
       <p:ext uri="{BB962C8B-B14F-4D97-AF65-F5344CB8AC3E}">
-        <p14:creationId xmlns:p14="http://schemas.microsoft.com/office/powerpoint/2010/main" val="1896820759"/>
+        <p14:creationId xmlns:p14="http://schemas.microsoft.com/office/powerpoint/2010/main" val="1277832993"/>
       </p:ext>
     </p:extLst>
   </p:cSld>
@@ -4604,12 +4972,40 @@
           <a:chExt cx="0" cy="0"/>
         </a:xfrm>
       </p:grpSpPr>
+      <p:sp>
+        <p:nvSpPr>
+          <p:cNvPr id="2" name="Título 1">
+            <a:extLst>
+              <a:ext uri="{FF2B5EF4-FFF2-40B4-BE49-F238E27FC236}">
+                <a16:creationId xmlns:a16="http://schemas.microsoft.com/office/drawing/2014/main" id="{16C2824D-7DC4-2236-442F-F31688B556B0}"/>
+              </a:ext>
+            </a:extLst>
+          </p:cNvPr>
+          <p:cNvSpPr>
+            <a:spLocks noGrp="1"/>
+          </p:cNvSpPr>
+          <p:nvPr>
+            <p:ph type="title"/>
+          </p:nvPr>
+        </p:nvSpPr>
+        <p:spPr/>
+        <p:txBody>
+          <a:bodyPr/>
+          <a:lstStyle/>
+          <a:p>
+            <a:r>
+              <a:rPr lang="pt-BR" dirty="0"/>
+              <a:t>Metodologia Proposta</a:t>
+            </a:r>
+          </a:p>
+        </p:txBody>
+      </p:sp>
       <p:pic>
         <p:nvPicPr>
-          <p:cNvPr id="9" name="Espaço Reservado para Conteúdo 8" descr="Mapa&#10;&#10;Descrição gerada automaticamente">
-            <a:extLst>
-              <a:ext uri="{FF2B5EF4-FFF2-40B4-BE49-F238E27FC236}">
-                <a16:creationId xmlns:a16="http://schemas.microsoft.com/office/drawing/2014/main" id="{9199D1D4-655E-A828-373C-14F6A7389370}"/>
+          <p:cNvPr id="5" name="Espaço Reservado para Conteúdo 4">
+            <a:extLst>
+              <a:ext uri="{FF2B5EF4-FFF2-40B4-BE49-F238E27FC236}">
+                <a16:creationId xmlns:a16="http://schemas.microsoft.com/office/drawing/2014/main" id="{DD75C8AD-3D1F-3108-2995-257F37DFBAE5}"/>
               </a:ext>
             </a:extLst>
           </p:cNvPr>
@@ -4634,15 +5030,44 @@
         </p:blipFill>
         <p:spPr>
           <a:xfrm>
-            <a:off x="2735040" y="0"/>
-            <a:ext cx="6559789" cy="6763813"/>
+            <a:off x="2392554" y="2333216"/>
+            <a:ext cx="7406891" cy="1984260"/>
           </a:xfrm>
         </p:spPr>
       </p:pic>
+      <p:sp>
+        <p:nvSpPr>
+          <p:cNvPr id="3" name="Espaço Reservado para Número de Slide 2">
+            <a:extLst>
+              <a:ext uri="{FF2B5EF4-FFF2-40B4-BE49-F238E27FC236}">
+                <a16:creationId xmlns:a16="http://schemas.microsoft.com/office/drawing/2014/main" id="{3CF29EDD-232D-96EC-5E7B-519232080B83}"/>
+              </a:ext>
+            </a:extLst>
+          </p:cNvPr>
+          <p:cNvSpPr>
+            <a:spLocks noGrp="1"/>
+          </p:cNvSpPr>
+          <p:nvPr>
+            <p:ph type="sldNum" sz="quarter" idx="12"/>
+          </p:nvPr>
+        </p:nvSpPr>
+        <p:spPr/>
+        <p:txBody>
+          <a:bodyPr/>
+          <a:lstStyle/>
+          <a:p>
+            <a:fld id="{01D0E473-49BC-44E7-B559-73C7EF3C512B}" type="slidenum">
+              <a:rPr lang="pt-BR" smtClean="0"/>
+              <a:t>17</a:t>
+            </a:fld>
+            <a:endParaRPr lang="pt-BR"/>
+          </a:p>
+        </p:txBody>
+      </p:sp>
     </p:spTree>
     <p:extLst>
       <p:ext uri="{BB962C8B-B14F-4D97-AF65-F5344CB8AC3E}">
-        <p14:creationId xmlns:p14="http://schemas.microsoft.com/office/powerpoint/2010/main" val="767958946"/>
+        <p14:creationId xmlns:p14="http://schemas.microsoft.com/office/powerpoint/2010/main" val="2795541031"/>
       </p:ext>
     </p:extLst>
   </p:cSld>
@@ -4669,12 +5094,45 @@
           <a:chExt cx="0" cy="0"/>
         </a:xfrm>
       </p:grpSpPr>
+      <p:sp>
+        <p:nvSpPr>
+          <p:cNvPr id="2" name="Título 1">
+            <a:extLst>
+              <a:ext uri="{FF2B5EF4-FFF2-40B4-BE49-F238E27FC236}">
+                <a16:creationId xmlns:a16="http://schemas.microsoft.com/office/drawing/2014/main" id="{AE2E7945-564F-93ED-84B7-1F70B76C053D}"/>
+              </a:ext>
+            </a:extLst>
+          </p:cNvPr>
+          <p:cNvSpPr>
+            <a:spLocks noGrp="1"/>
+          </p:cNvSpPr>
+          <p:nvPr>
+            <p:ph type="title"/>
+          </p:nvPr>
+        </p:nvSpPr>
+        <p:spPr>
+          <a:xfrm>
+            <a:off x="838199" y="365125"/>
+            <a:ext cx="10898171" cy="1325563"/>
+          </a:xfrm>
+        </p:spPr>
+        <p:txBody>
+          <a:bodyPr/>
+          <a:lstStyle/>
+          <a:p>
+            <a:r>
+              <a:rPr lang="pt-BR" dirty="0"/>
+              <a:t>Sistema de Inteligência Geográfica - Arquitetura</a:t>
+            </a:r>
+          </a:p>
+        </p:txBody>
+      </p:sp>
       <p:pic>
         <p:nvPicPr>
-          <p:cNvPr id="5" name="Espaço Reservado para Conteúdo 4" descr="Mapa&#10;&#10;Descrição gerada automaticamente">
-            <a:extLst>
-              <a:ext uri="{FF2B5EF4-FFF2-40B4-BE49-F238E27FC236}">
-                <a16:creationId xmlns:a16="http://schemas.microsoft.com/office/drawing/2014/main" id="{62ED3AA7-CE45-B48F-57BE-09EC33D54579}"/>
+          <p:cNvPr id="9" name="Espaço Reservado para Conteúdo 8" descr="Diagrama&#10;&#10;Descrição gerada automaticamente">
+            <a:extLst>
+              <a:ext uri="{FF2B5EF4-FFF2-40B4-BE49-F238E27FC236}">
+                <a16:creationId xmlns:a16="http://schemas.microsoft.com/office/drawing/2014/main" id="{11DD5900-2CCF-4105-0D65-91F1F51FCEF6}"/>
               </a:ext>
             </a:extLst>
           </p:cNvPr>
@@ -4686,7 +5144,7 @@
           </p:nvPr>
         </p:nvPicPr>
         <p:blipFill>
-          <a:blip r:embed="rId3">
+          <a:blip r:embed="rId2">
             <a:extLst>
               <a:ext uri="{28A0092B-C50C-407E-A947-70E740481C1C}">
                 <a14:useLocalDpi xmlns:a14="http://schemas.microsoft.com/office/drawing/2010/main" val="0"/>
@@ -4699,15 +5157,44 @@
         </p:blipFill>
         <p:spPr>
           <a:xfrm>
-            <a:off x="2928026" y="77821"/>
-            <a:ext cx="6601343" cy="6858001"/>
+            <a:off x="3886838" y="1520962"/>
+            <a:ext cx="4125945" cy="5063661"/>
           </a:xfrm>
         </p:spPr>
       </p:pic>
+      <p:sp>
+        <p:nvSpPr>
+          <p:cNvPr id="3" name="Espaço Reservado para Número de Slide 2">
+            <a:extLst>
+              <a:ext uri="{FF2B5EF4-FFF2-40B4-BE49-F238E27FC236}">
+                <a16:creationId xmlns:a16="http://schemas.microsoft.com/office/drawing/2014/main" id="{CF864E7A-1FEA-E112-E984-285058F7470E}"/>
+              </a:ext>
+            </a:extLst>
+          </p:cNvPr>
+          <p:cNvSpPr>
+            <a:spLocks noGrp="1"/>
+          </p:cNvSpPr>
+          <p:nvPr>
+            <p:ph type="sldNum" sz="quarter" idx="12"/>
+          </p:nvPr>
+        </p:nvSpPr>
+        <p:spPr/>
+        <p:txBody>
+          <a:bodyPr/>
+          <a:lstStyle/>
+          <a:p>
+            <a:fld id="{01D0E473-49BC-44E7-B559-73C7EF3C512B}" type="slidenum">
+              <a:rPr lang="pt-BR" smtClean="0"/>
+              <a:t>18</a:t>
+            </a:fld>
+            <a:endParaRPr lang="pt-BR"/>
+          </a:p>
+        </p:txBody>
+      </p:sp>
     </p:spTree>
     <p:extLst>
       <p:ext uri="{BB962C8B-B14F-4D97-AF65-F5344CB8AC3E}">
-        <p14:creationId xmlns:p14="http://schemas.microsoft.com/office/powerpoint/2010/main" val="106107893"/>
+        <p14:creationId xmlns:p14="http://schemas.microsoft.com/office/powerpoint/2010/main" val="1675197009"/>
       </p:ext>
     </p:extLst>
   </p:cSld>
@@ -4739,7 +5226,7 @@
           <p:cNvPr id="2" name="Título 1">
             <a:extLst>
               <a:ext uri="{FF2B5EF4-FFF2-40B4-BE49-F238E27FC236}">
-                <a16:creationId xmlns:a16="http://schemas.microsoft.com/office/drawing/2014/main" id="{6E2F6D24-7D8E-E901-2FFB-EDE96D517337}"/>
+                <a16:creationId xmlns:a16="http://schemas.microsoft.com/office/drawing/2014/main" id="{8A36BC27-04A3-6994-E64D-B4B693CBB769}"/>
               </a:ext>
             </a:extLst>
           </p:cNvPr>
@@ -4750,7 +5237,12 @@
             <p:ph type="title"/>
           </p:nvPr>
         </p:nvSpPr>
-        <p:spPr/>
+        <p:spPr>
+          <a:xfrm>
+            <a:off x="339365" y="365125"/>
+            <a:ext cx="11604396" cy="1325563"/>
+          </a:xfrm>
+        </p:spPr>
         <p:txBody>
           <a:bodyPr/>
           <a:lstStyle/>
@@ -4758,32 +5250,71 @@
             <a:pPr algn="ctr"/>
             <a:r>
               <a:rPr lang="pt-BR" dirty="0"/>
-              <a:t>Referências</a:t>
-            </a:r>
-          </a:p>
-        </p:txBody>
-      </p:sp>
-      <p:sp>
-        <p:nvSpPr>
-          <p:cNvPr id="3" name="Espaço Reservado para Conteúdo 2">
-            <a:extLst>
-              <a:ext uri="{FF2B5EF4-FFF2-40B4-BE49-F238E27FC236}">
-                <a16:creationId xmlns:a16="http://schemas.microsoft.com/office/drawing/2014/main" id="{4C8EC214-9583-C49E-48D7-035E6B929F2F}"/>
-              </a:ext>
-            </a:extLst>
-          </p:cNvPr>
-          <p:cNvSpPr>
-            <a:spLocks noGrp="1"/>
-          </p:cNvSpPr>
+              <a:t>Sistema de Inteligência Geográfica – Fluxo de telas</a:t>
+            </a:r>
+          </a:p>
+        </p:txBody>
+      </p:sp>
+      <p:pic>
+        <p:nvPicPr>
+          <p:cNvPr id="9" name="Espaço Reservado para Conteúdo 8" descr="Interface gráfica do usuário, Texto&#10;&#10;Descrição gerada automaticamente">
+            <a:extLst>
+              <a:ext uri="{FF2B5EF4-FFF2-40B4-BE49-F238E27FC236}">
+                <a16:creationId xmlns:a16="http://schemas.microsoft.com/office/drawing/2014/main" id="{A2B541C4-7EF9-67D5-E9B6-85C37ADAE79C}"/>
+              </a:ext>
+            </a:extLst>
+          </p:cNvPr>
+          <p:cNvPicPr>
+            <a:picLocks noGrp="1" noChangeAspect="1"/>
+          </p:cNvPicPr>
           <p:nvPr>
             <p:ph idx="1"/>
           </p:nvPr>
-        </p:nvSpPr>
-        <p:spPr/>
-        <p:txBody>
-          <a:bodyPr/>
-          <a:lstStyle/>
-          <a:p>
+        </p:nvPicPr>
+        <p:blipFill>
+          <a:blip r:embed="rId2">
+            <a:extLst>
+              <a:ext uri="{28A0092B-C50C-407E-A947-70E740481C1C}">
+                <a14:useLocalDpi xmlns:a14="http://schemas.microsoft.com/office/drawing/2010/main" val="0"/>
+              </a:ext>
+            </a:extLst>
+          </a:blip>
+          <a:stretch>
+            <a:fillRect/>
+          </a:stretch>
+        </p:blipFill>
+        <p:spPr>
+          <a:xfrm>
+            <a:off x="1810765" y="2453295"/>
+            <a:ext cx="8062810" cy="2362851"/>
+          </a:xfrm>
+        </p:spPr>
+      </p:pic>
+      <p:sp>
+        <p:nvSpPr>
+          <p:cNvPr id="3" name="Espaço Reservado para Número de Slide 2">
+            <a:extLst>
+              <a:ext uri="{FF2B5EF4-FFF2-40B4-BE49-F238E27FC236}">
+                <a16:creationId xmlns:a16="http://schemas.microsoft.com/office/drawing/2014/main" id="{1453D519-1E04-3C7D-6DA5-D7D84C1F6CFC}"/>
+              </a:ext>
+            </a:extLst>
+          </p:cNvPr>
+          <p:cNvSpPr>
+            <a:spLocks noGrp="1"/>
+          </p:cNvSpPr>
+          <p:nvPr>
+            <p:ph type="sldNum" sz="quarter" idx="12"/>
+          </p:nvPr>
+        </p:nvSpPr>
+        <p:spPr/>
+        <p:txBody>
+          <a:bodyPr/>
+          <a:lstStyle/>
+          <a:p>
+            <a:fld id="{01D0E473-49BC-44E7-B559-73C7EF3C512B}" type="slidenum">
+              <a:rPr lang="pt-BR" smtClean="0"/>
+              <a:t>19</a:t>
+            </a:fld>
             <a:endParaRPr lang="pt-BR"/>
           </a:p>
         </p:txBody>
@@ -4791,7 +5322,7 @@
     </p:spTree>
     <p:extLst>
       <p:ext uri="{BB962C8B-B14F-4D97-AF65-F5344CB8AC3E}">
-        <p14:creationId xmlns:p14="http://schemas.microsoft.com/office/powerpoint/2010/main" val="1241587048"/>
+        <p14:creationId xmlns:p14="http://schemas.microsoft.com/office/powerpoint/2010/main" val="2723099934"/>
       </p:ext>
     </p:extLst>
   </p:cSld>
@@ -4894,8 +5425,43 @@
           <a:p>
             <a:r>
               <a:rPr lang="pt-BR" dirty="0"/>
+              <a:t>Considerações Finais</a:t>
+            </a:r>
+          </a:p>
+          <a:p>
+            <a:r>
+              <a:rPr lang="pt-BR" dirty="0"/>
               <a:t>Referências</a:t>
             </a:r>
+          </a:p>
+        </p:txBody>
+      </p:sp>
+      <p:sp>
+        <p:nvSpPr>
+          <p:cNvPr id="4" name="Espaço Reservado para Número de Slide 3">
+            <a:extLst>
+              <a:ext uri="{FF2B5EF4-FFF2-40B4-BE49-F238E27FC236}">
+                <a16:creationId xmlns:a16="http://schemas.microsoft.com/office/drawing/2014/main" id="{A88470A3-FB11-F784-220C-F0FDD9E9D109}"/>
+              </a:ext>
+            </a:extLst>
+          </p:cNvPr>
+          <p:cNvSpPr>
+            <a:spLocks noGrp="1"/>
+          </p:cNvSpPr>
+          <p:nvPr>
+            <p:ph type="sldNum" sz="quarter" idx="12"/>
+          </p:nvPr>
+        </p:nvSpPr>
+        <p:spPr/>
+        <p:txBody>
+          <a:bodyPr/>
+          <a:lstStyle/>
+          <a:p>
+            <a:fld id="{01D0E473-49BC-44E7-B559-73C7EF3C512B}" type="slidenum">
+              <a:rPr lang="pt-BR" smtClean="0"/>
+              <a:t>2</a:t>
+            </a:fld>
+            <a:endParaRPr lang="pt-BR"/>
           </a:p>
         </p:txBody>
       </p:sp>
@@ -4903,6 +5469,686 @@
     <p:extLst>
       <p:ext uri="{BB962C8B-B14F-4D97-AF65-F5344CB8AC3E}">
         <p14:creationId xmlns:p14="http://schemas.microsoft.com/office/powerpoint/2010/main" val="46361585"/>
+      </p:ext>
+    </p:extLst>
+  </p:cSld>
+  <p:clrMapOvr>
+    <a:masterClrMapping/>
+  </p:clrMapOvr>
+</p:sld>
+</file>
+
+<file path=ppt/slides/slide20.xml><?xml version="1.0" encoding="utf-8"?>
+<p:sld xmlns:a="http://schemas.openxmlformats.org/drawingml/2006/main" xmlns:r="http://schemas.openxmlformats.org/officeDocument/2006/relationships" xmlns:p="http://schemas.openxmlformats.org/presentationml/2006/main">
+  <p:cSld>
+    <p:spTree>
+      <p:nvGrpSpPr>
+        <p:cNvPr id="1" name=""/>
+        <p:cNvGrpSpPr/>
+        <p:nvPr/>
+      </p:nvGrpSpPr>
+      <p:grpSpPr>
+        <a:xfrm>
+          <a:off x="0" y="0"/>
+          <a:ext cx="0" cy="0"/>
+          <a:chOff x="0" y="0"/>
+          <a:chExt cx="0" cy="0"/>
+        </a:xfrm>
+      </p:grpSpPr>
+      <p:sp>
+        <p:nvSpPr>
+          <p:cNvPr id="2" name="Título 1">
+            <a:extLst>
+              <a:ext uri="{FF2B5EF4-FFF2-40B4-BE49-F238E27FC236}">
+                <a16:creationId xmlns:a16="http://schemas.microsoft.com/office/drawing/2014/main" id="{060AA2A0-904C-9BFD-A26A-913F327794AB}"/>
+              </a:ext>
+            </a:extLst>
+          </p:cNvPr>
+          <p:cNvSpPr>
+            <a:spLocks noGrp="1"/>
+          </p:cNvSpPr>
+          <p:nvPr>
+            <p:ph type="title"/>
+          </p:nvPr>
+        </p:nvSpPr>
+        <p:spPr/>
+        <p:txBody>
+          <a:bodyPr/>
+          <a:lstStyle/>
+          <a:p>
+            <a:r>
+              <a:rPr lang="pt-BR" dirty="0"/>
+              <a:t>Sistema de Inteligência Geográfica – (01)</a:t>
+            </a:r>
+          </a:p>
+        </p:txBody>
+      </p:sp>
+      <p:pic>
+        <p:nvPicPr>
+          <p:cNvPr id="9" name="Espaço Reservado para Conteúdo 8" descr="Interface gráfica do usuário, Texto, Aplicativo&#10;&#10;Descrição gerada automaticamente">
+            <a:extLst>
+              <a:ext uri="{FF2B5EF4-FFF2-40B4-BE49-F238E27FC236}">
+                <a16:creationId xmlns:a16="http://schemas.microsoft.com/office/drawing/2014/main" id="{18BAC139-9000-5083-EE2C-25ECDADD7785}"/>
+              </a:ext>
+            </a:extLst>
+          </p:cNvPr>
+          <p:cNvPicPr>
+            <a:picLocks noGrp="1" noChangeAspect="1"/>
+          </p:cNvPicPr>
+          <p:nvPr>
+            <p:ph idx="1"/>
+          </p:nvPr>
+        </p:nvPicPr>
+        <p:blipFill>
+          <a:blip r:embed="rId2">
+            <a:extLst>
+              <a:ext uri="{28A0092B-C50C-407E-A947-70E740481C1C}">
+                <a14:useLocalDpi xmlns:a14="http://schemas.microsoft.com/office/drawing/2010/main" val="0"/>
+              </a:ext>
+            </a:extLst>
+          </a:blip>
+          <a:stretch>
+            <a:fillRect/>
+          </a:stretch>
+        </p:blipFill>
+        <p:spPr>
+          <a:xfrm>
+            <a:off x="3897549" y="3025285"/>
+            <a:ext cx="3560373" cy="1186791"/>
+          </a:xfrm>
+        </p:spPr>
+      </p:pic>
+      <p:sp>
+        <p:nvSpPr>
+          <p:cNvPr id="3" name="Espaço Reservado para Número de Slide 2">
+            <a:extLst>
+              <a:ext uri="{FF2B5EF4-FFF2-40B4-BE49-F238E27FC236}">
+                <a16:creationId xmlns:a16="http://schemas.microsoft.com/office/drawing/2014/main" id="{E587DBC2-65D9-21CC-A442-7A48CA8C5E17}"/>
+              </a:ext>
+            </a:extLst>
+          </p:cNvPr>
+          <p:cNvSpPr>
+            <a:spLocks noGrp="1"/>
+          </p:cNvSpPr>
+          <p:nvPr>
+            <p:ph type="sldNum" sz="quarter" idx="12"/>
+          </p:nvPr>
+        </p:nvSpPr>
+        <p:spPr/>
+        <p:txBody>
+          <a:bodyPr/>
+          <a:lstStyle/>
+          <a:p>
+            <a:fld id="{01D0E473-49BC-44E7-B559-73C7EF3C512B}" type="slidenum">
+              <a:rPr lang="pt-BR" smtClean="0"/>
+              <a:t>20</a:t>
+            </a:fld>
+            <a:endParaRPr lang="pt-BR"/>
+          </a:p>
+        </p:txBody>
+      </p:sp>
+    </p:spTree>
+    <p:extLst>
+      <p:ext uri="{BB962C8B-B14F-4D97-AF65-F5344CB8AC3E}">
+        <p14:creationId xmlns:p14="http://schemas.microsoft.com/office/powerpoint/2010/main" val="2476695612"/>
+      </p:ext>
+    </p:extLst>
+  </p:cSld>
+  <p:clrMapOvr>
+    <a:masterClrMapping/>
+  </p:clrMapOvr>
+</p:sld>
+</file>
+
+<file path=ppt/slides/slide21.xml><?xml version="1.0" encoding="utf-8"?>
+<p:sld xmlns:a="http://schemas.openxmlformats.org/drawingml/2006/main" xmlns:r="http://schemas.openxmlformats.org/officeDocument/2006/relationships" xmlns:p="http://schemas.openxmlformats.org/presentationml/2006/main">
+  <p:cSld>
+    <p:spTree>
+      <p:nvGrpSpPr>
+        <p:cNvPr id="1" name=""/>
+        <p:cNvGrpSpPr/>
+        <p:nvPr/>
+      </p:nvGrpSpPr>
+      <p:grpSpPr>
+        <a:xfrm>
+          <a:off x="0" y="0"/>
+          <a:ext cx="0" cy="0"/>
+          <a:chOff x="0" y="0"/>
+          <a:chExt cx="0" cy="0"/>
+        </a:xfrm>
+      </p:grpSpPr>
+      <p:sp>
+        <p:nvSpPr>
+          <p:cNvPr id="2" name="Título 1">
+            <a:extLst>
+              <a:ext uri="{FF2B5EF4-FFF2-40B4-BE49-F238E27FC236}">
+                <a16:creationId xmlns:a16="http://schemas.microsoft.com/office/drawing/2014/main" id="{06C4B0A1-5FAB-7F2F-B3C5-61AE185F36E1}"/>
+              </a:ext>
+            </a:extLst>
+          </p:cNvPr>
+          <p:cNvSpPr>
+            <a:spLocks noGrp="1"/>
+          </p:cNvSpPr>
+          <p:nvPr>
+            <p:ph type="title"/>
+          </p:nvPr>
+        </p:nvSpPr>
+        <p:spPr>
+          <a:xfrm>
+            <a:off x="838200" y="374551"/>
+            <a:ext cx="10515600" cy="1325563"/>
+          </a:xfrm>
+        </p:spPr>
+        <p:txBody>
+          <a:bodyPr/>
+          <a:lstStyle/>
+          <a:p>
+            <a:r>
+              <a:rPr lang="pt-BR" dirty="0"/>
+              <a:t>Sistema de Inteligência Geográfica – (02)</a:t>
+            </a:r>
+          </a:p>
+        </p:txBody>
+      </p:sp>
+      <p:pic>
+        <p:nvPicPr>
+          <p:cNvPr id="9" name="Espaço Reservado para Conteúdo 8" descr="Tabela&#10;&#10;Descrição gerada automaticamente">
+            <a:extLst>
+              <a:ext uri="{FF2B5EF4-FFF2-40B4-BE49-F238E27FC236}">
+                <a16:creationId xmlns:a16="http://schemas.microsoft.com/office/drawing/2014/main" id="{C8E23D6A-C989-5F60-7F9F-EBD54829124E}"/>
+              </a:ext>
+            </a:extLst>
+          </p:cNvPr>
+          <p:cNvPicPr>
+            <a:picLocks noGrp="1" noChangeAspect="1"/>
+          </p:cNvPicPr>
+          <p:nvPr>
+            <p:ph idx="1"/>
+          </p:nvPr>
+        </p:nvPicPr>
+        <p:blipFill>
+          <a:blip r:embed="rId2">
+            <a:extLst>
+              <a:ext uri="{28A0092B-C50C-407E-A947-70E740481C1C}">
+                <a14:useLocalDpi xmlns:a14="http://schemas.microsoft.com/office/drawing/2010/main" val="0"/>
+              </a:ext>
+            </a:extLst>
+          </a:blip>
+          <a:stretch>
+            <a:fillRect/>
+          </a:stretch>
+        </p:blipFill>
+        <p:spPr>
+          <a:xfrm>
+            <a:off x="3616905" y="1889473"/>
+            <a:ext cx="4691187" cy="4316773"/>
+          </a:xfrm>
+        </p:spPr>
+      </p:pic>
+      <p:sp>
+        <p:nvSpPr>
+          <p:cNvPr id="3" name="Espaço Reservado para Número de Slide 2">
+            <a:extLst>
+              <a:ext uri="{FF2B5EF4-FFF2-40B4-BE49-F238E27FC236}">
+                <a16:creationId xmlns:a16="http://schemas.microsoft.com/office/drawing/2014/main" id="{20BC6046-A82C-4D70-E1DC-08AD56E26269}"/>
+              </a:ext>
+            </a:extLst>
+          </p:cNvPr>
+          <p:cNvSpPr>
+            <a:spLocks noGrp="1"/>
+          </p:cNvSpPr>
+          <p:nvPr>
+            <p:ph type="sldNum" sz="quarter" idx="12"/>
+          </p:nvPr>
+        </p:nvSpPr>
+        <p:spPr/>
+        <p:txBody>
+          <a:bodyPr/>
+          <a:lstStyle/>
+          <a:p>
+            <a:fld id="{01D0E473-49BC-44E7-B559-73C7EF3C512B}" type="slidenum">
+              <a:rPr lang="pt-BR" smtClean="0"/>
+              <a:t>21</a:t>
+            </a:fld>
+            <a:endParaRPr lang="pt-BR"/>
+          </a:p>
+        </p:txBody>
+      </p:sp>
+    </p:spTree>
+    <p:extLst>
+      <p:ext uri="{BB962C8B-B14F-4D97-AF65-F5344CB8AC3E}">
+        <p14:creationId xmlns:p14="http://schemas.microsoft.com/office/powerpoint/2010/main" val="1896820759"/>
+      </p:ext>
+    </p:extLst>
+  </p:cSld>
+  <p:clrMapOvr>
+    <a:masterClrMapping/>
+  </p:clrMapOvr>
+</p:sld>
+</file>
+
+<file path=ppt/slides/slide22.xml><?xml version="1.0" encoding="utf-8"?>
+<p:sld xmlns:a="http://schemas.openxmlformats.org/drawingml/2006/main" xmlns:r="http://schemas.openxmlformats.org/officeDocument/2006/relationships" xmlns:p="http://schemas.openxmlformats.org/presentationml/2006/main">
+  <p:cSld>
+    <p:spTree>
+      <p:nvGrpSpPr>
+        <p:cNvPr id="1" name=""/>
+        <p:cNvGrpSpPr/>
+        <p:nvPr/>
+      </p:nvGrpSpPr>
+      <p:grpSpPr>
+        <a:xfrm>
+          <a:off x="0" y="0"/>
+          <a:ext cx="0" cy="0"/>
+          <a:chOff x="0" y="0"/>
+          <a:chExt cx="0" cy="0"/>
+        </a:xfrm>
+      </p:grpSpPr>
+      <p:pic>
+        <p:nvPicPr>
+          <p:cNvPr id="9" name="Espaço Reservado para Conteúdo 8" descr="Mapa&#10;&#10;Descrição gerada automaticamente">
+            <a:extLst>
+              <a:ext uri="{FF2B5EF4-FFF2-40B4-BE49-F238E27FC236}">
+                <a16:creationId xmlns:a16="http://schemas.microsoft.com/office/drawing/2014/main" id="{9199D1D4-655E-A828-373C-14F6A7389370}"/>
+              </a:ext>
+            </a:extLst>
+          </p:cNvPr>
+          <p:cNvPicPr>
+            <a:picLocks noGrp="1" noChangeAspect="1"/>
+          </p:cNvPicPr>
+          <p:nvPr>
+            <p:ph idx="1"/>
+          </p:nvPr>
+        </p:nvPicPr>
+        <p:blipFill>
+          <a:blip r:embed="rId2">
+            <a:extLst>
+              <a:ext uri="{28A0092B-C50C-407E-A947-70E740481C1C}">
+                <a14:useLocalDpi xmlns:a14="http://schemas.microsoft.com/office/drawing/2010/main" val="0"/>
+              </a:ext>
+            </a:extLst>
+          </a:blip>
+          <a:stretch>
+            <a:fillRect/>
+          </a:stretch>
+        </p:blipFill>
+        <p:spPr>
+          <a:xfrm>
+            <a:off x="2735040" y="0"/>
+            <a:ext cx="6559789" cy="6763813"/>
+          </a:xfrm>
+        </p:spPr>
+      </p:pic>
+      <p:sp>
+        <p:nvSpPr>
+          <p:cNvPr id="2" name="Espaço Reservado para Número de Slide 1">
+            <a:extLst>
+              <a:ext uri="{FF2B5EF4-FFF2-40B4-BE49-F238E27FC236}">
+                <a16:creationId xmlns:a16="http://schemas.microsoft.com/office/drawing/2014/main" id="{39C468C1-1033-1BD9-35ED-D4C62FAF0430}"/>
+              </a:ext>
+            </a:extLst>
+          </p:cNvPr>
+          <p:cNvSpPr>
+            <a:spLocks noGrp="1"/>
+          </p:cNvSpPr>
+          <p:nvPr>
+            <p:ph type="sldNum" sz="quarter" idx="12"/>
+          </p:nvPr>
+        </p:nvSpPr>
+        <p:spPr/>
+        <p:txBody>
+          <a:bodyPr/>
+          <a:lstStyle/>
+          <a:p>
+            <a:fld id="{01D0E473-49BC-44E7-B559-73C7EF3C512B}" type="slidenum">
+              <a:rPr lang="pt-BR" smtClean="0"/>
+              <a:t>22</a:t>
+            </a:fld>
+            <a:endParaRPr lang="pt-BR"/>
+          </a:p>
+        </p:txBody>
+      </p:sp>
+    </p:spTree>
+    <p:extLst>
+      <p:ext uri="{BB962C8B-B14F-4D97-AF65-F5344CB8AC3E}">
+        <p14:creationId xmlns:p14="http://schemas.microsoft.com/office/powerpoint/2010/main" val="767958946"/>
+      </p:ext>
+    </p:extLst>
+  </p:cSld>
+  <p:clrMapOvr>
+    <a:masterClrMapping/>
+  </p:clrMapOvr>
+</p:sld>
+</file>
+
+<file path=ppt/slides/slide23.xml><?xml version="1.0" encoding="utf-8"?>
+<p:sld xmlns:a="http://schemas.openxmlformats.org/drawingml/2006/main" xmlns:r="http://schemas.openxmlformats.org/officeDocument/2006/relationships" xmlns:p="http://schemas.openxmlformats.org/presentationml/2006/main">
+  <p:cSld>
+    <p:spTree>
+      <p:nvGrpSpPr>
+        <p:cNvPr id="1" name=""/>
+        <p:cNvGrpSpPr/>
+        <p:nvPr/>
+      </p:nvGrpSpPr>
+      <p:grpSpPr>
+        <a:xfrm>
+          <a:off x="0" y="0"/>
+          <a:ext cx="0" cy="0"/>
+          <a:chOff x="0" y="0"/>
+          <a:chExt cx="0" cy="0"/>
+        </a:xfrm>
+      </p:grpSpPr>
+      <p:pic>
+        <p:nvPicPr>
+          <p:cNvPr id="5" name="Espaço Reservado para Conteúdo 4" descr="Mapa&#10;&#10;Descrição gerada automaticamente">
+            <a:extLst>
+              <a:ext uri="{FF2B5EF4-FFF2-40B4-BE49-F238E27FC236}">
+                <a16:creationId xmlns:a16="http://schemas.microsoft.com/office/drawing/2014/main" id="{62ED3AA7-CE45-B48F-57BE-09EC33D54579}"/>
+              </a:ext>
+            </a:extLst>
+          </p:cNvPr>
+          <p:cNvPicPr>
+            <a:picLocks noGrp="1" noChangeAspect="1"/>
+          </p:cNvPicPr>
+          <p:nvPr>
+            <p:ph idx="1"/>
+          </p:nvPr>
+        </p:nvPicPr>
+        <p:blipFill>
+          <a:blip r:embed="rId3">
+            <a:extLst>
+              <a:ext uri="{28A0092B-C50C-407E-A947-70E740481C1C}">
+                <a14:useLocalDpi xmlns:a14="http://schemas.microsoft.com/office/drawing/2010/main" val="0"/>
+              </a:ext>
+            </a:extLst>
+          </a:blip>
+          <a:stretch>
+            <a:fillRect/>
+          </a:stretch>
+        </p:blipFill>
+        <p:spPr>
+          <a:xfrm>
+            <a:off x="2928026" y="77821"/>
+            <a:ext cx="6601343" cy="6858001"/>
+          </a:xfrm>
+        </p:spPr>
+      </p:pic>
+      <p:sp>
+        <p:nvSpPr>
+          <p:cNvPr id="2" name="Espaço Reservado para Número de Slide 1">
+            <a:extLst>
+              <a:ext uri="{FF2B5EF4-FFF2-40B4-BE49-F238E27FC236}">
+                <a16:creationId xmlns:a16="http://schemas.microsoft.com/office/drawing/2014/main" id="{5C6CC445-BDA9-0136-70BD-92E3140CD154}"/>
+              </a:ext>
+            </a:extLst>
+          </p:cNvPr>
+          <p:cNvSpPr>
+            <a:spLocks noGrp="1"/>
+          </p:cNvSpPr>
+          <p:nvPr>
+            <p:ph type="sldNum" sz="quarter" idx="12"/>
+          </p:nvPr>
+        </p:nvSpPr>
+        <p:spPr/>
+        <p:txBody>
+          <a:bodyPr/>
+          <a:lstStyle/>
+          <a:p>
+            <a:fld id="{01D0E473-49BC-44E7-B559-73C7EF3C512B}" type="slidenum">
+              <a:rPr lang="pt-BR" smtClean="0"/>
+              <a:t>23</a:t>
+            </a:fld>
+            <a:endParaRPr lang="pt-BR"/>
+          </a:p>
+        </p:txBody>
+      </p:sp>
+    </p:spTree>
+    <p:extLst>
+      <p:ext uri="{BB962C8B-B14F-4D97-AF65-F5344CB8AC3E}">
+        <p14:creationId xmlns:p14="http://schemas.microsoft.com/office/powerpoint/2010/main" val="106107893"/>
+      </p:ext>
+    </p:extLst>
+  </p:cSld>
+  <p:clrMapOvr>
+    <a:masterClrMapping/>
+  </p:clrMapOvr>
+</p:sld>
+</file>
+
+<file path=ppt/slides/slide24.xml><?xml version="1.0" encoding="utf-8"?>
+<p:sld xmlns:a="http://schemas.openxmlformats.org/drawingml/2006/main" xmlns:r="http://schemas.openxmlformats.org/officeDocument/2006/relationships" xmlns:p="http://schemas.openxmlformats.org/presentationml/2006/main">
+  <p:cSld>
+    <p:spTree>
+      <p:nvGrpSpPr>
+        <p:cNvPr id="1" name=""/>
+        <p:cNvGrpSpPr/>
+        <p:nvPr/>
+      </p:nvGrpSpPr>
+      <p:grpSpPr>
+        <a:xfrm>
+          <a:off x="0" y="0"/>
+          <a:ext cx="0" cy="0"/>
+          <a:chOff x="0" y="0"/>
+          <a:chExt cx="0" cy="0"/>
+        </a:xfrm>
+      </p:grpSpPr>
+      <p:sp>
+        <p:nvSpPr>
+          <p:cNvPr id="2" name="Título 1">
+            <a:extLst>
+              <a:ext uri="{FF2B5EF4-FFF2-40B4-BE49-F238E27FC236}">
+                <a16:creationId xmlns:a16="http://schemas.microsoft.com/office/drawing/2014/main" id="{2197CB67-7038-AD65-59E4-6794C4F58C83}"/>
+              </a:ext>
+            </a:extLst>
+          </p:cNvPr>
+          <p:cNvSpPr>
+            <a:spLocks noGrp="1"/>
+          </p:cNvSpPr>
+          <p:nvPr>
+            <p:ph type="title"/>
+          </p:nvPr>
+        </p:nvSpPr>
+        <p:spPr/>
+        <p:txBody>
+          <a:bodyPr/>
+          <a:lstStyle/>
+          <a:p>
+            <a:r>
+              <a:rPr lang="pt-BR" dirty="0"/>
+              <a:t>Considerações Finais</a:t>
+            </a:r>
+          </a:p>
+        </p:txBody>
+      </p:sp>
+      <p:sp>
+        <p:nvSpPr>
+          <p:cNvPr id="3" name="Espaço Reservado para Conteúdo 2">
+            <a:extLst>
+              <a:ext uri="{FF2B5EF4-FFF2-40B4-BE49-F238E27FC236}">
+                <a16:creationId xmlns:a16="http://schemas.microsoft.com/office/drawing/2014/main" id="{823AF7CB-8A28-3A15-4193-13B24B623F5A}"/>
+              </a:ext>
+            </a:extLst>
+          </p:cNvPr>
+          <p:cNvSpPr>
+            <a:spLocks noGrp="1"/>
+          </p:cNvSpPr>
+          <p:nvPr>
+            <p:ph idx="1"/>
+          </p:nvPr>
+        </p:nvSpPr>
+        <p:spPr/>
+        <p:txBody>
+          <a:bodyPr/>
+          <a:lstStyle/>
+          <a:p>
+            <a:r>
+              <a:rPr lang="pt-BR" dirty="0"/>
+              <a:t>Metodologia genérica </a:t>
+            </a:r>
+          </a:p>
+          <a:p>
+            <a:r>
+              <a:rPr lang="pt-BR" dirty="0"/>
+              <a:t>Visualizações uteis</a:t>
+            </a:r>
+          </a:p>
+          <a:p>
+            <a:r>
+              <a:rPr lang="pt-BR" dirty="0"/>
+              <a:t>Sistema visa ajudar o usuário especialista a tomar decisões embasadas em dados disponíveis</a:t>
+            </a:r>
+          </a:p>
+          <a:p>
+            <a:endParaRPr lang="pt-BR" dirty="0"/>
+          </a:p>
+        </p:txBody>
+      </p:sp>
+      <p:sp>
+        <p:nvSpPr>
+          <p:cNvPr id="4" name="Espaço Reservado para Número de Slide 3">
+            <a:extLst>
+              <a:ext uri="{FF2B5EF4-FFF2-40B4-BE49-F238E27FC236}">
+                <a16:creationId xmlns:a16="http://schemas.microsoft.com/office/drawing/2014/main" id="{401A5AA2-E6A8-A721-737A-B41717FE656F}"/>
+              </a:ext>
+            </a:extLst>
+          </p:cNvPr>
+          <p:cNvSpPr>
+            <a:spLocks noGrp="1"/>
+          </p:cNvSpPr>
+          <p:nvPr>
+            <p:ph type="sldNum" sz="quarter" idx="12"/>
+          </p:nvPr>
+        </p:nvSpPr>
+        <p:spPr/>
+        <p:txBody>
+          <a:bodyPr/>
+          <a:lstStyle/>
+          <a:p>
+            <a:fld id="{01D0E473-49BC-44E7-B559-73C7EF3C512B}" type="slidenum">
+              <a:rPr lang="pt-BR" smtClean="0"/>
+              <a:t>24</a:t>
+            </a:fld>
+            <a:endParaRPr lang="pt-BR"/>
+          </a:p>
+        </p:txBody>
+      </p:sp>
+    </p:spTree>
+    <p:extLst>
+      <p:ext uri="{BB962C8B-B14F-4D97-AF65-F5344CB8AC3E}">
+        <p14:creationId xmlns:p14="http://schemas.microsoft.com/office/powerpoint/2010/main" val="4107139265"/>
+      </p:ext>
+    </p:extLst>
+  </p:cSld>
+  <p:clrMapOvr>
+    <a:masterClrMapping/>
+  </p:clrMapOvr>
+</p:sld>
+</file>
+
+<file path=ppt/slides/slide25.xml><?xml version="1.0" encoding="utf-8"?>
+<p:sld xmlns:a="http://schemas.openxmlformats.org/drawingml/2006/main" xmlns:r="http://schemas.openxmlformats.org/officeDocument/2006/relationships" xmlns:p="http://schemas.openxmlformats.org/presentationml/2006/main">
+  <p:cSld>
+    <p:spTree>
+      <p:nvGrpSpPr>
+        <p:cNvPr id="1" name=""/>
+        <p:cNvGrpSpPr/>
+        <p:nvPr/>
+      </p:nvGrpSpPr>
+      <p:grpSpPr>
+        <a:xfrm>
+          <a:off x="0" y="0"/>
+          <a:ext cx="0" cy="0"/>
+          <a:chOff x="0" y="0"/>
+          <a:chExt cx="0" cy="0"/>
+        </a:xfrm>
+      </p:grpSpPr>
+      <p:sp>
+        <p:nvSpPr>
+          <p:cNvPr id="2" name="Título 1">
+            <a:extLst>
+              <a:ext uri="{FF2B5EF4-FFF2-40B4-BE49-F238E27FC236}">
+                <a16:creationId xmlns:a16="http://schemas.microsoft.com/office/drawing/2014/main" id="{6E2F6D24-7D8E-E901-2FFB-EDE96D517337}"/>
+              </a:ext>
+            </a:extLst>
+          </p:cNvPr>
+          <p:cNvSpPr>
+            <a:spLocks noGrp="1"/>
+          </p:cNvSpPr>
+          <p:nvPr>
+            <p:ph type="title"/>
+          </p:nvPr>
+        </p:nvSpPr>
+        <p:spPr/>
+        <p:txBody>
+          <a:bodyPr/>
+          <a:lstStyle/>
+          <a:p>
+            <a:pPr algn="ctr"/>
+            <a:r>
+              <a:rPr lang="pt-BR" dirty="0"/>
+              <a:t>Referências</a:t>
+            </a:r>
+          </a:p>
+        </p:txBody>
+      </p:sp>
+      <p:sp>
+        <p:nvSpPr>
+          <p:cNvPr id="3" name="Espaço Reservado para Conteúdo 2">
+            <a:extLst>
+              <a:ext uri="{FF2B5EF4-FFF2-40B4-BE49-F238E27FC236}">
+                <a16:creationId xmlns:a16="http://schemas.microsoft.com/office/drawing/2014/main" id="{4C8EC214-9583-C49E-48D7-035E6B929F2F}"/>
+              </a:ext>
+            </a:extLst>
+          </p:cNvPr>
+          <p:cNvSpPr>
+            <a:spLocks noGrp="1"/>
+          </p:cNvSpPr>
+          <p:nvPr>
+            <p:ph idx="1"/>
+          </p:nvPr>
+        </p:nvSpPr>
+        <p:spPr/>
+        <p:txBody>
+          <a:bodyPr/>
+          <a:lstStyle/>
+          <a:p>
+            <a:endParaRPr lang="pt-BR"/>
+          </a:p>
+        </p:txBody>
+      </p:sp>
+      <p:sp>
+        <p:nvSpPr>
+          <p:cNvPr id="4" name="Espaço Reservado para Número de Slide 3">
+            <a:extLst>
+              <a:ext uri="{FF2B5EF4-FFF2-40B4-BE49-F238E27FC236}">
+                <a16:creationId xmlns:a16="http://schemas.microsoft.com/office/drawing/2014/main" id="{B76FCCD7-35D3-626D-06CD-8554BFCF68DE}"/>
+              </a:ext>
+            </a:extLst>
+          </p:cNvPr>
+          <p:cNvSpPr>
+            <a:spLocks noGrp="1"/>
+          </p:cNvSpPr>
+          <p:nvPr>
+            <p:ph type="sldNum" sz="quarter" idx="12"/>
+          </p:nvPr>
+        </p:nvSpPr>
+        <p:spPr/>
+        <p:txBody>
+          <a:bodyPr/>
+          <a:lstStyle/>
+          <a:p>
+            <a:fld id="{01D0E473-49BC-44E7-B559-73C7EF3C512B}" type="slidenum">
+              <a:rPr lang="pt-BR" smtClean="0"/>
+              <a:t>25</a:t>
+            </a:fld>
+            <a:endParaRPr lang="pt-BR"/>
+          </a:p>
+        </p:txBody>
+      </p:sp>
+    </p:spTree>
+    <p:extLst>
+      <p:ext uri="{BB962C8B-B14F-4D97-AF65-F5344CB8AC3E}">
+        <p14:creationId xmlns:p14="http://schemas.microsoft.com/office/powerpoint/2010/main" val="1241587048"/>
       </p:ext>
     </p:extLst>
   </p:cSld>
@@ -4998,6 +6244,35 @@
           </a:xfrm>
         </p:spPr>
       </p:pic>
+      <p:sp>
+        <p:nvSpPr>
+          <p:cNvPr id="3" name="Espaço Reservado para Número de Slide 2">
+            <a:extLst>
+              <a:ext uri="{FF2B5EF4-FFF2-40B4-BE49-F238E27FC236}">
+                <a16:creationId xmlns:a16="http://schemas.microsoft.com/office/drawing/2014/main" id="{4E0117B2-6034-33C3-0D72-54C7C1258D6B}"/>
+              </a:ext>
+            </a:extLst>
+          </p:cNvPr>
+          <p:cNvSpPr>
+            <a:spLocks noGrp="1"/>
+          </p:cNvSpPr>
+          <p:nvPr>
+            <p:ph type="sldNum" sz="quarter" idx="12"/>
+          </p:nvPr>
+        </p:nvSpPr>
+        <p:spPr/>
+        <p:txBody>
+          <a:bodyPr/>
+          <a:lstStyle/>
+          <a:p>
+            <a:fld id="{01D0E473-49BC-44E7-B559-73C7EF3C512B}" type="slidenum">
+              <a:rPr lang="pt-BR" smtClean="0"/>
+              <a:t>3</a:t>
+            </a:fld>
+            <a:endParaRPr lang="pt-BR"/>
+          </a:p>
+        </p:txBody>
+      </p:sp>
     </p:spTree>
     <p:extLst>
       <p:ext uri="{BB962C8B-B14F-4D97-AF65-F5344CB8AC3E}">
@@ -5127,6 +6402,35 @@
           </a:prstGeom>
         </p:spPr>
       </p:pic>
+      <p:sp>
+        <p:nvSpPr>
+          <p:cNvPr id="3" name="Espaço Reservado para Número de Slide 2">
+            <a:extLst>
+              <a:ext uri="{FF2B5EF4-FFF2-40B4-BE49-F238E27FC236}">
+                <a16:creationId xmlns:a16="http://schemas.microsoft.com/office/drawing/2014/main" id="{14336FB7-241E-4492-3634-645CD50BAC99}"/>
+              </a:ext>
+            </a:extLst>
+          </p:cNvPr>
+          <p:cNvSpPr>
+            <a:spLocks noGrp="1"/>
+          </p:cNvSpPr>
+          <p:nvPr>
+            <p:ph type="sldNum" sz="quarter" idx="12"/>
+          </p:nvPr>
+        </p:nvSpPr>
+        <p:spPr/>
+        <p:txBody>
+          <a:bodyPr/>
+          <a:lstStyle/>
+          <a:p>
+            <a:fld id="{01D0E473-49BC-44E7-B559-73C7EF3C512B}" type="slidenum">
+              <a:rPr lang="pt-BR" smtClean="0"/>
+              <a:t>4</a:t>
+            </a:fld>
+            <a:endParaRPr lang="pt-BR"/>
+          </a:p>
+        </p:txBody>
+      </p:sp>
     </p:spTree>
     <p:extLst>
       <p:ext uri="{BB962C8B-B14F-4D97-AF65-F5344CB8AC3E}">
@@ -5300,6 +6604,35 @@
           </a:prstGeom>
         </p:spPr>
       </p:pic>
+      <p:sp>
+        <p:nvSpPr>
+          <p:cNvPr id="4" name="Espaço Reservado para Número de Slide 3">
+            <a:extLst>
+              <a:ext uri="{FF2B5EF4-FFF2-40B4-BE49-F238E27FC236}">
+                <a16:creationId xmlns:a16="http://schemas.microsoft.com/office/drawing/2014/main" id="{40773CD4-5A0E-CD01-03CC-1188BF06AEB0}"/>
+              </a:ext>
+            </a:extLst>
+          </p:cNvPr>
+          <p:cNvSpPr>
+            <a:spLocks noGrp="1"/>
+          </p:cNvSpPr>
+          <p:nvPr>
+            <p:ph type="sldNum" sz="quarter" idx="12"/>
+          </p:nvPr>
+        </p:nvSpPr>
+        <p:spPr/>
+        <p:txBody>
+          <a:bodyPr/>
+          <a:lstStyle/>
+          <a:p>
+            <a:fld id="{01D0E473-49BC-44E7-B559-73C7EF3C512B}" type="slidenum">
+              <a:rPr lang="pt-BR" smtClean="0"/>
+              <a:t>5</a:t>
+            </a:fld>
+            <a:endParaRPr lang="pt-BR"/>
+          </a:p>
+        </p:txBody>
+      </p:sp>
     </p:spTree>
     <p:extLst>
       <p:ext uri="{BB962C8B-B14F-4D97-AF65-F5344CB8AC3E}">
@@ -5335,7 +6668,7 @@
           <p:cNvPr id="2" name="Título 1">
             <a:extLst>
               <a:ext uri="{FF2B5EF4-FFF2-40B4-BE49-F238E27FC236}">
-                <a16:creationId xmlns:a16="http://schemas.microsoft.com/office/drawing/2014/main" id="{AE726161-A3C7-FF67-1BEF-B8175199E461}"/>
+                <a16:creationId xmlns:a16="http://schemas.microsoft.com/office/drawing/2014/main" id="{B06191C5-31F3-37E7-0131-C8E6C949A42C}"/>
               </a:ext>
             </a:extLst>
           </p:cNvPr>
@@ -5353,7 +6686,7 @@
           <a:p>
             <a:r>
               <a:rPr lang="pt-BR" dirty="0"/>
-              <a:t>Motivação</a:t>
+              <a:t>Motivação - Usuário</a:t>
             </a:r>
           </a:p>
         </p:txBody>
@@ -5363,7 +6696,7 @@
           <p:cNvPr id="3" name="Espaço Reservado para Conteúdo 2">
             <a:extLst>
               <a:ext uri="{FF2B5EF4-FFF2-40B4-BE49-F238E27FC236}">
-                <a16:creationId xmlns:a16="http://schemas.microsoft.com/office/drawing/2014/main" id="{BD8C18AE-994F-5688-3699-D78202E5A6F1}"/>
+                <a16:creationId xmlns:a16="http://schemas.microsoft.com/office/drawing/2014/main" id="{E8D83D9D-D150-FA8A-7EA7-F606E2466EE6}"/>
               </a:ext>
             </a:extLst>
           </p:cNvPr>
@@ -5379,20 +6712,58 @@
           <a:bodyPr/>
           <a:lstStyle/>
           <a:p>
-            <a:pPr marL="0" indent="0" algn="ctr">
-              <a:buNone/>
-            </a:pPr>
             <a:r>
               <a:rPr lang="pt-BR" dirty="0"/>
-              <a:t>Como a computação poderia ajudar nesse problema e em problemas semelhantes ?</a:t>
-            </a:r>
+              <a:t>Usuário especialista (no contexto dos dados)</a:t>
+            </a:r>
+          </a:p>
+          <a:p>
+            <a:r>
+              <a:rPr lang="pt-BR" dirty="0"/>
+              <a:t>Tomar decisão</a:t>
+            </a:r>
+          </a:p>
+          <a:p>
+            <a:r>
+              <a:rPr lang="pt-BR" dirty="0"/>
+              <a:t>Não sabe usar a parte computacional (Mineração de Dados)</a:t>
+            </a:r>
+          </a:p>
+        </p:txBody>
+      </p:sp>
+      <p:sp>
+        <p:nvSpPr>
+          <p:cNvPr id="4" name="Espaço Reservado para Número de Slide 3">
+            <a:extLst>
+              <a:ext uri="{FF2B5EF4-FFF2-40B4-BE49-F238E27FC236}">
+                <a16:creationId xmlns:a16="http://schemas.microsoft.com/office/drawing/2014/main" id="{39C137AA-9817-5553-C3A7-F5C3E722D497}"/>
+              </a:ext>
+            </a:extLst>
+          </p:cNvPr>
+          <p:cNvSpPr>
+            <a:spLocks noGrp="1"/>
+          </p:cNvSpPr>
+          <p:nvPr>
+            <p:ph type="sldNum" sz="quarter" idx="12"/>
+          </p:nvPr>
+        </p:nvSpPr>
+        <p:spPr/>
+        <p:txBody>
+          <a:bodyPr/>
+          <a:lstStyle/>
+          <a:p>
+            <a:fld id="{01D0E473-49BC-44E7-B559-73C7EF3C512B}" type="slidenum">
+              <a:rPr lang="pt-BR" smtClean="0"/>
+              <a:t>6</a:t>
+            </a:fld>
+            <a:endParaRPr lang="pt-BR"/>
           </a:p>
         </p:txBody>
       </p:sp>
     </p:spTree>
     <p:extLst>
       <p:ext uri="{BB962C8B-B14F-4D97-AF65-F5344CB8AC3E}">
-        <p14:creationId xmlns:p14="http://schemas.microsoft.com/office/powerpoint/2010/main" val="856662280"/>
+        <p14:creationId xmlns:p14="http://schemas.microsoft.com/office/powerpoint/2010/main" val="1757078967"/>
       </p:ext>
     </p:extLst>
   </p:cSld>
@@ -5424,7 +6795,7 @@
           <p:cNvPr id="2" name="Título 1">
             <a:extLst>
               <a:ext uri="{FF2B5EF4-FFF2-40B4-BE49-F238E27FC236}">
-                <a16:creationId xmlns:a16="http://schemas.microsoft.com/office/drawing/2014/main" id="{0ED1622E-A43C-52EF-C248-648F43D05A9E}"/>
+                <a16:creationId xmlns:a16="http://schemas.microsoft.com/office/drawing/2014/main" id="{AE726161-A3C7-FF67-1BEF-B8175199E461}"/>
               </a:ext>
             </a:extLst>
           </p:cNvPr>
@@ -5440,53 +6811,86 @@
           <a:bodyPr/>
           <a:lstStyle/>
           <a:p>
-            <a:pPr algn="ctr"/>
             <a:r>
               <a:rPr lang="pt-BR" dirty="0"/>
-              <a:t>Motivação – Processo de Descoberta de Conhecimento em Bases de Dados</a:t>
-            </a:r>
-          </a:p>
-        </p:txBody>
-      </p:sp>
-      <p:pic>
-        <p:nvPicPr>
-          <p:cNvPr id="9" name="Espaço Reservado para Conteúdo 8" descr="Diagrama&#10;&#10;Descrição gerada automaticamente">
-            <a:extLst>
-              <a:ext uri="{FF2B5EF4-FFF2-40B4-BE49-F238E27FC236}">
-                <a16:creationId xmlns:a16="http://schemas.microsoft.com/office/drawing/2014/main" id="{A8274144-0386-85B7-17DC-A8616F0BA825}"/>
-              </a:ext>
-            </a:extLst>
-          </p:cNvPr>
-          <p:cNvPicPr>
-            <a:picLocks noGrp="1" noChangeAspect="1"/>
-          </p:cNvPicPr>
+              <a:t>Motivação</a:t>
+            </a:r>
+          </a:p>
+        </p:txBody>
+      </p:sp>
+      <p:sp>
+        <p:nvSpPr>
+          <p:cNvPr id="3" name="Espaço Reservado para Conteúdo 2">
+            <a:extLst>
+              <a:ext uri="{FF2B5EF4-FFF2-40B4-BE49-F238E27FC236}">
+                <a16:creationId xmlns:a16="http://schemas.microsoft.com/office/drawing/2014/main" id="{BD8C18AE-994F-5688-3699-D78202E5A6F1}"/>
+              </a:ext>
+            </a:extLst>
+          </p:cNvPr>
+          <p:cNvSpPr>
+            <a:spLocks noGrp="1"/>
+          </p:cNvSpPr>
           <p:nvPr>
             <p:ph idx="1"/>
           </p:nvPr>
-        </p:nvPicPr>
-        <p:blipFill>
-          <a:blip r:embed="rId2">
-            <a:extLst>
-              <a:ext uri="{28A0092B-C50C-407E-A947-70E740481C1C}">
-                <a14:useLocalDpi xmlns:a14="http://schemas.microsoft.com/office/drawing/2010/main" val="0"/>
-              </a:ext>
-            </a:extLst>
-          </a:blip>
-          <a:stretch>
-            <a:fillRect/>
-          </a:stretch>
-        </p:blipFill>
-        <p:spPr>
-          <a:xfrm>
-            <a:off x="2000615" y="1947402"/>
-            <a:ext cx="8767904" cy="4108480"/>
-          </a:xfrm>
-        </p:spPr>
-      </p:pic>
+        </p:nvSpPr>
+        <p:spPr/>
+        <p:txBody>
+          <a:bodyPr/>
+          <a:lstStyle/>
+          <a:p>
+            <a:pPr marL="0" indent="0" algn="ctr">
+              <a:buNone/>
+            </a:pPr>
+            <a:r>
+              <a:rPr lang="pt-BR" dirty="0"/>
+              <a:t>Como a computação poderia ajudar nesse problema e em problemas semelhantes ?</a:t>
+            </a:r>
+          </a:p>
+          <a:p>
+            <a:pPr marL="0" indent="0" algn="ctr">
+              <a:buNone/>
+            </a:pPr>
+            <a:r>
+              <a:rPr lang="pt-BR" dirty="0"/>
+              <a:t>Outras perguntas...</a:t>
+            </a:r>
+          </a:p>
+        </p:txBody>
+      </p:sp>
+      <p:sp>
+        <p:nvSpPr>
+          <p:cNvPr id="4" name="Espaço Reservado para Número de Slide 3">
+            <a:extLst>
+              <a:ext uri="{FF2B5EF4-FFF2-40B4-BE49-F238E27FC236}">
+                <a16:creationId xmlns:a16="http://schemas.microsoft.com/office/drawing/2014/main" id="{B247BC73-915F-EA3E-1911-6A023351B3BA}"/>
+              </a:ext>
+            </a:extLst>
+          </p:cNvPr>
+          <p:cNvSpPr>
+            <a:spLocks noGrp="1"/>
+          </p:cNvSpPr>
+          <p:nvPr>
+            <p:ph type="sldNum" sz="quarter" idx="12"/>
+          </p:nvPr>
+        </p:nvSpPr>
+        <p:spPr/>
+        <p:txBody>
+          <a:bodyPr/>
+          <a:lstStyle/>
+          <a:p>
+            <a:fld id="{01D0E473-49BC-44E7-B559-73C7EF3C512B}" type="slidenum">
+              <a:rPr lang="pt-BR" smtClean="0"/>
+              <a:t>7</a:t>
+            </a:fld>
+            <a:endParaRPr lang="pt-BR"/>
+          </a:p>
+        </p:txBody>
+      </p:sp>
     </p:spTree>
     <p:extLst>
       <p:ext uri="{BB962C8B-B14F-4D97-AF65-F5344CB8AC3E}">
-        <p14:creationId xmlns:p14="http://schemas.microsoft.com/office/powerpoint/2010/main" val="146841560"/>
+        <p14:creationId xmlns:p14="http://schemas.microsoft.com/office/powerpoint/2010/main" val="856662280"/>
       </p:ext>
     </p:extLst>
   </p:cSld>
@@ -5518,7 +6922,7 @@
           <p:cNvPr id="2" name="Título 1">
             <a:extLst>
               <a:ext uri="{FF2B5EF4-FFF2-40B4-BE49-F238E27FC236}">
-                <a16:creationId xmlns:a16="http://schemas.microsoft.com/office/drawing/2014/main" id="{3FFB1A38-36CA-431E-B599-97B0C3AB4D9F}"/>
+                <a16:creationId xmlns:a16="http://schemas.microsoft.com/office/drawing/2014/main" id="{0ED1622E-A43C-52EF-C248-648F43D05A9E}"/>
               </a:ext>
             </a:extLst>
           </p:cNvPr>
@@ -5537,17 +6941,17 @@
             <a:pPr algn="ctr"/>
             <a:r>
               <a:rPr lang="pt-BR" dirty="0"/>
-              <a:t>Motivação – Mineração de Dados</a:t>
+              <a:t>Motivação – Processo de Descoberta de Conhecimento em Bases de Dados</a:t>
             </a:r>
           </a:p>
         </p:txBody>
       </p:sp>
       <p:pic>
         <p:nvPicPr>
-          <p:cNvPr id="5" name="Espaço Reservado para Conteúdo 4" descr="Diagrama&#10;&#10;Descrição gerada automaticamente">
-            <a:extLst>
-              <a:ext uri="{FF2B5EF4-FFF2-40B4-BE49-F238E27FC236}">
-                <a16:creationId xmlns:a16="http://schemas.microsoft.com/office/drawing/2014/main" id="{86D640C3-7AA9-6973-AC12-D178DE6C9C43}"/>
+          <p:cNvPr id="9" name="Espaço Reservado para Conteúdo 8" descr="Diagrama&#10;&#10;Descrição gerada automaticamente">
+            <a:extLst>
+              <a:ext uri="{FF2B5EF4-FFF2-40B4-BE49-F238E27FC236}">
+                <a16:creationId xmlns:a16="http://schemas.microsoft.com/office/drawing/2014/main" id="{A8274144-0386-85B7-17DC-A8616F0BA825}"/>
               </a:ext>
             </a:extLst>
           </p:cNvPr>
@@ -5572,15 +6976,44 @@
         </p:blipFill>
         <p:spPr>
           <a:xfrm>
-            <a:off x="2798271" y="1552246"/>
-            <a:ext cx="6375506" cy="4940629"/>
+            <a:off x="2000615" y="1947402"/>
+            <a:ext cx="8767904" cy="4108480"/>
           </a:xfrm>
         </p:spPr>
       </p:pic>
+      <p:sp>
+        <p:nvSpPr>
+          <p:cNvPr id="3" name="Espaço Reservado para Número de Slide 2">
+            <a:extLst>
+              <a:ext uri="{FF2B5EF4-FFF2-40B4-BE49-F238E27FC236}">
+                <a16:creationId xmlns:a16="http://schemas.microsoft.com/office/drawing/2014/main" id="{A06B7587-B74B-C843-1E8C-902EA8D9A3B4}"/>
+              </a:ext>
+            </a:extLst>
+          </p:cNvPr>
+          <p:cNvSpPr>
+            <a:spLocks noGrp="1"/>
+          </p:cNvSpPr>
+          <p:nvPr>
+            <p:ph type="sldNum" sz="quarter" idx="12"/>
+          </p:nvPr>
+        </p:nvSpPr>
+        <p:spPr/>
+        <p:txBody>
+          <a:bodyPr/>
+          <a:lstStyle/>
+          <a:p>
+            <a:fld id="{01D0E473-49BC-44E7-B559-73C7EF3C512B}" type="slidenum">
+              <a:rPr lang="pt-BR" smtClean="0"/>
+              <a:t>8</a:t>
+            </a:fld>
+            <a:endParaRPr lang="pt-BR"/>
+          </a:p>
+        </p:txBody>
+      </p:sp>
     </p:spTree>
     <p:extLst>
       <p:ext uri="{BB962C8B-B14F-4D97-AF65-F5344CB8AC3E}">
-        <p14:creationId xmlns:p14="http://schemas.microsoft.com/office/powerpoint/2010/main" val="3346018112"/>
+        <p14:creationId xmlns:p14="http://schemas.microsoft.com/office/powerpoint/2010/main" val="146841560"/>
       </p:ext>
     </p:extLst>
   </p:cSld>
@@ -5612,7 +7045,7 @@
           <p:cNvPr id="2" name="Título 1">
             <a:extLst>
               <a:ext uri="{FF2B5EF4-FFF2-40B4-BE49-F238E27FC236}">
-                <a16:creationId xmlns:a16="http://schemas.microsoft.com/office/drawing/2014/main" id="{FE5B806F-7BFA-1B18-87D2-B69D5A666B19}"/>
+                <a16:creationId xmlns:a16="http://schemas.microsoft.com/office/drawing/2014/main" id="{3FFB1A38-36CA-431E-B599-97B0C3AB4D9F}"/>
               </a:ext>
             </a:extLst>
           </p:cNvPr>
@@ -5641,7 +7074,7 @@
           <p:cNvPr id="5" name="Espaço Reservado para Conteúdo 4" descr="Diagrama&#10;&#10;Descrição gerada automaticamente">
             <a:extLst>
               <a:ext uri="{FF2B5EF4-FFF2-40B4-BE49-F238E27FC236}">
-                <a16:creationId xmlns:a16="http://schemas.microsoft.com/office/drawing/2014/main" id="{89121763-9A68-8DB5-2A27-36A2C5A8C2A2}"/>
+                <a16:creationId xmlns:a16="http://schemas.microsoft.com/office/drawing/2014/main" id="{86D640C3-7AA9-6973-AC12-D178DE6C9C43}"/>
               </a:ext>
             </a:extLst>
           </p:cNvPr>
@@ -5666,15 +7099,44 @@
         </p:blipFill>
         <p:spPr>
           <a:xfrm>
-            <a:off x="2854333" y="1585569"/>
-            <a:ext cx="6332505" cy="4907306"/>
+            <a:off x="2798271" y="1552246"/>
+            <a:ext cx="6375506" cy="4940629"/>
           </a:xfrm>
         </p:spPr>
       </p:pic>
+      <p:sp>
+        <p:nvSpPr>
+          <p:cNvPr id="3" name="Espaço Reservado para Número de Slide 2">
+            <a:extLst>
+              <a:ext uri="{FF2B5EF4-FFF2-40B4-BE49-F238E27FC236}">
+                <a16:creationId xmlns:a16="http://schemas.microsoft.com/office/drawing/2014/main" id="{FC934C5F-D8EB-E6D6-2068-DFEE001943CA}"/>
+              </a:ext>
+            </a:extLst>
+          </p:cNvPr>
+          <p:cNvSpPr>
+            <a:spLocks noGrp="1"/>
+          </p:cNvSpPr>
+          <p:nvPr>
+            <p:ph type="sldNum" sz="quarter" idx="12"/>
+          </p:nvPr>
+        </p:nvSpPr>
+        <p:spPr/>
+        <p:txBody>
+          <a:bodyPr/>
+          <a:lstStyle/>
+          <a:p>
+            <a:fld id="{01D0E473-49BC-44E7-B559-73C7EF3C512B}" type="slidenum">
+              <a:rPr lang="pt-BR" smtClean="0"/>
+              <a:t>9</a:t>
+            </a:fld>
+            <a:endParaRPr lang="pt-BR"/>
+          </a:p>
+        </p:txBody>
+      </p:sp>
     </p:spTree>
     <p:extLst>
       <p:ext uri="{BB962C8B-B14F-4D97-AF65-F5344CB8AC3E}">
-        <p14:creationId xmlns:p14="http://schemas.microsoft.com/office/powerpoint/2010/main" val="1684163586"/>
+        <p14:creationId xmlns:p14="http://schemas.microsoft.com/office/powerpoint/2010/main" val="3346018112"/>
       </p:ext>
     </p:extLst>
   </p:cSld>
